--- a/Software Engineering/Slides/Lecture 13.pptx
+++ b/Software Engineering/Slides/Lecture 13.pptx
@@ -227,7 +227,7 @@
             <a:fld id="{4DDCDF98-04A3-4FA1-8165-AC9A68647D5A}" type="datetimeFigureOut">
               <a:rPr lang="en-US" smtClean="0"/>
               <a:pPr/>
-              <a:t>4/12/2022</a:t>
+              <a:t>4/18/22</a:t>
             </a:fld>
             <a:endParaRPr lang="en-US"/>
           </a:p>
@@ -1368,7 +1368,14 @@
           <a:bodyPr wrap="none" anchor="ctr"/>
           <a:lstStyle/>
           <a:p>
-            <a:endParaRPr lang="en-US"/>
+            <a:r>
+              <a:rPr lang="en-US" dirty="0"/>
+              <a:t>Tangible is something we can physically see or touch, Intangible is opposite </a:t>
+            </a:r>
+            <a:r>
+              <a:rPr lang="en-US"/>
+              <a:t>of that</a:t>
+            </a:r>
           </a:p>
         </p:txBody>
       </p:sp>
@@ -1927,7 +1934,7 @@
             <a:fld id="{C3173D3E-08EC-4E65-995F-34869A3E30B2}" type="datetimeFigureOut">
               <a:rPr lang="en-US" smtClean="0"/>
               <a:pPr/>
-              <a:t>4/12/2022</a:t>
+              <a:t>4/18/22</a:t>
             </a:fld>
             <a:endParaRPr lang="en-US"/>
           </a:p>
@@ -2093,7 +2100,7 @@
             <a:fld id="{C3173D3E-08EC-4E65-995F-34869A3E30B2}" type="datetimeFigureOut">
               <a:rPr lang="en-US" smtClean="0"/>
               <a:pPr/>
-              <a:t>4/12/2022</a:t>
+              <a:t>4/18/22</a:t>
             </a:fld>
             <a:endParaRPr lang="en-US"/>
           </a:p>
@@ -2269,7 +2276,7 @@
             <a:fld id="{C3173D3E-08EC-4E65-995F-34869A3E30B2}" type="datetimeFigureOut">
               <a:rPr lang="en-US" smtClean="0"/>
               <a:pPr/>
-              <a:t>4/12/2022</a:t>
+              <a:t>4/18/22</a:t>
             </a:fld>
             <a:endParaRPr lang="en-US"/>
           </a:p>
@@ -2435,7 +2442,7 @@
             <a:fld id="{C3173D3E-08EC-4E65-995F-34869A3E30B2}" type="datetimeFigureOut">
               <a:rPr lang="en-US" smtClean="0"/>
               <a:pPr/>
-              <a:t>4/12/2022</a:t>
+              <a:t>4/18/22</a:t>
             </a:fld>
             <a:endParaRPr lang="en-US"/>
           </a:p>
@@ -2678,7 +2685,7 @@
             <a:fld id="{C3173D3E-08EC-4E65-995F-34869A3E30B2}" type="datetimeFigureOut">
               <a:rPr lang="en-US" smtClean="0"/>
               <a:pPr/>
-              <a:t>4/12/2022</a:t>
+              <a:t>4/18/22</a:t>
             </a:fld>
             <a:endParaRPr lang="en-US"/>
           </a:p>
@@ -2943,7 +2950,7 @@
             <a:fld id="{C3173D3E-08EC-4E65-995F-34869A3E30B2}" type="datetimeFigureOut">
               <a:rPr lang="en-US" smtClean="0"/>
               <a:pPr/>
-              <a:t>4/12/2022</a:t>
+              <a:t>4/18/22</a:t>
             </a:fld>
             <a:endParaRPr lang="en-US"/>
           </a:p>
@@ -3322,7 +3329,7 @@
             <a:fld id="{C3173D3E-08EC-4E65-995F-34869A3E30B2}" type="datetimeFigureOut">
               <a:rPr lang="en-US" smtClean="0"/>
               <a:pPr/>
-              <a:t>4/12/2022</a:t>
+              <a:t>4/18/22</a:t>
             </a:fld>
             <a:endParaRPr lang="en-US"/>
           </a:p>
@@ -3473,7 +3480,7 @@
             <a:fld id="{C3173D3E-08EC-4E65-995F-34869A3E30B2}" type="datetimeFigureOut">
               <a:rPr lang="en-US" smtClean="0"/>
               <a:pPr/>
-              <a:t>4/12/2022</a:t>
+              <a:t>4/18/22</a:t>
             </a:fld>
             <a:endParaRPr lang="en-US"/>
           </a:p>
@@ -3565,7 +3572,7 @@
             <a:fld id="{C3173D3E-08EC-4E65-995F-34869A3E30B2}" type="datetimeFigureOut">
               <a:rPr lang="en-US" smtClean="0"/>
               <a:pPr/>
-              <a:t>4/12/2022</a:t>
+              <a:t>4/18/22</a:t>
             </a:fld>
             <a:endParaRPr lang="en-US"/>
           </a:p>
@@ -3827,7 +3834,7 @@
             <a:fld id="{C3173D3E-08EC-4E65-995F-34869A3E30B2}" type="datetimeFigureOut">
               <a:rPr lang="en-US" smtClean="0"/>
               <a:pPr/>
-              <a:t>4/12/2022</a:t>
+              <a:t>4/18/22</a:t>
             </a:fld>
             <a:endParaRPr lang="en-US"/>
           </a:p>
@@ -4116,7 +4123,7 @@
             <a:fld id="{C3173D3E-08EC-4E65-995F-34869A3E30B2}" type="datetimeFigureOut">
               <a:rPr lang="en-US" smtClean="0"/>
               <a:pPr/>
-              <a:t>4/12/2022</a:t>
+              <a:t>4/18/22</a:t>
             </a:fld>
             <a:endParaRPr lang="en-US"/>
           </a:p>
@@ -4887,7 +4894,7 @@
             <a:fld id="{C3173D3E-08EC-4E65-995F-34869A3E30B2}" type="datetimeFigureOut">
               <a:rPr lang="en-US" smtClean="0"/>
               <a:pPr/>
-              <a:t>4/12/2022</a:t>
+              <a:t>4/18/22</a:t>
             </a:fld>
             <a:endParaRPr lang="en-US"/>
           </a:p>

--- a/Software Engineering/Slides/Lecture 13.pptx
+++ b/Software Engineering/Slides/Lecture 13.pptx
@@ -5,28 +5,31 @@
     <p:sldMasterId id="2147483684" r:id="rId1"/>
   </p:sldMasterIdLst>
   <p:notesMasterIdLst>
-    <p:notesMasterId r:id="rId21"/>
+    <p:notesMasterId r:id="rId24"/>
   </p:notesMasterIdLst>
   <p:sldIdLst>
-    <p:sldId id="475" r:id="rId2"/>
-    <p:sldId id="476" r:id="rId3"/>
-    <p:sldId id="502" r:id="rId4"/>
-    <p:sldId id="503" r:id="rId5"/>
-    <p:sldId id="504" r:id="rId6"/>
-    <p:sldId id="505" r:id="rId7"/>
-    <p:sldId id="442" r:id="rId8"/>
-    <p:sldId id="506" r:id="rId9"/>
-    <p:sldId id="508" r:id="rId10"/>
-    <p:sldId id="509" r:id="rId11"/>
-    <p:sldId id="510" r:id="rId12"/>
-    <p:sldId id="511" r:id="rId13"/>
-    <p:sldId id="512" r:id="rId14"/>
-    <p:sldId id="507" r:id="rId15"/>
-    <p:sldId id="513" r:id="rId16"/>
-    <p:sldId id="481" r:id="rId17"/>
-    <p:sldId id="482" r:id="rId18"/>
-    <p:sldId id="480" r:id="rId19"/>
-    <p:sldId id="471" r:id="rId20"/>
+    <p:sldId id="303" r:id="rId2"/>
+    <p:sldId id="324" r:id="rId3"/>
+    <p:sldId id="356" r:id="rId4"/>
+    <p:sldId id="326" r:id="rId5"/>
+    <p:sldId id="327" r:id="rId6"/>
+    <p:sldId id="328" r:id="rId7"/>
+    <p:sldId id="388" r:id="rId8"/>
+    <p:sldId id="373" r:id="rId9"/>
+    <p:sldId id="377" r:id="rId10"/>
+    <p:sldId id="372" r:id="rId11"/>
+    <p:sldId id="360" r:id="rId12"/>
+    <p:sldId id="361" r:id="rId13"/>
+    <p:sldId id="389" r:id="rId14"/>
+    <p:sldId id="390" r:id="rId15"/>
+    <p:sldId id="374" r:id="rId16"/>
+    <p:sldId id="375" r:id="rId17"/>
+    <p:sldId id="391" r:id="rId18"/>
+    <p:sldId id="392" r:id="rId19"/>
+    <p:sldId id="393" r:id="rId20"/>
+    <p:sldId id="383" r:id="rId21"/>
+    <p:sldId id="369" r:id="rId22"/>
+    <p:sldId id="323" r:id="rId23"/>
   </p:sldIdLst>
   <p:sldSz cx="9144000" cy="6858000" type="screen4x3"/>
   <p:notesSz cx="6858000" cy="9144000"/>
@@ -227,7 +230,7 @@
             <a:fld id="{4DDCDF98-04A3-4FA1-8165-AC9A68647D5A}" type="datetimeFigureOut">
               <a:rPr lang="en-US" smtClean="0"/>
               <a:pPr/>
-              <a:t>4/18/22</a:t>
+              <a:t>4/23/2022</a:t>
             </a:fld>
             <a:endParaRPr lang="en-US"/>
           </a:p>
@@ -397,7 +400,7 @@
     </p:spTree>
     <p:extLst>
       <p:ext uri="{BB962C8B-B14F-4D97-AF65-F5344CB8AC3E}">
-        <p14:creationId xmlns:p14="http://schemas.microsoft.com/office/powerpoint/2010/main" val="1164953968"/>
+        <p14:creationId xmlns:p14="http://schemas.microsoft.com/office/powerpoint/2010/main" val="2574222803"/>
       </p:ext>
     </p:extLst>
   </p:cSld>
@@ -524,7 +527,7 @@
       </p:grpSpPr>
       <p:sp>
         <p:nvSpPr>
-          <p:cNvPr id="80898" name="Rectangle 1"/>
+          <p:cNvPr id="44034" name="Rectangle 1"/>
           <p:cNvSpPr>
             <a:spLocks noGrp="1" noRot="1" noChangeAspect="1" noChangeArrowheads="1" noTextEdit="1"/>
           </p:cNvSpPr>
@@ -538,7 +541,7 @@
       </p:sp>
       <p:sp>
         <p:nvSpPr>
-          <p:cNvPr id="80899" name="Rectangle 2"/>
+          <p:cNvPr id="44035" name="Rectangle 2"/>
           <p:cNvSpPr txBox="1">
             <a:spLocks noGrp="1" noChangeArrowheads="1"/>
           </p:cNvSpPr>
@@ -561,599 +564,7 @@
     </p:spTree>
     <p:extLst>
       <p:ext uri="{BB962C8B-B14F-4D97-AF65-F5344CB8AC3E}">
-        <p14:creationId xmlns:p14="http://schemas.microsoft.com/office/powerpoint/2010/main" val="1507565059"/>
-      </p:ext>
-    </p:extLst>
-  </p:cSld>
-  <p:clrMapOvr>
-    <a:masterClrMapping/>
-  </p:clrMapOvr>
-</p:notes>
-</file>
-
-<file path=ppt/notesSlides/notesSlide10.xml><?xml version="1.0" encoding="utf-8"?>
-<p:notes xmlns:a="http://schemas.openxmlformats.org/drawingml/2006/main" xmlns:r="http://schemas.openxmlformats.org/officeDocument/2006/relationships" xmlns:p="http://schemas.openxmlformats.org/presentationml/2006/main">
-  <p:cSld>
-    <p:bg>
-      <p:bgPr>
-        <a:solidFill>
-          <a:srgbClr val="FFFFFF"/>
-        </a:solidFill>
-        <a:effectLst/>
-      </p:bgPr>
-    </p:bg>
-    <p:spTree>
-      <p:nvGrpSpPr>
-        <p:cNvPr id="1" name=""/>
-        <p:cNvGrpSpPr/>
-        <p:nvPr/>
-      </p:nvGrpSpPr>
-      <p:grpSpPr>
-        <a:xfrm>
-          <a:off x="0" y="0"/>
-          <a:ext cx="0" cy="0"/>
-          <a:chOff x="0" y="0"/>
-          <a:chExt cx="0" cy="0"/>
-        </a:xfrm>
-      </p:grpSpPr>
-      <p:sp>
-        <p:nvSpPr>
-          <p:cNvPr id="83970" name="Rectangle 1"/>
-          <p:cNvSpPr>
-            <a:spLocks noGrp="1" noRot="1" noChangeAspect="1" noChangeArrowheads="1" noTextEdit="1"/>
-          </p:cNvSpPr>
-          <p:nvPr>
-            <p:ph type="sldImg"/>
-          </p:nvPr>
-        </p:nvSpPr>
-        <p:spPr>
-          <a:ln/>
-        </p:spPr>
-      </p:sp>
-      <p:sp>
-        <p:nvSpPr>
-          <p:cNvPr id="83971" name="Rectangle 2"/>
-          <p:cNvSpPr txBox="1">
-            <a:spLocks noGrp="1" noChangeArrowheads="1"/>
-          </p:cNvSpPr>
-          <p:nvPr>
-            <p:ph type="body" idx="1"/>
-          </p:nvPr>
-        </p:nvSpPr>
-        <p:spPr>
-          <a:noFill/>
-          <a:ln/>
-        </p:spPr>
-        <p:txBody>
-          <a:bodyPr wrap="none" anchor="ctr"/>
-          <a:lstStyle/>
-          <a:p>
-            <a:endParaRPr lang="en-US"/>
-          </a:p>
-        </p:txBody>
-      </p:sp>
-    </p:spTree>
-    <p:extLst>
-      <p:ext uri="{BB962C8B-B14F-4D97-AF65-F5344CB8AC3E}">
-        <p14:creationId xmlns:p14="http://schemas.microsoft.com/office/powerpoint/2010/main" val="67346848"/>
-      </p:ext>
-    </p:extLst>
-  </p:cSld>
-  <p:clrMapOvr>
-    <a:masterClrMapping/>
-  </p:clrMapOvr>
-</p:notes>
-</file>
-
-<file path=ppt/notesSlides/notesSlide11.xml><?xml version="1.0" encoding="utf-8"?>
-<p:notes xmlns:a="http://schemas.openxmlformats.org/drawingml/2006/main" xmlns:r="http://schemas.openxmlformats.org/officeDocument/2006/relationships" xmlns:p="http://schemas.openxmlformats.org/presentationml/2006/main">
-  <p:cSld>
-    <p:bg>
-      <p:bgPr>
-        <a:solidFill>
-          <a:srgbClr val="FFFFFF"/>
-        </a:solidFill>
-        <a:effectLst/>
-      </p:bgPr>
-    </p:bg>
-    <p:spTree>
-      <p:nvGrpSpPr>
-        <p:cNvPr id="1" name=""/>
-        <p:cNvGrpSpPr/>
-        <p:nvPr/>
-      </p:nvGrpSpPr>
-      <p:grpSpPr>
-        <a:xfrm>
-          <a:off x="0" y="0"/>
-          <a:ext cx="0" cy="0"/>
-          <a:chOff x="0" y="0"/>
-          <a:chExt cx="0" cy="0"/>
-        </a:xfrm>
-      </p:grpSpPr>
-      <p:sp>
-        <p:nvSpPr>
-          <p:cNvPr id="83970" name="Rectangle 1"/>
-          <p:cNvSpPr>
-            <a:spLocks noGrp="1" noRot="1" noChangeAspect="1" noChangeArrowheads="1" noTextEdit="1"/>
-          </p:cNvSpPr>
-          <p:nvPr>
-            <p:ph type="sldImg"/>
-          </p:nvPr>
-        </p:nvSpPr>
-        <p:spPr>
-          <a:ln/>
-        </p:spPr>
-      </p:sp>
-      <p:sp>
-        <p:nvSpPr>
-          <p:cNvPr id="83971" name="Rectangle 2"/>
-          <p:cNvSpPr txBox="1">
-            <a:spLocks noGrp="1" noChangeArrowheads="1"/>
-          </p:cNvSpPr>
-          <p:nvPr>
-            <p:ph type="body" idx="1"/>
-          </p:nvPr>
-        </p:nvSpPr>
-        <p:spPr>
-          <a:noFill/>
-          <a:ln/>
-        </p:spPr>
-        <p:txBody>
-          <a:bodyPr wrap="none" anchor="ctr"/>
-          <a:lstStyle/>
-          <a:p>
-            <a:endParaRPr lang="en-US"/>
-          </a:p>
-        </p:txBody>
-      </p:sp>
-    </p:spTree>
-    <p:extLst>
-      <p:ext uri="{BB962C8B-B14F-4D97-AF65-F5344CB8AC3E}">
-        <p14:creationId xmlns:p14="http://schemas.microsoft.com/office/powerpoint/2010/main" val="3445141139"/>
-      </p:ext>
-    </p:extLst>
-  </p:cSld>
-  <p:clrMapOvr>
-    <a:masterClrMapping/>
-  </p:clrMapOvr>
-</p:notes>
-</file>
-
-<file path=ppt/notesSlides/notesSlide12.xml><?xml version="1.0" encoding="utf-8"?>
-<p:notes xmlns:a="http://schemas.openxmlformats.org/drawingml/2006/main" xmlns:r="http://schemas.openxmlformats.org/officeDocument/2006/relationships" xmlns:p="http://schemas.openxmlformats.org/presentationml/2006/main">
-  <p:cSld>
-    <p:bg>
-      <p:bgPr>
-        <a:solidFill>
-          <a:srgbClr val="FFFFFF"/>
-        </a:solidFill>
-        <a:effectLst/>
-      </p:bgPr>
-    </p:bg>
-    <p:spTree>
-      <p:nvGrpSpPr>
-        <p:cNvPr id="1" name=""/>
-        <p:cNvGrpSpPr/>
-        <p:nvPr/>
-      </p:nvGrpSpPr>
-      <p:grpSpPr>
-        <a:xfrm>
-          <a:off x="0" y="0"/>
-          <a:ext cx="0" cy="0"/>
-          <a:chOff x="0" y="0"/>
-          <a:chExt cx="0" cy="0"/>
-        </a:xfrm>
-      </p:grpSpPr>
-      <p:sp>
-        <p:nvSpPr>
-          <p:cNvPr id="83970" name="Rectangle 1"/>
-          <p:cNvSpPr>
-            <a:spLocks noGrp="1" noRot="1" noChangeAspect="1" noChangeArrowheads="1" noTextEdit="1"/>
-          </p:cNvSpPr>
-          <p:nvPr>
-            <p:ph type="sldImg"/>
-          </p:nvPr>
-        </p:nvSpPr>
-        <p:spPr>
-          <a:ln/>
-        </p:spPr>
-      </p:sp>
-      <p:sp>
-        <p:nvSpPr>
-          <p:cNvPr id="83971" name="Rectangle 2"/>
-          <p:cNvSpPr txBox="1">
-            <a:spLocks noGrp="1" noChangeArrowheads="1"/>
-          </p:cNvSpPr>
-          <p:nvPr>
-            <p:ph type="body" idx="1"/>
-          </p:nvPr>
-        </p:nvSpPr>
-        <p:spPr>
-          <a:noFill/>
-          <a:ln/>
-        </p:spPr>
-        <p:txBody>
-          <a:bodyPr wrap="none" anchor="ctr"/>
-          <a:lstStyle/>
-          <a:p>
-            <a:endParaRPr lang="en-US"/>
-          </a:p>
-        </p:txBody>
-      </p:sp>
-    </p:spTree>
-    <p:extLst>
-      <p:ext uri="{BB962C8B-B14F-4D97-AF65-F5344CB8AC3E}">
-        <p14:creationId xmlns:p14="http://schemas.microsoft.com/office/powerpoint/2010/main" val="4109324140"/>
-      </p:ext>
-    </p:extLst>
-  </p:cSld>
-  <p:clrMapOvr>
-    <a:masterClrMapping/>
-  </p:clrMapOvr>
-</p:notes>
-</file>
-
-<file path=ppt/notesSlides/notesSlide13.xml><?xml version="1.0" encoding="utf-8"?>
-<p:notes xmlns:a="http://schemas.openxmlformats.org/drawingml/2006/main" xmlns:r="http://schemas.openxmlformats.org/officeDocument/2006/relationships" xmlns:p="http://schemas.openxmlformats.org/presentationml/2006/main">
-  <p:cSld>
-    <p:bg>
-      <p:bgPr>
-        <a:solidFill>
-          <a:srgbClr val="FFFFFF"/>
-        </a:solidFill>
-        <a:effectLst/>
-      </p:bgPr>
-    </p:bg>
-    <p:spTree>
-      <p:nvGrpSpPr>
-        <p:cNvPr id="1" name=""/>
-        <p:cNvGrpSpPr/>
-        <p:nvPr/>
-      </p:nvGrpSpPr>
-      <p:grpSpPr>
-        <a:xfrm>
-          <a:off x="0" y="0"/>
-          <a:ext cx="0" cy="0"/>
-          <a:chOff x="0" y="0"/>
-          <a:chExt cx="0" cy="0"/>
-        </a:xfrm>
-      </p:grpSpPr>
-      <p:sp>
-        <p:nvSpPr>
-          <p:cNvPr id="83970" name="Rectangle 1"/>
-          <p:cNvSpPr>
-            <a:spLocks noGrp="1" noRot="1" noChangeAspect="1" noChangeArrowheads="1" noTextEdit="1"/>
-          </p:cNvSpPr>
-          <p:nvPr>
-            <p:ph type="sldImg"/>
-          </p:nvPr>
-        </p:nvSpPr>
-        <p:spPr>
-          <a:ln/>
-        </p:spPr>
-      </p:sp>
-      <p:sp>
-        <p:nvSpPr>
-          <p:cNvPr id="83971" name="Rectangle 2"/>
-          <p:cNvSpPr txBox="1">
-            <a:spLocks noGrp="1" noChangeArrowheads="1"/>
-          </p:cNvSpPr>
-          <p:nvPr>
-            <p:ph type="body" idx="1"/>
-          </p:nvPr>
-        </p:nvSpPr>
-        <p:spPr>
-          <a:noFill/>
-          <a:ln/>
-        </p:spPr>
-        <p:txBody>
-          <a:bodyPr wrap="none" anchor="ctr"/>
-          <a:lstStyle/>
-          <a:p>
-            <a:endParaRPr lang="en-US"/>
-          </a:p>
-        </p:txBody>
-      </p:sp>
-    </p:spTree>
-    <p:extLst>
-      <p:ext uri="{BB962C8B-B14F-4D97-AF65-F5344CB8AC3E}">
-        <p14:creationId xmlns:p14="http://schemas.microsoft.com/office/powerpoint/2010/main" val="4256752565"/>
-      </p:ext>
-    </p:extLst>
-  </p:cSld>
-  <p:clrMapOvr>
-    <a:masterClrMapping/>
-  </p:clrMapOvr>
-</p:notes>
-</file>
-
-<file path=ppt/notesSlides/notesSlide14.xml><?xml version="1.0" encoding="utf-8"?>
-<p:notes xmlns:a="http://schemas.openxmlformats.org/drawingml/2006/main" xmlns:r="http://schemas.openxmlformats.org/officeDocument/2006/relationships" xmlns:p="http://schemas.openxmlformats.org/presentationml/2006/main">
-  <p:cSld>
-    <p:bg>
-      <p:bgPr>
-        <a:solidFill>
-          <a:srgbClr val="FFFFFF"/>
-        </a:solidFill>
-        <a:effectLst/>
-      </p:bgPr>
-    </p:bg>
-    <p:spTree>
-      <p:nvGrpSpPr>
-        <p:cNvPr id="1" name=""/>
-        <p:cNvGrpSpPr/>
-        <p:nvPr/>
-      </p:nvGrpSpPr>
-      <p:grpSpPr>
-        <a:xfrm>
-          <a:off x="0" y="0"/>
-          <a:ext cx="0" cy="0"/>
-          <a:chOff x="0" y="0"/>
-          <a:chExt cx="0" cy="0"/>
-        </a:xfrm>
-      </p:grpSpPr>
-      <p:sp>
-        <p:nvSpPr>
-          <p:cNvPr id="83970" name="Rectangle 1"/>
-          <p:cNvSpPr>
-            <a:spLocks noGrp="1" noRot="1" noChangeAspect="1" noChangeArrowheads="1" noTextEdit="1"/>
-          </p:cNvSpPr>
-          <p:nvPr>
-            <p:ph type="sldImg"/>
-          </p:nvPr>
-        </p:nvSpPr>
-        <p:spPr>
-          <a:ln/>
-        </p:spPr>
-      </p:sp>
-      <p:sp>
-        <p:nvSpPr>
-          <p:cNvPr id="83971" name="Rectangle 2"/>
-          <p:cNvSpPr txBox="1">
-            <a:spLocks noGrp="1" noChangeArrowheads="1"/>
-          </p:cNvSpPr>
-          <p:nvPr>
-            <p:ph type="body" idx="1"/>
-          </p:nvPr>
-        </p:nvSpPr>
-        <p:spPr>
-          <a:noFill/>
-          <a:ln/>
-        </p:spPr>
-        <p:txBody>
-          <a:bodyPr wrap="none" anchor="ctr"/>
-          <a:lstStyle/>
-          <a:p>
-            <a:endParaRPr lang="en-US"/>
-          </a:p>
-        </p:txBody>
-      </p:sp>
-    </p:spTree>
-    <p:extLst>
-      <p:ext uri="{BB962C8B-B14F-4D97-AF65-F5344CB8AC3E}">
-        <p14:creationId xmlns:p14="http://schemas.microsoft.com/office/powerpoint/2010/main" val="671051732"/>
-      </p:ext>
-    </p:extLst>
-  </p:cSld>
-  <p:clrMapOvr>
-    <a:masterClrMapping/>
-  </p:clrMapOvr>
-</p:notes>
-</file>
-
-<file path=ppt/notesSlides/notesSlide15.xml><?xml version="1.0" encoding="utf-8"?>
-<p:notes xmlns:a="http://schemas.openxmlformats.org/drawingml/2006/main" xmlns:r="http://schemas.openxmlformats.org/officeDocument/2006/relationships" xmlns:p="http://schemas.openxmlformats.org/presentationml/2006/main">
-  <p:cSld>
-    <p:bg>
-      <p:bgPr>
-        <a:solidFill>
-          <a:srgbClr val="FFFFFF"/>
-        </a:solidFill>
-        <a:effectLst/>
-      </p:bgPr>
-    </p:bg>
-    <p:spTree>
-      <p:nvGrpSpPr>
-        <p:cNvPr id="1" name=""/>
-        <p:cNvGrpSpPr/>
-        <p:nvPr/>
-      </p:nvGrpSpPr>
-      <p:grpSpPr>
-        <a:xfrm>
-          <a:off x="0" y="0"/>
-          <a:ext cx="0" cy="0"/>
-          <a:chOff x="0" y="0"/>
-          <a:chExt cx="0" cy="0"/>
-        </a:xfrm>
-      </p:grpSpPr>
-      <p:sp>
-        <p:nvSpPr>
-          <p:cNvPr id="83970" name="Rectangle 1"/>
-          <p:cNvSpPr>
-            <a:spLocks noGrp="1" noRot="1" noChangeAspect="1" noChangeArrowheads="1" noTextEdit="1"/>
-          </p:cNvSpPr>
-          <p:nvPr>
-            <p:ph type="sldImg"/>
-          </p:nvPr>
-        </p:nvSpPr>
-        <p:spPr>
-          <a:ln/>
-        </p:spPr>
-      </p:sp>
-      <p:sp>
-        <p:nvSpPr>
-          <p:cNvPr id="83971" name="Rectangle 2"/>
-          <p:cNvSpPr txBox="1">
-            <a:spLocks noGrp="1" noChangeArrowheads="1"/>
-          </p:cNvSpPr>
-          <p:nvPr>
-            <p:ph type="body" idx="1"/>
-          </p:nvPr>
-        </p:nvSpPr>
-        <p:spPr>
-          <a:noFill/>
-          <a:ln/>
-        </p:spPr>
-        <p:txBody>
-          <a:bodyPr wrap="none" anchor="ctr"/>
-          <a:lstStyle/>
-          <a:p>
-            <a:endParaRPr lang="en-US"/>
-          </a:p>
-        </p:txBody>
-      </p:sp>
-    </p:spTree>
-    <p:extLst>
-      <p:ext uri="{BB962C8B-B14F-4D97-AF65-F5344CB8AC3E}">
-        <p14:creationId xmlns:p14="http://schemas.microsoft.com/office/powerpoint/2010/main" val="361212335"/>
-      </p:ext>
-    </p:extLst>
-  </p:cSld>
-  <p:clrMapOvr>
-    <a:masterClrMapping/>
-  </p:clrMapOvr>
-</p:notes>
-</file>
-
-<file path=ppt/notesSlides/notesSlide16.xml><?xml version="1.0" encoding="utf-8"?>
-<p:notes xmlns:a="http://schemas.openxmlformats.org/drawingml/2006/main" xmlns:r="http://schemas.openxmlformats.org/officeDocument/2006/relationships" xmlns:p="http://schemas.openxmlformats.org/presentationml/2006/main">
-  <p:cSld>
-    <p:bg>
-      <p:bgPr>
-        <a:solidFill>
-          <a:srgbClr val="FFFFFF"/>
-        </a:solidFill>
-        <a:effectLst/>
-      </p:bgPr>
-    </p:bg>
-    <p:spTree>
-      <p:nvGrpSpPr>
-        <p:cNvPr id="1" name=""/>
-        <p:cNvGrpSpPr/>
-        <p:nvPr/>
-      </p:nvGrpSpPr>
-      <p:grpSpPr>
-        <a:xfrm>
-          <a:off x="0" y="0"/>
-          <a:ext cx="0" cy="0"/>
-          <a:chOff x="0" y="0"/>
-          <a:chExt cx="0" cy="0"/>
-        </a:xfrm>
-      </p:grpSpPr>
-      <p:sp>
-        <p:nvSpPr>
-          <p:cNvPr id="64514" name="Rectangle 1"/>
-          <p:cNvSpPr>
-            <a:spLocks noGrp="1" noRot="1" noChangeAspect="1" noChangeArrowheads="1" noTextEdit="1"/>
-          </p:cNvSpPr>
-          <p:nvPr>
-            <p:ph type="sldImg"/>
-          </p:nvPr>
-        </p:nvSpPr>
-        <p:spPr>
-          <a:ln/>
-        </p:spPr>
-      </p:sp>
-      <p:sp>
-        <p:nvSpPr>
-          <p:cNvPr id="64515" name="Rectangle 2"/>
-          <p:cNvSpPr txBox="1">
-            <a:spLocks noGrp="1" noChangeArrowheads="1"/>
-          </p:cNvSpPr>
-          <p:nvPr>
-            <p:ph type="body" idx="1"/>
-          </p:nvPr>
-        </p:nvSpPr>
-        <p:spPr>
-          <a:noFill/>
-          <a:ln/>
-        </p:spPr>
-        <p:txBody>
-          <a:bodyPr wrap="none" anchor="ctr"/>
-          <a:lstStyle/>
-          <a:p>
-            <a:endParaRPr lang="en-US"/>
-          </a:p>
-        </p:txBody>
-      </p:sp>
-    </p:spTree>
-    <p:extLst>
-      <p:ext uri="{BB962C8B-B14F-4D97-AF65-F5344CB8AC3E}">
-        <p14:creationId xmlns:p14="http://schemas.microsoft.com/office/powerpoint/2010/main" val="962141272"/>
-      </p:ext>
-    </p:extLst>
-  </p:cSld>
-  <p:clrMapOvr>
-    <a:masterClrMapping/>
-  </p:clrMapOvr>
-</p:notes>
-</file>
-
-<file path=ppt/notesSlides/notesSlide17.xml><?xml version="1.0" encoding="utf-8"?>
-<p:notes xmlns:a="http://schemas.openxmlformats.org/drawingml/2006/main" xmlns:r="http://schemas.openxmlformats.org/officeDocument/2006/relationships" xmlns:p="http://schemas.openxmlformats.org/presentationml/2006/main">
-  <p:cSld>
-    <p:bg>
-      <p:bgPr>
-        <a:solidFill>
-          <a:srgbClr val="FFFFFF"/>
-        </a:solidFill>
-        <a:effectLst/>
-      </p:bgPr>
-    </p:bg>
-    <p:spTree>
-      <p:nvGrpSpPr>
-        <p:cNvPr id="1" name=""/>
-        <p:cNvGrpSpPr/>
-        <p:nvPr/>
-      </p:nvGrpSpPr>
-      <p:grpSpPr>
-        <a:xfrm>
-          <a:off x="0" y="0"/>
-          <a:ext cx="0" cy="0"/>
-          <a:chOff x="0" y="0"/>
-          <a:chExt cx="0" cy="0"/>
-        </a:xfrm>
-      </p:grpSpPr>
-      <p:sp>
-        <p:nvSpPr>
-          <p:cNvPr id="74754" name="Rectangle 1"/>
-          <p:cNvSpPr>
-            <a:spLocks noGrp="1" noRot="1" noChangeAspect="1" noChangeArrowheads="1" noTextEdit="1"/>
-          </p:cNvSpPr>
-          <p:nvPr>
-            <p:ph type="sldImg"/>
-          </p:nvPr>
-        </p:nvSpPr>
-        <p:spPr>
-          <a:ln/>
-        </p:spPr>
-      </p:sp>
-      <p:sp>
-        <p:nvSpPr>
-          <p:cNvPr id="74755" name="Rectangle 2"/>
-          <p:cNvSpPr txBox="1">
-            <a:spLocks noGrp="1" noChangeArrowheads="1"/>
-          </p:cNvSpPr>
-          <p:nvPr>
-            <p:ph type="body" idx="1"/>
-          </p:nvPr>
-        </p:nvSpPr>
-        <p:spPr>
-          <a:noFill/>
-          <a:ln/>
-        </p:spPr>
-        <p:txBody>
-          <a:bodyPr wrap="none" anchor="ctr"/>
-          <a:lstStyle/>
-          <a:p>
-            <a:endParaRPr lang="en-US"/>
-          </a:p>
-        </p:txBody>
-      </p:sp>
-    </p:spTree>
-    <p:extLst>
-      <p:ext uri="{BB962C8B-B14F-4D97-AF65-F5344CB8AC3E}">
-        <p14:creationId xmlns:p14="http://schemas.microsoft.com/office/powerpoint/2010/main" val="1538775587"/>
+        <p14:creationId xmlns:p14="http://schemas.microsoft.com/office/powerpoint/2010/main" val="1796434243"/>
       </p:ext>
     </p:extLst>
   </p:cSld>
@@ -1190,7 +601,7 @@
       </p:grpSpPr>
       <p:sp>
         <p:nvSpPr>
-          <p:cNvPr id="81922" name="Rectangle 1"/>
+          <p:cNvPr id="45058" name="Rectangle 1"/>
           <p:cNvSpPr>
             <a:spLocks noGrp="1" noRot="1" noChangeAspect="1" noChangeArrowheads="1" noTextEdit="1"/>
           </p:cNvSpPr>
@@ -1204,7 +615,7 @@
       </p:sp>
       <p:sp>
         <p:nvSpPr>
-          <p:cNvPr id="81923" name="Rectangle 2"/>
+          <p:cNvPr id="45059" name="Rectangle 2"/>
           <p:cNvSpPr txBox="1">
             <a:spLocks noGrp="1" noChangeArrowheads="1"/>
           </p:cNvSpPr>
@@ -1227,7 +638,7 @@
     </p:spTree>
     <p:extLst>
       <p:ext uri="{BB962C8B-B14F-4D97-AF65-F5344CB8AC3E}">
-        <p14:creationId xmlns:p14="http://schemas.microsoft.com/office/powerpoint/2010/main" val="1790466263"/>
+        <p14:creationId xmlns:p14="http://schemas.microsoft.com/office/powerpoint/2010/main" val="3683511481"/>
       </p:ext>
     </p:extLst>
   </p:cSld>
@@ -1264,7 +675,7 @@
       </p:grpSpPr>
       <p:sp>
         <p:nvSpPr>
-          <p:cNvPr id="81922" name="Rectangle 1"/>
+          <p:cNvPr id="46082" name="Rectangle 1"/>
           <p:cNvSpPr>
             <a:spLocks noGrp="1" noRot="1" noChangeAspect="1" noChangeArrowheads="1" noTextEdit="1"/>
           </p:cNvSpPr>
@@ -1278,7 +689,7 @@
       </p:sp>
       <p:sp>
         <p:nvSpPr>
-          <p:cNvPr id="81923" name="Rectangle 2"/>
+          <p:cNvPr id="46083" name="Rectangle 2"/>
           <p:cNvSpPr txBox="1">
             <a:spLocks noGrp="1" noChangeArrowheads="1"/>
           </p:cNvSpPr>
@@ -1301,7 +712,7 @@
     </p:spTree>
     <p:extLst>
       <p:ext uri="{BB962C8B-B14F-4D97-AF65-F5344CB8AC3E}">
-        <p14:creationId xmlns:p14="http://schemas.microsoft.com/office/powerpoint/2010/main" val="696015309"/>
+        <p14:creationId xmlns:p14="http://schemas.microsoft.com/office/powerpoint/2010/main" val="1115103067"/>
       </p:ext>
     </p:extLst>
   </p:cSld>
@@ -1338,7 +749,7 @@
       </p:grpSpPr>
       <p:sp>
         <p:nvSpPr>
-          <p:cNvPr id="81922" name="Rectangle 1"/>
+          <p:cNvPr id="46082" name="Rectangle 1"/>
           <p:cNvSpPr>
             <a:spLocks noGrp="1" noRot="1" noChangeAspect="1" noChangeArrowheads="1" noTextEdit="1"/>
           </p:cNvSpPr>
@@ -1352,7 +763,7 @@
       </p:sp>
       <p:sp>
         <p:nvSpPr>
-          <p:cNvPr id="81923" name="Rectangle 2"/>
+          <p:cNvPr id="46083" name="Rectangle 2"/>
           <p:cNvSpPr txBox="1">
             <a:spLocks noGrp="1" noChangeArrowheads="1"/>
           </p:cNvSpPr>
@@ -1368,21 +779,14 @@
           <a:bodyPr wrap="none" anchor="ctr"/>
           <a:lstStyle/>
           <a:p>
-            <a:r>
-              <a:rPr lang="en-US" dirty="0"/>
-              <a:t>Tangible is something we can physically see or touch, Intangible is opposite </a:t>
-            </a:r>
-            <a:r>
-              <a:rPr lang="en-US"/>
-              <a:t>of that</a:t>
-            </a:r>
+            <a:endParaRPr lang="en-US"/>
           </a:p>
         </p:txBody>
       </p:sp>
     </p:spTree>
     <p:extLst>
       <p:ext uri="{BB962C8B-B14F-4D97-AF65-F5344CB8AC3E}">
-        <p14:creationId xmlns:p14="http://schemas.microsoft.com/office/powerpoint/2010/main" val="1987159827"/>
+        <p14:creationId xmlns:p14="http://schemas.microsoft.com/office/powerpoint/2010/main" val="1261082425"/>
       </p:ext>
     </p:extLst>
   </p:cSld>
@@ -1419,7 +823,7 @@
       </p:grpSpPr>
       <p:sp>
         <p:nvSpPr>
-          <p:cNvPr id="81922" name="Rectangle 1"/>
+          <p:cNvPr id="50178" name="Rectangle 1"/>
           <p:cNvSpPr>
             <a:spLocks noGrp="1" noRot="1" noChangeAspect="1" noChangeArrowheads="1" noTextEdit="1"/>
           </p:cNvSpPr>
@@ -1433,7 +837,7 @@
       </p:sp>
       <p:sp>
         <p:nvSpPr>
-          <p:cNvPr id="81923" name="Rectangle 2"/>
+          <p:cNvPr id="50179" name="Rectangle 2"/>
           <p:cNvSpPr txBox="1">
             <a:spLocks noGrp="1" noChangeArrowheads="1"/>
           </p:cNvSpPr>
@@ -1456,303 +860,7 @@
     </p:spTree>
     <p:extLst>
       <p:ext uri="{BB962C8B-B14F-4D97-AF65-F5344CB8AC3E}">
-        <p14:creationId xmlns:p14="http://schemas.microsoft.com/office/powerpoint/2010/main" val="3817326749"/>
-      </p:ext>
-    </p:extLst>
-  </p:cSld>
-  <p:clrMapOvr>
-    <a:masterClrMapping/>
-  </p:clrMapOvr>
-</p:notes>
-</file>
-
-<file path=ppt/notesSlides/notesSlide6.xml><?xml version="1.0" encoding="utf-8"?>
-<p:notes xmlns:a="http://schemas.openxmlformats.org/drawingml/2006/main" xmlns:r="http://schemas.openxmlformats.org/officeDocument/2006/relationships" xmlns:p="http://schemas.openxmlformats.org/presentationml/2006/main">
-  <p:cSld>
-    <p:bg>
-      <p:bgPr>
-        <a:solidFill>
-          <a:srgbClr val="FFFFFF"/>
-        </a:solidFill>
-        <a:effectLst/>
-      </p:bgPr>
-    </p:bg>
-    <p:spTree>
-      <p:nvGrpSpPr>
-        <p:cNvPr id="1" name=""/>
-        <p:cNvGrpSpPr/>
-        <p:nvPr/>
-      </p:nvGrpSpPr>
-      <p:grpSpPr>
-        <a:xfrm>
-          <a:off x="0" y="0"/>
-          <a:ext cx="0" cy="0"/>
-          <a:chOff x="0" y="0"/>
-          <a:chExt cx="0" cy="0"/>
-        </a:xfrm>
-      </p:grpSpPr>
-      <p:sp>
-        <p:nvSpPr>
-          <p:cNvPr id="81922" name="Rectangle 1"/>
-          <p:cNvSpPr>
-            <a:spLocks noGrp="1" noRot="1" noChangeAspect="1" noChangeArrowheads="1" noTextEdit="1"/>
-          </p:cNvSpPr>
-          <p:nvPr>
-            <p:ph type="sldImg"/>
-          </p:nvPr>
-        </p:nvSpPr>
-        <p:spPr>
-          <a:ln/>
-        </p:spPr>
-      </p:sp>
-      <p:sp>
-        <p:nvSpPr>
-          <p:cNvPr id="81923" name="Rectangle 2"/>
-          <p:cNvSpPr txBox="1">
-            <a:spLocks noGrp="1" noChangeArrowheads="1"/>
-          </p:cNvSpPr>
-          <p:nvPr>
-            <p:ph type="body" idx="1"/>
-          </p:nvPr>
-        </p:nvSpPr>
-        <p:spPr>
-          <a:noFill/>
-          <a:ln/>
-        </p:spPr>
-        <p:txBody>
-          <a:bodyPr wrap="none" anchor="ctr"/>
-          <a:lstStyle/>
-          <a:p>
-            <a:endParaRPr lang="en-US"/>
-          </a:p>
-        </p:txBody>
-      </p:sp>
-    </p:spTree>
-    <p:extLst>
-      <p:ext uri="{BB962C8B-B14F-4D97-AF65-F5344CB8AC3E}">
-        <p14:creationId xmlns:p14="http://schemas.microsoft.com/office/powerpoint/2010/main" val="2359492856"/>
-      </p:ext>
-    </p:extLst>
-  </p:cSld>
-  <p:clrMapOvr>
-    <a:masterClrMapping/>
-  </p:clrMapOvr>
-</p:notes>
-</file>
-
-<file path=ppt/notesSlides/notesSlide7.xml><?xml version="1.0" encoding="utf-8"?>
-<p:notes xmlns:a="http://schemas.openxmlformats.org/drawingml/2006/main" xmlns:r="http://schemas.openxmlformats.org/officeDocument/2006/relationships" xmlns:p="http://schemas.openxmlformats.org/presentationml/2006/main">
-  <p:cSld>
-    <p:bg>
-      <p:bgPr>
-        <a:solidFill>
-          <a:srgbClr val="FFFFFF"/>
-        </a:solidFill>
-        <a:effectLst/>
-      </p:bgPr>
-    </p:bg>
-    <p:spTree>
-      <p:nvGrpSpPr>
-        <p:cNvPr id="1" name=""/>
-        <p:cNvGrpSpPr/>
-        <p:nvPr/>
-      </p:nvGrpSpPr>
-      <p:grpSpPr>
-        <a:xfrm>
-          <a:off x="0" y="0"/>
-          <a:ext cx="0" cy="0"/>
-          <a:chOff x="0" y="0"/>
-          <a:chExt cx="0" cy="0"/>
-        </a:xfrm>
-      </p:grpSpPr>
-      <p:sp>
-        <p:nvSpPr>
-          <p:cNvPr id="83970" name="Rectangle 1"/>
-          <p:cNvSpPr>
-            <a:spLocks noGrp="1" noRot="1" noChangeAspect="1" noChangeArrowheads="1" noTextEdit="1"/>
-          </p:cNvSpPr>
-          <p:nvPr>
-            <p:ph type="sldImg"/>
-          </p:nvPr>
-        </p:nvSpPr>
-        <p:spPr>
-          <a:ln/>
-        </p:spPr>
-      </p:sp>
-      <p:sp>
-        <p:nvSpPr>
-          <p:cNvPr id="83971" name="Rectangle 2"/>
-          <p:cNvSpPr txBox="1">
-            <a:spLocks noGrp="1" noChangeArrowheads="1"/>
-          </p:cNvSpPr>
-          <p:nvPr>
-            <p:ph type="body" idx="1"/>
-          </p:nvPr>
-        </p:nvSpPr>
-        <p:spPr>
-          <a:noFill/>
-          <a:ln/>
-        </p:spPr>
-        <p:txBody>
-          <a:bodyPr wrap="none" anchor="ctr"/>
-          <a:lstStyle/>
-          <a:p>
-            <a:endParaRPr lang="en-US"/>
-          </a:p>
-        </p:txBody>
-      </p:sp>
-    </p:spTree>
-    <p:extLst>
-      <p:ext uri="{BB962C8B-B14F-4D97-AF65-F5344CB8AC3E}">
-        <p14:creationId xmlns:p14="http://schemas.microsoft.com/office/powerpoint/2010/main" val="1434368727"/>
-      </p:ext>
-    </p:extLst>
-  </p:cSld>
-  <p:clrMapOvr>
-    <a:masterClrMapping/>
-  </p:clrMapOvr>
-</p:notes>
-</file>
-
-<file path=ppt/notesSlides/notesSlide8.xml><?xml version="1.0" encoding="utf-8"?>
-<p:notes xmlns:a="http://schemas.openxmlformats.org/drawingml/2006/main" xmlns:r="http://schemas.openxmlformats.org/officeDocument/2006/relationships" xmlns:p="http://schemas.openxmlformats.org/presentationml/2006/main">
-  <p:cSld>
-    <p:bg>
-      <p:bgPr>
-        <a:solidFill>
-          <a:srgbClr val="FFFFFF"/>
-        </a:solidFill>
-        <a:effectLst/>
-      </p:bgPr>
-    </p:bg>
-    <p:spTree>
-      <p:nvGrpSpPr>
-        <p:cNvPr id="1" name=""/>
-        <p:cNvGrpSpPr/>
-        <p:nvPr/>
-      </p:nvGrpSpPr>
-      <p:grpSpPr>
-        <a:xfrm>
-          <a:off x="0" y="0"/>
-          <a:ext cx="0" cy="0"/>
-          <a:chOff x="0" y="0"/>
-          <a:chExt cx="0" cy="0"/>
-        </a:xfrm>
-      </p:grpSpPr>
-      <p:sp>
-        <p:nvSpPr>
-          <p:cNvPr id="83970" name="Rectangle 1"/>
-          <p:cNvSpPr>
-            <a:spLocks noGrp="1" noRot="1" noChangeAspect="1" noChangeArrowheads="1" noTextEdit="1"/>
-          </p:cNvSpPr>
-          <p:nvPr>
-            <p:ph type="sldImg"/>
-          </p:nvPr>
-        </p:nvSpPr>
-        <p:spPr>
-          <a:ln/>
-        </p:spPr>
-      </p:sp>
-      <p:sp>
-        <p:nvSpPr>
-          <p:cNvPr id="83971" name="Rectangle 2"/>
-          <p:cNvSpPr txBox="1">
-            <a:spLocks noGrp="1" noChangeArrowheads="1"/>
-          </p:cNvSpPr>
-          <p:nvPr>
-            <p:ph type="body" idx="1"/>
-          </p:nvPr>
-        </p:nvSpPr>
-        <p:spPr>
-          <a:noFill/>
-          <a:ln/>
-        </p:spPr>
-        <p:txBody>
-          <a:bodyPr wrap="none" anchor="ctr"/>
-          <a:lstStyle/>
-          <a:p>
-            <a:endParaRPr lang="en-US"/>
-          </a:p>
-        </p:txBody>
-      </p:sp>
-    </p:spTree>
-    <p:extLst>
-      <p:ext uri="{BB962C8B-B14F-4D97-AF65-F5344CB8AC3E}">
-        <p14:creationId xmlns:p14="http://schemas.microsoft.com/office/powerpoint/2010/main" val="2173832077"/>
-      </p:ext>
-    </p:extLst>
-  </p:cSld>
-  <p:clrMapOvr>
-    <a:masterClrMapping/>
-  </p:clrMapOvr>
-</p:notes>
-</file>
-
-<file path=ppt/notesSlides/notesSlide9.xml><?xml version="1.0" encoding="utf-8"?>
-<p:notes xmlns:a="http://schemas.openxmlformats.org/drawingml/2006/main" xmlns:r="http://schemas.openxmlformats.org/officeDocument/2006/relationships" xmlns:p="http://schemas.openxmlformats.org/presentationml/2006/main">
-  <p:cSld>
-    <p:bg>
-      <p:bgPr>
-        <a:solidFill>
-          <a:srgbClr val="FFFFFF"/>
-        </a:solidFill>
-        <a:effectLst/>
-      </p:bgPr>
-    </p:bg>
-    <p:spTree>
-      <p:nvGrpSpPr>
-        <p:cNvPr id="1" name=""/>
-        <p:cNvGrpSpPr/>
-        <p:nvPr/>
-      </p:nvGrpSpPr>
-      <p:grpSpPr>
-        <a:xfrm>
-          <a:off x="0" y="0"/>
-          <a:ext cx="0" cy="0"/>
-          <a:chOff x="0" y="0"/>
-          <a:chExt cx="0" cy="0"/>
-        </a:xfrm>
-      </p:grpSpPr>
-      <p:sp>
-        <p:nvSpPr>
-          <p:cNvPr id="83970" name="Rectangle 1"/>
-          <p:cNvSpPr>
-            <a:spLocks noGrp="1" noRot="1" noChangeAspect="1" noChangeArrowheads="1" noTextEdit="1"/>
-          </p:cNvSpPr>
-          <p:nvPr>
-            <p:ph type="sldImg"/>
-          </p:nvPr>
-        </p:nvSpPr>
-        <p:spPr>
-          <a:ln/>
-        </p:spPr>
-      </p:sp>
-      <p:sp>
-        <p:nvSpPr>
-          <p:cNvPr id="83971" name="Rectangle 2"/>
-          <p:cNvSpPr txBox="1">
-            <a:spLocks noGrp="1" noChangeArrowheads="1"/>
-          </p:cNvSpPr>
-          <p:nvPr>
-            <p:ph type="body" idx="1"/>
-          </p:nvPr>
-        </p:nvSpPr>
-        <p:spPr>
-          <a:noFill/>
-          <a:ln/>
-        </p:spPr>
-        <p:txBody>
-          <a:bodyPr wrap="none" anchor="ctr"/>
-          <a:lstStyle/>
-          <a:p>
-            <a:endParaRPr lang="en-US"/>
-          </a:p>
-        </p:txBody>
-      </p:sp>
-    </p:spTree>
-    <p:extLst>
-      <p:ext uri="{BB962C8B-B14F-4D97-AF65-F5344CB8AC3E}">
-        <p14:creationId xmlns:p14="http://schemas.microsoft.com/office/powerpoint/2010/main" val="1702546219"/>
+        <p14:creationId xmlns:p14="http://schemas.microsoft.com/office/powerpoint/2010/main" val="457605367"/>
       </p:ext>
     </p:extLst>
   </p:cSld>
@@ -1934,7 +1042,7 @@
             <a:fld id="{C3173D3E-08EC-4E65-995F-34869A3E30B2}" type="datetimeFigureOut">
               <a:rPr lang="en-US" smtClean="0"/>
               <a:pPr/>
-              <a:t>4/18/22</a:t>
+              <a:t>4/23/2022</a:t>
             </a:fld>
             <a:endParaRPr lang="en-US"/>
           </a:p>
@@ -2100,7 +1208,7 @@
             <a:fld id="{C3173D3E-08EC-4E65-995F-34869A3E30B2}" type="datetimeFigureOut">
               <a:rPr lang="en-US" smtClean="0"/>
               <a:pPr/>
-              <a:t>4/18/22</a:t>
+              <a:t>4/23/2022</a:t>
             </a:fld>
             <a:endParaRPr lang="en-US"/>
           </a:p>
@@ -2276,7 +1384,7 @@
             <a:fld id="{C3173D3E-08EC-4E65-995F-34869A3E30B2}" type="datetimeFigureOut">
               <a:rPr lang="en-US" smtClean="0"/>
               <a:pPr/>
-              <a:t>4/18/22</a:t>
+              <a:t>4/23/2022</a:t>
             </a:fld>
             <a:endParaRPr lang="en-US"/>
           </a:p>
@@ -2442,7 +1550,7 @@
             <a:fld id="{C3173D3E-08EC-4E65-995F-34869A3E30B2}" type="datetimeFigureOut">
               <a:rPr lang="en-US" smtClean="0"/>
               <a:pPr/>
-              <a:t>4/18/22</a:t>
+              <a:t>4/23/2022</a:t>
             </a:fld>
             <a:endParaRPr lang="en-US"/>
           </a:p>
@@ -2685,7 +1793,7 @@
             <a:fld id="{C3173D3E-08EC-4E65-995F-34869A3E30B2}" type="datetimeFigureOut">
               <a:rPr lang="en-US" smtClean="0"/>
               <a:pPr/>
-              <a:t>4/18/22</a:t>
+              <a:t>4/23/2022</a:t>
             </a:fld>
             <a:endParaRPr lang="en-US"/>
           </a:p>
@@ -2950,7 +2058,7 @@
             <a:fld id="{C3173D3E-08EC-4E65-995F-34869A3E30B2}" type="datetimeFigureOut">
               <a:rPr lang="en-US" smtClean="0"/>
               <a:pPr/>
-              <a:t>4/18/22</a:t>
+              <a:t>4/23/2022</a:t>
             </a:fld>
             <a:endParaRPr lang="en-US"/>
           </a:p>
@@ -3329,7 +2437,7 @@
             <a:fld id="{C3173D3E-08EC-4E65-995F-34869A3E30B2}" type="datetimeFigureOut">
               <a:rPr lang="en-US" smtClean="0"/>
               <a:pPr/>
-              <a:t>4/18/22</a:t>
+              <a:t>4/23/2022</a:t>
             </a:fld>
             <a:endParaRPr lang="en-US"/>
           </a:p>
@@ -3480,7 +2588,7 @@
             <a:fld id="{C3173D3E-08EC-4E65-995F-34869A3E30B2}" type="datetimeFigureOut">
               <a:rPr lang="en-US" smtClean="0"/>
               <a:pPr/>
-              <a:t>4/18/22</a:t>
+              <a:t>4/23/2022</a:t>
             </a:fld>
             <a:endParaRPr lang="en-US"/>
           </a:p>
@@ -3572,7 +2680,7 @@
             <a:fld id="{C3173D3E-08EC-4E65-995F-34869A3E30B2}" type="datetimeFigureOut">
               <a:rPr lang="en-US" smtClean="0"/>
               <a:pPr/>
-              <a:t>4/18/22</a:t>
+              <a:t>4/23/2022</a:t>
             </a:fld>
             <a:endParaRPr lang="en-US"/>
           </a:p>
@@ -3834,7 +2942,7 @@
             <a:fld id="{C3173D3E-08EC-4E65-995F-34869A3E30B2}" type="datetimeFigureOut">
               <a:rPr lang="en-US" smtClean="0"/>
               <a:pPr/>
-              <a:t>4/18/22</a:t>
+              <a:t>4/23/2022</a:t>
             </a:fld>
             <a:endParaRPr lang="en-US"/>
           </a:p>
@@ -4123,7 +3231,7 @@
             <a:fld id="{C3173D3E-08EC-4E65-995F-34869A3E30B2}" type="datetimeFigureOut">
               <a:rPr lang="en-US" smtClean="0"/>
               <a:pPr/>
-              <a:t>4/18/22</a:t>
+              <a:t>4/23/2022</a:t>
             </a:fld>
             <a:endParaRPr lang="en-US"/>
           </a:p>
@@ -4894,7 +4002,7 @@
             <a:fld id="{C3173D3E-08EC-4E65-995F-34869A3E30B2}" type="datetimeFigureOut">
               <a:rPr lang="en-US" smtClean="0"/>
               <a:pPr/>
-              <a:t>4/18/22</a:t>
+              <a:t>4/23/2022</a:t>
             </a:fld>
             <a:endParaRPr lang="en-US"/>
           </a:p>
@@ -5515,25 +4623,689 @@
       </p:grpSpPr>
       <p:sp>
         <p:nvSpPr>
-          <p:cNvPr id="22531" name="Rectangle 2"/>
-          <p:cNvSpPr>
-            <a:spLocks noGrp="1" noChangeArrowheads="1"/>
-          </p:cNvSpPr>
-          <p:nvPr>
-            <p:ph type="body" idx="4294967295"/>
+          <p:cNvPr id="2" name="Title 1"/>
+          <p:cNvSpPr>
+            <a:spLocks noGrp="1"/>
+          </p:cNvSpPr>
+          <p:nvPr>
+            <p:ph type="ctrTitle"/>
+          </p:nvPr>
+        </p:nvSpPr>
+        <p:spPr/>
+        <p:txBody>
+          <a:bodyPr/>
+          <a:lstStyle/>
+          <a:p>
+            <a:r>
+              <a:rPr lang="en-US" dirty="0"/>
+              <a:t>Managing and Tracking the Software Project</a:t>
+            </a:r>
+          </a:p>
+        </p:txBody>
+      </p:sp>
+      <p:sp>
+        <p:nvSpPr>
+          <p:cNvPr id="3" name="Subtitle 2"/>
+          <p:cNvSpPr>
+            <a:spLocks noGrp="1"/>
+          </p:cNvSpPr>
+          <p:nvPr>
+            <p:ph type="subTitle" idx="1"/>
           </p:nvPr>
         </p:nvSpPr>
         <p:spPr>
           <a:xfrm>
-            <a:off x="457200" y="1311275"/>
-            <a:ext cx="8216900" cy="4900613"/>
+            <a:off x="533400" y="3581400"/>
+            <a:ext cx="7854696" cy="1752600"/>
           </a:xfrm>
         </p:spPr>
         <p:txBody>
+          <a:bodyPr>
+            <a:normAutofit fontScale="92500" lnSpcReduction="20000"/>
+          </a:bodyPr>
+          <a:lstStyle/>
+          <a:p>
+            <a:pPr marL="285750" indent="-285750" algn="l">
+              <a:buFont typeface="Arial" panose="020B0604020202020204" pitchFamily="34" charset="0"/>
+              <a:buChar char="•"/>
+            </a:pPr>
+            <a:r>
+              <a:rPr lang="en-US" dirty="0"/>
+              <a:t>Not every group is a team, and not every team is effective. Glenn Parker</a:t>
+            </a:r>
+          </a:p>
+          <a:p>
+            <a:pPr marL="285750" indent="-285750" algn="l">
+              <a:buFont typeface="Arial" panose="020B0604020202020204" pitchFamily="34" charset="0"/>
+              <a:buChar char="•"/>
+            </a:pPr>
+            <a:endParaRPr lang="en-US" dirty="0"/>
+          </a:p>
+          <a:p>
+            <a:pPr marL="285750" indent="-285750" algn="l">
+              <a:buFont typeface="Arial" panose="020B0604020202020204" pitchFamily="34" charset="0"/>
+              <a:buChar char="•"/>
+            </a:pPr>
+            <a:r>
+              <a:rPr lang="en-US" dirty="0"/>
+              <a:t>If you want to be incrementally better: Be competitive. If you want to be exponentially better: Be cooperative</a:t>
+            </a:r>
+          </a:p>
+        </p:txBody>
+      </p:sp>
+    </p:spTree>
+  </p:cSld>
+  <p:clrMapOvr>
+    <a:masterClrMapping/>
+  </p:clrMapOvr>
+</p:sld>
+</file>
+
+<file path=ppt/slides/slide10.xml><?xml version="1.0" encoding="utf-8"?>
+<p:sld xmlns:a="http://schemas.openxmlformats.org/drawingml/2006/main" xmlns:r="http://schemas.openxmlformats.org/officeDocument/2006/relationships" xmlns:p="http://schemas.openxmlformats.org/presentationml/2006/main">
+  <p:cSld>
+    <p:spTree>
+      <p:nvGrpSpPr>
+        <p:cNvPr id="1" name=""/>
+        <p:cNvGrpSpPr/>
+        <p:nvPr/>
+      </p:nvGrpSpPr>
+      <p:grpSpPr>
+        <a:xfrm>
+          <a:off x="0" y="0"/>
+          <a:ext cx="0" cy="0"/>
+          <a:chOff x="0" y="0"/>
+          <a:chExt cx="0" cy="0"/>
+        </a:xfrm>
+      </p:grpSpPr>
+      <p:sp>
+        <p:nvSpPr>
+          <p:cNvPr id="2" name="Title 1"/>
+          <p:cNvSpPr>
+            <a:spLocks noGrp="1"/>
+          </p:cNvSpPr>
+          <p:nvPr>
+            <p:ph type="title"/>
+          </p:nvPr>
+        </p:nvSpPr>
+        <p:spPr/>
+        <p:txBody>
           <a:bodyPr/>
           <a:lstStyle/>
           <a:p>
-            <a:pPr eaLnBrk="1" hangingPunct="1">
+            <a:r>
+              <a:rPr lang="en-US" dirty="0"/>
+              <a:t>Concept Development Projects</a:t>
+            </a:r>
+          </a:p>
+        </p:txBody>
+      </p:sp>
+      <p:sp>
+        <p:nvSpPr>
+          <p:cNvPr id="3" name="Content Placeholder 2"/>
+          <p:cNvSpPr>
+            <a:spLocks noGrp="1"/>
+          </p:cNvSpPr>
+          <p:nvPr>
+            <p:ph idx="1"/>
+          </p:nvPr>
+        </p:nvSpPr>
+        <p:spPr/>
+        <p:txBody>
+          <a:bodyPr/>
+          <a:lstStyle/>
+          <a:p>
+            <a:r>
+              <a:rPr lang="en-US" dirty="0"/>
+              <a:t>Usually initiated to explore some new business concept or application of some new technology</a:t>
+            </a:r>
+          </a:p>
+          <a:p>
+            <a:r>
+              <a:rPr lang="en-US" dirty="0"/>
+              <a:t>Task set might be like:</a:t>
+            </a:r>
+          </a:p>
+          <a:p>
+            <a:pPr lvl="1"/>
+            <a:r>
+              <a:rPr lang="en-US" dirty="0"/>
+              <a:t>Scope the concept</a:t>
+            </a:r>
+          </a:p>
+          <a:p>
+            <a:pPr lvl="1"/>
+            <a:r>
+              <a:rPr lang="en-US" dirty="0"/>
+              <a:t>Develop preliminary plan of the concept: develop the ability to undertake the work</a:t>
+            </a:r>
+          </a:p>
+          <a:p>
+            <a:pPr lvl="1"/>
+            <a:r>
+              <a:rPr lang="en-US" dirty="0"/>
+              <a:t>Assess the technology risk</a:t>
+            </a:r>
+          </a:p>
+          <a:p>
+            <a:pPr lvl="1"/>
+            <a:r>
+              <a:rPr lang="en-US" dirty="0"/>
+              <a:t>Develop proof of concept</a:t>
+            </a:r>
+          </a:p>
+          <a:p>
+            <a:pPr lvl="1"/>
+            <a:r>
+              <a:rPr lang="en-US" dirty="0"/>
+              <a:t>Implement the concept</a:t>
+            </a:r>
+          </a:p>
+          <a:p>
+            <a:pPr lvl="1"/>
+            <a:r>
+              <a:rPr lang="en-US" dirty="0"/>
+              <a:t>Get customer feedback</a:t>
+            </a:r>
+          </a:p>
+        </p:txBody>
+      </p:sp>
+    </p:spTree>
+    <p:extLst>
+      <p:ext uri="{BB962C8B-B14F-4D97-AF65-F5344CB8AC3E}">
+        <p14:creationId xmlns:p14="http://schemas.microsoft.com/office/powerpoint/2010/main" val="3605458454"/>
+      </p:ext>
+    </p:extLst>
+  </p:cSld>
+  <p:clrMapOvr>
+    <a:masterClrMapping/>
+  </p:clrMapOvr>
+</p:sld>
+</file>
+
+<file path=ppt/slides/slide11.xml><?xml version="1.0" encoding="utf-8"?>
+<p:sld xmlns:a="http://schemas.openxmlformats.org/drawingml/2006/main" xmlns:r="http://schemas.openxmlformats.org/officeDocument/2006/relationships" xmlns:p="http://schemas.openxmlformats.org/presentationml/2006/main">
+  <p:cSld>
+    <p:spTree>
+      <p:nvGrpSpPr>
+        <p:cNvPr id="1" name=""/>
+        <p:cNvGrpSpPr/>
+        <p:nvPr/>
+      </p:nvGrpSpPr>
+      <p:grpSpPr>
+        <a:xfrm>
+          <a:off x="0" y="0"/>
+          <a:ext cx="0" cy="0"/>
+          <a:chOff x="0" y="0"/>
+          <a:chExt cx="0" cy="0"/>
+        </a:xfrm>
+      </p:grpSpPr>
+      <p:sp>
+        <p:nvSpPr>
+          <p:cNvPr id="2" name="Title 1"/>
+          <p:cNvSpPr>
+            <a:spLocks noGrp="1"/>
+          </p:cNvSpPr>
+          <p:nvPr>
+            <p:ph type="title"/>
+          </p:nvPr>
+        </p:nvSpPr>
+        <p:spPr>
+          <a:xfrm>
+            <a:off x="503392" y="2857500"/>
+            <a:ext cx="3122652" cy="1143000"/>
+          </a:xfrm>
+        </p:spPr>
+        <p:txBody>
+          <a:bodyPr>
+            <a:normAutofit fontScale="90000"/>
+          </a:bodyPr>
+          <a:lstStyle/>
+          <a:p>
+            <a:r>
+              <a:rPr lang="en-US" dirty="0"/>
+              <a:t>WBS for CDP</a:t>
+            </a:r>
+          </a:p>
+        </p:txBody>
+      </p:sp>
+      <p:pic>
+        <p:nvPicPr>
+          <p:cNvPr id="4" name="Picture 3"/>
+          <p:cNvPicPr>
+            <a:picLocks noChangeAspect="1"/>
+          </p:cNvPicPr>
+          <p:nvPr/>
+        </p:nvPicPr>
+        <p:blipFill>
+          <a:blip r:embed="rId2"/>
+          <a:stretch>
+            <a:fillRect/>
+          </a:stretch>
+        </p:blipFill>
+        <p:spPr>
+          <a:xfrm>
+            <a:off x="3579852" y="704088"/>
+            <a:ext cx="5398669" cy="5532120"/>
+          </a:xfrm>
+          <a:prstGeom prst="rect">
+            <a:avLst/>
+          </a:prstGeom>
+        </p:spPr>
+      </p:pic>
+    </p:spTree>
+    <p:extLst>
+      <p:ext uri="{BB962C8B-B14F-4D97-AF65-F5344CB8AC3E}">
+        <p14:creationId xmlns:p14="http://schemas.microsoft.com/office/powerpoint/2010/main" val="2255827771"/>
+      </p:ext>
+    </p:extLst>
+  </p:cSld>
+  <p:clrMapOvr>
+    <a:masterClrMapping/>
+  </p:clrMapOvr>
+</p:sld>
+</file>
+
+<file path=ppt/slides/slide12.xml><?xml version="1.0" encoding="utf-8"?>
+<p:sld xmlns:a="http://schemas.openxmlformats.org/drawingml/2006/main" xmlns:r="http://schemas.openxmlformats.org/officeDocument/2006/relationships" xmlns:p="http://schemas.openxmlformats.org/presentationml/2006/main">
+  <p:cSld>
+    <p:spTree>
+      <p:nvGrpSpPr>
+        <p:cNvPr id="1" name=""/>
+        <p:cNvGrpSpPr/>
+        <p:nvPr/>
+      </p:nvGrpSpPr>
+      <p:grpSpPr>
+        <a:xfrm>
+          <a:off x="0" y="0"/>
+          <a:ext cx="0" cy="0"/>
+          <a:chOff x="0" y="0"/>
+          <a:chExt cx="0" cy="0"/>
+        </a:xfrm>
+      </p:grpSpPr>
+      <p:sp>
+        <p:nvSpPr>
+          <p:cNvPr id="2" name="Title 1"/>
+          <p:cNvSpPr>
+            <a:spLocks noGrp="1"/>
+          </p:cNvSpPr>
+          <p:nvPr>
+            <p:ph type="title"/>
+          </p:nvPr>
+        </p:nvSpPr>
+        <p:spPr>
+          <a:xfrm>
+            <a:off x="457200" y="704088"/>
+            <a:ext cx="5486400" cy="1143000"/>
+          </a:xfrm>
+        </p:spPr>
+        <p:txBody>
+          <a:bodyPr>
+            <a:normAutofit fontScale="90000"/>
+          </a:bodyPr>
+          <a:lstStyle/>
+          <a:p>
+            <a:r>
+              <a:rPr lang="en-US" dirty="0"/>
+              <a:t>WBS for CDP (Contd.)</a:t>
+            </a:r>
+          </a:p>
+        </p:txBody>
+      </p:sp>
+      <p:sp>
+        <p:nvSpPr>
+          <p:cNvPr id="3" name="Content Placeholder 2"/>
+          <p:cNvSpPr>
+            <a:spLocks noGrp="1"/>
+          </p:cNvSpPr>
+          <p:nvPr>
+            <p:ph idx="1"/>
+          </p:nvPr>
+        </p:nvSpPr>
+        <p:spPr>
+          <a:xfrm>
+            <a:off x="434454" y="1847088"/>
+            <a:ext cx="8229600" cy="4389120"/>
+          </a:xfrm>
+        </p:spPr>
+        <p:txBody>
+          <a:bodyPr/>
+          <a:lstStyle/>
+          <a:p>
+            <a:endParaRPr lang="en-US" dirty="0"/>
+          </a:p>
+        </p:txBody>
+      </p:sp>
+      <p:pic>
+        <p:nvPicPr>
+          <p:cNvPr id="5" name="Picture 4"/>
+          <p:cNvPicPr>
+            <a:picLocks noChangeAspect="1"/>
+          </p:cNvPicPr>
+          <p:nvPr/>
+        </p:nvPicPr>
+        <p:blipFill>
+          <a:blip r:embed="rId2"/>
+          <a:stretch>
+            <a:fillRect/>
+          </a:stretch>
+        </p:blipFill>
+        <p:spPr>
+          <a:xfrm>
+            <a:off x="3352800" y="1819449"/>
+            <a:ext cx="5648325" cy="4786332"/>
+          </a:xfrm>
+          <a:prstGeom prst="rect">
+            <a:avLst/>
+          </a:prstGeom>
+        </p:spPr>
+      </p:pic>
+    </p:spTree>
+    <p:extLst>
+      <p:ext uri="{BB962C8B-B14F-4D97-AF65-F5344CB8AC3E}">
+        <p14:creationId xmlns:p14="http://schemas.microsoft.com/office/powerpoint/2010/main" val="780230180"/>
+      </p:ext>
+    </p:extLst>
+  </p:cSld>
+  <p:clrMapOvr>
+    <a:masterClrMapping/>
+  </p:clrMapOvr>
+</p:sld>
+</file>
+
+<file path=ppt/slides/slide13.xml><?xml version="1.0" encoding="utf-8"?>
+<p:sld xmlns:a="http://schemas.openxmlformats.org/drawingml/2006/main" xmlns:r="http://schemas.openxmlformats.org/officeDocument/2006/relationships" xmlns:p="http://schemas.openxmlformats.org/presentationml/2006/main" showMasterPhAnim="0">
+  <p:cSld>
+    <p:spTree>
+      <p:nvGrpSpPr>
+        <p:cNvPr id="1" name=""/>
+        <p:cNvGrpSpPr/>
+        <p:nvPr/>
+      </p:nvGrpSpPr>
+      <p:grpSpPr>
+        <a:xfrm>
+          <a:off x="0" y="0"/>
+          <a:ext cx="0" cy="0"/>
+          <a:chOff x="0" y="0"/>
+          <a:chExt cx="0" cy="0"/>
+        </a:xfrm>
+      </p:grpSpPr>
+      <p:sp>
+        <p:nvSpPr>
+          <p:cNvPr id="20483" name="Rectangle 2"/>
+          <p:cNvSpPr>
+            <a:spLocks noGrp="1" noChangeArrowheads="1"/>
+          </p:cNvSpPr>
+          <p:nvPr>
+            <p:ph type="title"/>
+          </p:nvPr>
+        </p:nvSpPr>
+        <p:spPr/>
+        <p:txBody>
+          <a:bodyPr/>
+          <a:lstStyle/>
+          <a:p>
+            <a:pPr eaLnBrk="1" hangingPunct="1"/>
+            <a:r>
+              <a:rPr lang="en-US" dirty="0"/>
+              <a:t>Activity on Arrow(AOA)</a:t>
+            </a:r>
+          </a:p>
+        </p:txBody>
+      </p:sp>
+      <p:pic>
+        <p:nvPicPr>
+          <p:cNvPr id="3" name="Picture 2">
+            <a:extLst>
+              <a:ext uri="{FF2B5EF4-FFF2-40B4-BE49-F238E27FC236}">
+                <a16:creationId xmlns:a16="http://schemas.microsoft.com/office/drawing/2014/main" id="{77B3F43E-9AB7-4701-BEF7-6183812C26B1}"/>
+              </a:ext>
+            </a:extLst>
+          </p:cNvPr>
+          <p:cNvPicPr>
+            <a:picLocks noChangeAspect="1"/>
+          </p:cNvPicPr>
+          <p:nvPr/>
+        </p:nvPicPr>
+        <p:blipFill>
+          <a:blip r:embed="rId2"/>
+          <a:stretch>
+            <a:fillRect/>
+          </a:stretch>
+        </p:blipFill>
+        <p:spPr>
+          <a:xfrm>
+            <a:off x="304800" y="1752600"/>
+            <a:ext cx="6524625" cy="2124075"/>
+          </a:xfrm>
+          <a:prstGeom prst="rect">
+            <a:avLst/>
+          </a:prstGeom>
+        </p:spPr>
+      </p:pic>
+      <p:pic>
+        <p:nvPicPr>
+          <p:cNvPr id="8" name="Picture 7">
+            <a:extLst>
+              <a:ext uri="{FF2B5EF4-FFF2-40B4-BE49-F238E27FC236}">
+                <a16:creationId xmlns:a16="http://schemas.microsoft.com/office/drawing/2014/main" id="{66F0264B-A1F9-4980-9037-BAB55A408863}"/>
+              </a:ext>
+            </a:extLst>
+          </p:cNvPr>
+          <p:cNvPicPr>
+            <a:picLocks noChangeAspect="1"/>
+          </p:cNvPicPr>
+          <p:nvPr/>
+        </p:nvPicPr>
+        <p:blipFill>
+          <a:blip r:embed="rId3"/>
+          <a:stretch>
+            <a:fillRect/>
+          </a:stretch>
+        </p:blipFill>
+        <p:spPr>
+          <a:xfrm>
+            <a:off x="533400" y="3876675"/>
+            <a:ext cx="7467600" cy="2295525"/>
+          </a:xfrm>
+          <a:prstGeom prst="rect">
+            <a:avLst/>
+          </a:prstGeom>
+        </p:spPr>
+      </p:pic>
+    </p:spTree>
+    <p:extLst>
+      <p:ext uri="{BB962C8B-B14F-4D97-AF65-F5344CB8AC3E}">
+        <p14:creationId xmlns:p14="http://schemas.microsoft.com/office/powerpoint/2010/main" val="3678657163"/>
+      </p:ext>
+    </p:extLst>
+  </p:cSld>
+  <p:clrMapOvr>
+    <a:masterClrMapping/>
+  </p:clrMapOvr>
+</p:sld>
+</file>
+
+<file path=ppt/slides/slide14.xml><?xml version="1.0" encoding="utf-8"?>
+<p:sld xmlns:a="http://schemas.openxmlformats.org/drawingml/2006/main" xmlns:r="http://schemas.openxmlformats.org/officeDocument/2006/relationships" xmlns:p="http://schemas.openxmlformats.org/presentationml/2006/main" showMasterPhAnim="0">
+  <p:cSld>
+    <p:spTree>
+      <p:nvGrpSpPr>
+        <p:cNvPr id="1" name=""/>
+        <p:cNvGrpSpPr/>
+        <p:nvPr/>
+      </p:nvGrpSpPr>
+      <p:grpSpPr>
+        <a:xfrm>
+          <a:off x="0" y="0"/>
+          <a:ext cx="0" cy="0"/>
+          <a:chOff x="0" y="0"/>
+          <a:chExt cx="0" cy="0"/>
+        </a:xfrm>
+      </p:grpSpPr>
+      <p:sp>
+        <p:nvSpPr>
+          <p:cNvPr id="20483" name="Rectangle 2"/>
+          <p:cNvSpPr>
+            <a:spLocks noGrp="1" noChangeArrowheads="1"/>
+          </p:cNvSpPr>
+          <p:nvPr>
+            <p:ph type="title"/>
+          </p:nvPr>
+        </p:nvSpPr>
+        <p:spPr/>
+        <p:txBody>
+          <a:bodyPr/>
+          <a:lstStyle/>
+          <a:p>
+            <a:pPr eaLnBrk="1" hangingPunct="1"/>
+            <a:r>
+              <a:rPr lang="en-US" dirty="0"/>
+              <a:t>Activity on Node(AON)</a:t>
+            </a:r>
+          </a:p>
+        </p:txBody>
+      </p:sp>
+      <p:pic>
+        <p:nvPicPr>
+          <p:cNvPr id="3" name="Picture 2">
+            <a:extLst>
+              <a:ext uri="{FF2B5EF4-FFF2-40B4-BE49-F238E27FC236}">
+                <a16:creationId xmlns:a16="http://schemas.microsoft.com/office/drawing/2014/main" id="{77B3F43E-9AB7-4701-BEF7-6183812C26B1}"/>
+              </a:ext>
+            </a:extLst>
+          </p:cNvPr>
+          <p:cNvPicPr>
+            <a:picLocks noChangeAspect="1"/>
+          </p:cNvPicPr>
+          <p:nvPr/>
+        </p:nvPicPr>
+        <p:blipFill>
+          <a:blip r:embed="rId2"/>
+          <a:stretch>
+            <a:fillRect/>
+          </a:stretch>
+        </p:blipFill>
+        <p:spPr>
+          <a:xfrm>
+            <a:off x="304800" y="1752600"/>
+            <a:ext cx="6524625" cy="2124075"/>
+          </a:xfrm>
+          <a:prstGeom prst="rect">
+            <a:avLst/>
+          </a:prstGeom>
+        </p:spPr>
+      </p:pic>
+      <p:pic>
+        <p:nvPicPr>
+          <p:cNvPr id="4" name="Picture 3">
+            <a:extLst>
+              <a:ext uri="{FF2B5EF4-FFF2-40B4-BE49-F238E27FC236}">
+                <a16:creationId xmlns:a16="http://schemas.microsoft.com/office/drawing/2014/main" id="{FF054858-0FC1-47FE-8F65-66118183EA5C}"/>
+              </a:ext>
+            </a:extLst>
+          </p:cNvPr>
+          <p:cNvPicPr>
+            <a:picLocks noChangeAspect="1"/>
+          </p:cNvPicPr>
+          <p:nvPr/>
+        </p:nvPicPr>
+        <p:blipFill>
+          <a:blip r:embed="rId3"/>
+          <a:stretch>
+            <a:fillRect/>
+          </a:stretch>
+        </p:blipFill>
+        <p:spPr>
+          <a:xfrm>
+            <a:off x="609600" y="3876675"/>
+            <a:ext cx="8153400" cy="2238375"/>
+          </a:xfrm>
+          <a:prstGeom prst="rect">
+            <a:avLst/>
+          </a:prstGeom>
+        </p:spPr>
+      </p:pic>
+    </p:spTree>
+    <p:extLst>
+      <p:ext uri="{BB962C8B-B14F-4D97-AF65-F5344CB8AC3E}">
+        <p14:creationId xmlns:p14="http://schemas.microsoft.com/office/powerpoint/2010/main" val="4192583547"/>
+      </p:ext>
+    </p:extLst>
+  </p:cSld>
+  <p:clrMapOvr>
+    <a:masterClrMapping/>
+  </p:clrMapOvr>
+</p:sld>
+</file>
+
+<file path=ppt/slides/slide15.xml><?xml version="1.0" encoding="utf-8"?>
+<p:sld xmlns:a="http://schemas.openxmlformats.org/drawingml/2006/main" xmlns:r="http://schemas.openxmlformats.org/officeDocument/2006/relationships" xmlns:p="http://schemas.openxmlformats.org/presentationml/2006/main">
+  <p:cSld>
+    <p:spTree>
+      <p:nvGrpSpPr>
+        <p:cNvPr id="1" name=""/>
+        <p:cNvGrpSpPr/>
+        <p:nvPr/>
+      </p:nvGrpSpPr>
+      <p:grpSpPr>
+        <a:xfrm>
+          <a:off x="0" y="0"/>
+          <a:ext cx="0" cy="0"/>
+          <a:chOff x="0" y="0"/>
+          <a:chExt cx="0" cy="0"/>
+        </a:xfrm>
+      </p:grpSpPr>
+      <p:sp>
+        <p:nvSpPr>
+          <p:cNvPr id="2" name="Title 1"/>
+          <p:cNvSpPr>
+            <a:spLocks noGrp="1"/>
+          </p:cNvSpPr>
+          <p:nvPr>
+            <p:ph type="title"/>
+          </p:nvPr>
+        </p:nvSpPr>
+        <p:spPr/>
+        <p:txBody>
+          <a:bodyPr>
+            <a:normAutofit fontScale="90000"/>
+          </a:bodyPr>
+          <a:lstStyle/>
+          <a:p>
+            <a:r>
+              <a:rPr lang="en-US" dirty="0"/>
+              <a:t>Estimating Completion</a:t>
+            </a:r>
+            <a:br>
+              <a:rPr lang="en-US" dirty="0"/>
+            </a:br>
+            <a:r>
+              <a:rPr lang="en-US" sz="2700" dirty="0"/>
+              <a:t>Critical Path Method</a:t>
+            </a:r>
+          </a:p>
+        </p:txBody>
+      </p:sp>
+      <p:sp>
+        <p:nvSpPr>
+          <p:cNvPr id="3" name="Content Placeholder 2"/>
+          <p:cNvSpPr>
+            <a:spLocks noGrp="1"/>
+          </p:cNvSpPr>
+          <p:nvPr>
+            <p:ph idx="1"/>
+          </p:nvPr>
+        </p:nvSpPr>
+        <p:spPr/>
+        <p:txBody>
+          <a:bodyPr/>
+          <a:lstStyle/>
+          <a:p>
+            <a:pPr>
+              <a:lnSpc>
+                <a:spcPct val="90000"/>
+              </a:lnSpc>
               <a:tabLst>
                 <a:tab pos="454025" algn="l"/>
                 <a:tab pos="911225" algn="l"/>
@@ -5558,12 +5330,15 @@
               </a:tabLst>
             </a:pPr>
             <a:r>
-              <a:rPr lang="en-GB"/>
-              <a:t>A popular graphical notational paradigm for representing conceptual models</a:t>
-            </a:r>
-          </a:p>
-          <a:p>
-            <a:pPr eaLnBrk="1" hangingPunct="1">
+              <a:rPr lang="en-GB" dirty="0"/>
+              <a:t>Minimum amount of time required to complete a project</a:t>
+            </a:r>
+          </a:p>
+          <a:p>
+            <a:pPr lvl="1">
+              <a:lnSpc>
+                <a:spcPct val="90000"/>
+              </a:lnSpc>
               <a:tabLst>
                 <a:tab pos="454025" algn="l"/>
                 <a:tab pos="911225" algn="l"/>
@@ -5588,12 +5363,15 @@
               </a:tabLst>
             </a:pPr>
             <a:r>
-              <a:rPr lang="en-GB"/>
-              <a:t>Has three core constructs</a:t>
-            </a:r>
-          </a:p>
-          <a:p>
-            <a:pPr lvl="1" eaLnBrk="1" hangingPunct="1">
+              <a:rPr lang="en-GB" dirty="0"/>
+              <a:t>Reveals those activities that are most critical to completing the project on time </a:t>
+            </a:r>
+          </a:p>
+          <a:p>
+            <a:pPr>
+              <a:lnSpc>
+                <a:spcPct val="90000"/>
+              </a:lnSpc>
               <a:tabLst>
                 <a:tab pos="454025" algn="l"/>
                 <a:tab pos="911225" algn="l"/>
@@ -5618,20 +5396,20 @@
               </a:tabLst>
             </a:pPr>
             <a:r>
-              <a:rPr lang="en-GB"/>
-              <a:t>An </a:t>
-            </a:r>
-            <a:r>
-              <a:rPr lang="en-GB" i="1"/>
-              <a:t>entity</a:t>
-            </a:r>
-            <a:r>
-              <a:rPr lang="en-GB"/>
-              <a:t>: depicted as a rectangle, represents a collection of real-world objects that have common properties and behaviors</a:t>
-            </a:r>
-          </a:p>
-          <a:p>
-            <a:pPr lvl="1" eaLnBrk="1" hangingPunct="1">
+              <a:rPr lang="en-GB" b="1" dirty="0"/>
+              <a:t>Real time (actual time):</a:t>
+            </a:r>
+            <a:r>
+              <a:rPr lang="en-GB" dirty="0"/>
+              <a:t> estimated amount of time required for the activity to be completed</a:t>
+            </a:r>
+          </a:p>
+          <a:p>
+            <a:pPr marL="0" indent="0">
+              <a:lnSpc>
+                <a:spcPct val="90000"/>
+              </a:lnSpc>
+              <a:buNone/>
               <a:tabLst>
                 <a:tab pos="454025" algn="l"/>
                 <a:tab pos="911225" algn="l"/>
@@ -5655,21 +5433,90 @@
                 <a:tab pos="9140825" algn="l"/>
               </a:tabLst>
             </a:pPr>
-            <a:r>
-              <a:rPr lang="en-GB"/>
-              <a:t>A </a:t>
-            </a:r>
-            <a:r>
-              <a:rPr lang="en-GB" i="1"/>
-              <a:t>relationship</a:t>
-            </a:r>
-            <a:r>
-              <a:rPr lang="en-GB"/>
-              <a:t>: depicted as an edge between two entities, with diamond in the middle of the edge specifying the type of relationship</a:t>
-            </a:r>
-          </a:p>
-          <a:p>
-            <a:pPr lvl="1" eaLnBrk="1" hangingPunct="1">
+            <a:endParaRPr lang="en-GB" dirty="0"/>
+          </a:p>
+          <a:p>
+            <a:endParaRPr lang="en-US" dirty="0"/>
+          </a:p>
+        </p:txBody>
+      </p:sp>
+    </p:spTree>
+    <p:extLst>
+      <p:ext uri="{BB962C8B-B14F-4D97-AF65-F5344CB8AC3E}">
+        <p14:creationId xmlns:p14="http://schemas.microsoft.com/office/powerpoint/2010/main" val="312214369"/>
+      </p:ext>
+    </p:extLst>
+  </p:cSld>
+  <p:clrMapOvr>
+    <a:masterClrMapping/>
+  </p:clrMapOvr>
+</p:sld>
+</file>
+
+<file path=ppt/slides/slide16.xml><?xml version="1.0" encoding="utf-8"?>
+<p:sld xmlns:a="http://schemas.openxmlformats.org/drawingml/2006/main" xmlns:r="http://schemas.openxmlformats.org/officeDocument/2006/relationships" xmlns:p="http://schemas.openxmlformats.org/presentationml/2006/main">
+  <p:cSld>
+    <p:spTree>
+      <p:nvGrpSpPr>
+        <p:cNvPr id="1" name=""/>
+        <p:cNvGrpSpPr/>
+        <p:nvPr/>
+      </p:nvGrpSpPr>
+      <p:grpSpPr>
+        <a:xfrm>
+          <a:off x="0" y="0"/>
+          <a:ext cx="0" cy="0"/>
+          <a:chOff x="0" y="0"/>
+          <a:chExt cx="0" cy="0"/>
+        </a:xfrm>
+      </p:grpSpPr>
+      <p:sp>
+        <p:nvSpPr>
+          <p:cNvPr id="2" name="Title 1"/>
+          <p:cNvSpPr>
+            <a:spLocks noGrp="1"/>
+          </p:cNvSpPr>
+          <p:nvPr>
+            <p:ph type="title"/>
+          </p:nvPr>
+        </p:nvSpPr>
+        <p:spPr/>
+        <p:txBody>
+          <a:bodyPr>
+            <a:normAutofit fontScale="90000"/>
+          </a:bodyPr>
+          <a:lstStyle/>
+          <a:p>
+            <a:r>
+              <a:rPr lang="en-US" dirty="0"/>
+              <a:t>Estimating Completion</a:t>
+            </a:r>
+            <a:br>
+              <a:rPr lang="en-US" dirty="0"/>
+            </a:br>
+            <a:r>
+              <a:rPr lang="en-US" sz="2700" dirty="0"/>
+              <a:t>Critical Path Method</a:t>
+            </a:r>
+          </a:p>
+        </p:txBody>
+      </p:sp>
+      <p:sp>
+        <p:nvSpPr>
+          <p:cNvPr id="3" name="Content Placeholder 2"/>
+          <p:cNvSpPr>
+            <a:spLocks noGrp="1"/>
+          </p:cNvSpPr>
+          <p:nvPr>
+            <p:ph idx="1"/>
+          </p:nvPr>
+        </p:nvSpPr>
+        <p:spPr/>
+        <p:txBody>
+          <a:bodyPr/>
+          <a:lstStyle/>
+          <a:p>
+            <a:pPr>
               <a:tabLst>
                 <a:tab pos="454025" algn="l"/>
                 <a:tab pos="911225" algn="l"/>
@@ -5694,1237 +5541,212 @@
               </a:tabLst>
             </a:pPr>
             <a:r>
-              <a:rPr lang="en-GB"/>
-              <a:t>An </a:t>
-            </a:r>
-            <a:r>
-              <a:rPr lang="en-GB" i="1"/>
-              <a:t>attribute</a:t>
-            </a:r>
-            <a:r>
-              <a:rPr lang="en-GB"/>
-              <a:t>: an annotation on an entity that describes data or properties associated with the entity</a:t>
-            </a:r>
-          </a:p>
-        </p:txBody>
-      </p:sp>
-      <p:sp>
-        <p:nvSpPr>
-          <p:cNvPr id="4" name="Rectangle 1"/>
-          <p:cNvSpPr>
-            <a:spLocks noGrp="1" noChangeArrowheads="1"/>
-          </p:cNvSpPr>
-          <p:nvPr>
-            <p:ph type="title" idx="4294967295"/>
-          </p:nvPr>
-        </p:nvSpPr>
-        <p:spPr>
-          <a:xfrm>
-            <a:off x="457200" y="304800"/>
-            <a:ext cx="8216900" cy="1131888"/>
-          </a:xfrm>
-        </p:spPr>
-        <p:txBody>
-          <a:bodyPr>
-            <a:normAutofit/>
-          </a:bodyPr>
-          <a:lstStyle/>
-          <a:p>
-            <a:pPr eaLnBrk="1" hangingPunct="1">
+              <a:rPr lang="en-GB" b="1" dirty="0"/>
+              <a:t>Earliest Finish =Earliest </a:t>
+            </a:r>
+            <a:r>
+              <a:rPr lang="en-GB" b="1" dirty="0" err="1"/>
+              <a:t>Start+duration</a:t>
+            </a:r>
+            <a:endParaRPr lang="en-GB" b="1" dirty="0"/>
+          </a:p>
+          <a:p>
+            <a:pPr>
               <a:tabLst>
-                <a:tab pos="0" algn="l"/>
-                <a:tab pos="457200" algn="l"/>
-                <a:tab pos="914400" algn="l"/>
-                <a:tab pos="1371600" algn="l"/>
-                <a:tab pos="1828800" algn="l"/>
-                <a:tab pos="2286000" algn="l"/>
-                <a:tab pos="2743200" algn="l"/>
-                <a:tab pos="3200400" algn="l"/>
-                <a:tab pos="3657600" algn="l"/>
-                <a:tab pos="4114800" algn="l"/>
-                <a:tab pos="4572000" algn="l"/>
-                <a:tab pos="5029200" algn="l"/>
-                <a:tab pos="5486400" algn="l"/>
-                <a:tab pos="5943600" algn="l"/>
-                <a:tab pos="6400800" algn="l"/>
-                <a:tab pos="6858000" algn="l"/>
-                <a:tab pos="7315200" algn="l"/>
-                <a:tab pos="7772400" algn="l"/>
-                <a:tab pos="8229600" algn="l"/>
-                <a:tab pos="8686800" algn="l"/>
-                <a:tab pos="9144000" algn="l"/>
+                <a:tab pos="454025" algn="l"/>
+                <a:tab pos="911225" algn="l"/>
+                <a:tab pos="1368425" algn="l"/>
+                <a:tab pos="1825625" algn="l"/>
+                <a:tab pos="2282825" algn="l"/>
+                <a:tab pos="2740025" algn="l"/>
+                <a:tab pos="3197225" algn="l"/>
+                <a:tab pos="3654425" algn="l"/>
+                <a:tab pos="4111625" algn="l"/>
+                <a:tab pos="4568825" algn="l"/>
+                <a:tab pos="5026025" algn="l"/>
+                <a:tab pos="5483225" algn="l"/>
+                <a:tab pos="5940425" algn="l"/>
+                <a:tab pos="6397625" algn="l"/>
+                <a:tab pos="6854825" algn="l"/>
+                <a:tab pos="7312025" algn="l"/>
+                <a:tab pos="7769225" algn="l"/>
+                <a:tab pos="8226425" algn="l"/>
+                <a:tab pos="8683625" algn="l"/>
+                <a:tab pos="9140825" algn="l"/>
               </a:tabLst>
             </a:pPr>
             <a:r>
-              <a:rPr lang="en-GB"/>
-              <a:t>Entity-Relationship Diagram</a:t>
-            </a:r>
-            <a:endParaRPr lang="en-GB" dirty="0"/>
+              <a:rPr lang="en-GB" b="1" dirty="0"/>
+              <a:t>Latest Start=Latest Finish-Duration</a:t>
+            </a:r>
+          </a:p>
+          <a:p>
+            <a:pPr>
+              <a:tabLst>
+                <a:tab pos="454025" algn="l"/>
+                <a:tab pos="911225" algn="l"/>
+                <a:tab pos="1368425" algn="l"/>
+                <a:tab pos="1825625" algn="l"/>
+                <a:tab pos="2282825" algn="l"/>
+                <a:tab pos="2740025" algn="l"/>
+                <a:tab pos="3197225" algn="l"/>
+                <a:tab pos="3654425" algn="l"/>
+                <a:tab pos="4111625" algn="l"/>
+                <a:tab pos="4568825" algn="l"/>
+                <a:tab pos="5026025" algn="l"/>
+                <a:tab pos="5483225" algn="l"/>
+                <a:tab pos="5940425" algn="l"/>
+                <a:tab pos="6397625" algn="l"/>
+                <a:tab pos="6854825" algn="l"/>
+                <a:tab pos="7312025" algn="l"/>
+                <a:tab pos="7769225" algn="l"/>
+                <a:tab pos="8226425" algn="l"/>
+                <a:tab pos="8683625" algn="l"/>
+                <a:tab pos="9140825" algn="l"/>
+              </a:tabLst>
+            </a:pPr>
+            <a:r>
+              <a:rPr lang="en-GB" b="1" dirty="0"/>
+              <a:t>Slack time</a:t>
+            </a:r>
+            <a:r>
+              <a:rPr lang="en-GB" dirty="0"/>
+              <a:t> = Delayed time</a:t>
+            </a:r>
+          </a:p>
+          <a:p>
+            <a:pPr lvl="1">
+              <a:tabLst>
+                <a:tab pos="454025" algn="l"/>
+                <a:tab pos="911225" algn="l"/>
+                <a:tab pos="1368425" algn="l"/>
+                <a:tab pos="1825625" algn="l"/>
+                <a:tab pos="2282825" algn="l"/>
+                <a:tab pos="2740025" algn="l"/>
+                <a:tab pos="3197225" algn="l"/>
+                <a:tab pos="3654425" algn="l"/>
+                <a:tab pos="4111625" algn="l"/>
+                <a:tab pos="4568825" algn="l"/>
+                <a:tab pos="5026025" algn="l"/>
+                <a:tab pos="5483225" algn="l"/>
+                <a:tab pos="5940425" algn="l"/>
+                <a:tab pos="6397625" algn="l"/>
+                <a:tab pos="6854825" algn="l"/>
+                <a:tab pos="7312025" algn="l"/>
+                <a:tab pos="7769225" algn="l"/>
+                <a:tab pos="8226425" algn="l"/>
+                <a:tab pos="8683625" algn="l"/>
+                <a:tab pos="9140825" algn="l"/>
+              </a:tabLst>
+            </a:pPr>
+            <a:r>
+              <a:rPr lang="en-US" b="1" dirty="0"/>
+              <a:t>Formulae=Latest Finish-Earliest Finish</a:t>
+            </a:r>
+          </a:p>
+          <a:p>
+            <a:pPr>
+              <a:tabLst>
+                <a:tab pos="454025" algn="l"/>
+                <a:tab pos="911225" algn="l"/>
+                <a:tab pos="1368425" algn="l"/>
+                <a:tab pos="1825625" algn="l"/>
+                <a:tab pos="2282825" algn="l"/>
+                <a:tab pos="2740025" algn="l"/>
+                <a:tab pos="3197225" algn="l"/>
+                <a:tab pos="3654425" algn="l"/>
+                <a:tab pos="4111625" algn="l"/>
+                <a:tab pos="4568825" algn="l"/>
+                <a:tab pos="5026025" algn="l"/>
+                <a:tab pos="5483225" algn="l"/>
+                <a:tab pos="5940425" algn="l"/>
+                <a:tab pos="6397625" algn="l"/>
+                <a:tab pos="6854825" algn="l"/>
+                <a:tab pos="7312025" algn="l"/>
+                <a:tab pos="7769225" algn="l"/>
+                <a:tab pos="8226425" algn="l"/>
+                <a:tab pos="8683625" algn="l"/>
+                <a:tab pos="9140825" algn="l"/>
+              </a:tabLst>
+            </a:pPr>
+            <a:r>
+              <a:rPr lang="en-GB" b="1" dirty="0"/>
+              <a:t>Critical path</a:t>
+            </a:r>
+            <a:r>
+              <a:rPr lang="en-GB" dirty="0"/>
+              <a:t>: the slack at every activity is zero</a:t>
+            </a:r>
+          </a:p>
+          <a:p>
+            <a:pPr lvl="1">
+              <a:tabLst>
+                <a:tab pos="454025" algn="l"/>
+                <a:tab pos="911225" algn="l"/>
+                <a:tab pos="1368425" algn="l"/>
+                <a:tab pos="1825625" algn="l"/>
+                <a:tab pos="2282825" algn="l"/>
+                <a:tab pos="2740025" algn="l"/>
+                <a:tab pos="3197225" algn="l"/>
+                <a:tab pos="3654425" algn="l"/>
+                <a:tab pos="4111625" algn="l"/>
+                <a:tab pos="4568825" algn="l"/>
+                <a:tab pos="5026025" algn="l"/>
+                <a:tab pos="5483225" algn="l"/>
+                <a:tab pos="5940425" algn="l"/>
+                <a:tab pos="6397625" algn="l"/>
+                <a:tab pos="6854825" algn="l"/>
+                <a:tab pos="7312025" algn="l"/>
+                <a:tab pos="7769225" algn="l"/>
+                <a:tab pos="8226425" algn="l"/>
+                <a:tab pos="8683625" algn="l"/>
+                <a:tab pos="9140825" algn="l"/>
+              </a:tabLst>
+            </a:pPr>
+            <a:r>
+              <a:rPr lang="en-GB" dirty="0"/>
+              <a:t>can be more than one in a project schedule</a:t>
+            </a:r>
+          </a:p>
+          <a:p>
+            <a:pPr lvl="1">
+              <a:tabLst>
+                <a:tab pos="454025" algn="l"/>
+                <a:tab pos="911225" algn="l"/>
+                <a:tab pos="1368425" algn="l"/>
+                <a:tab pos="1825625" algn="l"/>
+                <a:tab pos="2282825" algn="l"/>
+                <a:tab pos="2740025" algn="l"/>
+                <a:tab pos="3197225" algn="l"/>
+                <a:tab pos="3654425" algn="l"/>
+                <a:tab pos="4111625" algn="l"/>
+                <a:tab pos="4568825" algn="l"/>
+                <a:tab pos="5026025" algn="l"/>
+                <a:tab pos="5483225" algn="l"/>
+                <a:tab pos="5940425" algn="l"/>
+                <a:tab pos="6397625" algn="l"/>
+                <a:tab pos="6854825" algn="l"/>
+                <a:tab pos="7312025" algn="l"/>
+                <a:tab pos="7769225" algn="l"/>
+                <a:tab pos="8226425" algn="l"/>
+                <a:tab pos="8683625" algn="l"/>
+                <a:tab pos="9140825" algn="l"/>
+              </a:tabLst>
+            </a:pPr>
+            <a:endParaRPr lang="en-US" dirty="0"/>
           </a:p>
         </p:txBody>
       </p:sp>
     </p:spTree>
     <p:extLst>
       <p:ext uri="{BB962C8B-B14F-4D97-AF65-F5344CB8AC3E}">
-        <p14:creationId xmlns:p14="http://schemas.microsoft.com/office/powerpoint/2010/main" val="1922776192"/>
+        <p14:creationId xmlns:p14="http://schemas.microsoft.com/office/powerpoint/2010/main" val="2726158165"/>
       </p:ext>
     </p:extLst>
   </p:cSld>
   <p:clrMapOvr>
     <a:masterClrMapping/>
   </p:clrMapOvr>
-  <p:transition spd="med"/>
-</p:sld>
-</file>
-
-<file path=ppt/slides/slide10.xml><?xml version="1.0" encoding="utf-8"?>
-<p:sld xmlns:a="http://schemas.openxmlformats.org/drawingml/2006/main" xmlns:r="http://schemas.openxmlformats.org/officeDocument/2006/relationships" xmlns:p="http://schemas.openxmlformats.org/presentationml/2006/main">
-  <p:cSld>
-    <p:spTree>
-      <p:nvGrpSpPr>
-        <p:cNvPr id="1" name=""/>
-        <p:cNvGrpSpPr/>
-        <p:nvPr/>
-      </p:nvGrpSpPr>
-      <p:grpSpPr>
-        <a:xfrm>
-          <a:off x="0" y="0"/>
-          <a:ext cx="0" cy="0"/>
-          <a:chOff x="0" y="0"/>
-          <a:chExt cx="0" cy="0"/>
-        </a:xfrm>
-      </p:grpSpPr>
-      <p:sp>
-        <p:nvSpPr>
-          <p:cNvPr id="4" name="Rectangle 1"/>
-          <p:cNvSpPr>
-            <a:spLocks noGrp="1" noChangeArrowheads="1"/>
-          </p:cNvSpPr>
-          <p:nvPr>
-            <p:ph type="title" idx="4294967295"/>
-          </p:nvPr>
-        </p:nvSpPr>
-        <p:spPr>
-          <a:xfrm>
-            <a:off x="457200" y="304800"/>
-            <a:ext cx="8216900" cy="1131888"/>
-          </a:xfrm>
-        </p:spPr>
-        <p:txBody>
-          <a:bodyPr>
-            <a:normAutofit/>
-          </a:bodyPr>
-          <a:lstStyle/>
-          <a:p>
-            <a:pPr eaLnBrk="1" hangingPunct="1">
-              <a:tabLst>
-                <a:tab pos="0" algn="l"/>
-                <a:tab pos="457200" algn="l"/>
-                <a:tab pos="914400" algn="l"/>
-                <a:tab pos="1371600" algn="l"/>
-                <a:tab pos="1828800" algn="l"/>
-                <a:tab pos="2286000" algn="l"/>
-                <a:tab pos="2743200" algn="l"/>
-                <a:tab pos="3200400" algn="l"/>
-                <a:tab pos="3657600" algn="l"/>
-                <a:tab pos="4114800" algn="l"/>
-                <a:tab pos="4572000" algn="l"/>
-                <a:tab pos="5029200" algn="l"/>
-                <a:tab pos="5486400" algn="l"/>
-                <a:tab pos="5943600" algn="l"/>
-                <a:tab pos="6400800" algn="l"/>
-                <a:tab pos="6858000" algn="l"/>
-                <a:tab pos="7315200" algn="l"/>
-                <a:tab pos="7772400" algn="l"/>
-                <a:tab pos="8229600" algn="l"/>
-                <a:tab pos="8686800" algn="l"/>
-                <a:tab pos="9144000" algn="l"/>
-              </a:tabLst>
-            </a:pPr>
-            <a:r>
-              <a:rPr lang="en-GB" dirty="0"/>
-              <a:t>Class Diagram</a:t>
-            </a:r>
-          </a:p>
-        </p:txBody>
-      </p:sp>
-      <p:sp>
-        <p:nvSpPr>
-          <p:cNvPr id="6" name="TextBox 5">
-            <a:extLst>
-              <a:ext uri="{FF2B5EF4-FFF2-40B4-BE49-F238E27FC236}">
-                <a16:creationId xmlns:a16="http://schemas.microsoft.com/office/drawing/2014/main" id="{C88AD584-3E54-40CB-9980-607FF201361B}"/>
-              </a:ext>
-            </a:extLst>
-          </p:cNvPr>
-          <p:cNvSpPr txBox="1"/>
-          <p:nvPr/>
-        </p:nvSpPr>
-        <p:spPr>
-          <a:xfrm>
-            <a:off x="304800" y="1676400"/>
-            <a:ext cx="9067800" cy="1200329"/>
-          </a:xfrm>
-          <a:prstGeom prst="rect">
-            <a:avLst/>
-          </a:prstGeom>
-          <a:noFill/>
-        </p:spPr>
-        <p:txBody>
-          <a:bodyPr wrap="square">
-            <a:spAutoFit/>
-          </a:bodyPr>
-          <a:lstStyle/>
-          <a:p>
-            <a:pPr algn="l"/>
-            <a:r>
-              <a:rPr lang="en-US" b="1" i="0" dirty="0">
-                <a:solidFill>
-                  <a:srgbClr val="737C85"/>
-                </a:solidFill>
-                <a:effectLst/>
-                <a:latin typeface="Open Sans" panose="020B0606030504020204" pitchFamily="34" charset="0"/>
-              </a:rPr>
-              <a:t>Aggregation</a:t>
-            </a:r>
-            <a:r>
-              <a:rPr lang="en-US" b="0" i="0" dirty="0">
-                <a:solidFill>
-                  <a:srgbClr val="737C85"/>
-                </a:solidFill>
-                <a:effectLst/>
-                <a:latin typeface="Open Sans" panose="020B0606030504020204" pitchFamily="34" charset="0"/>
-              </a:rPr>
-              <a:t>:</a:t>
-            </a:r>
-          </a:p>
-          <a:p>
-            <a:pPr algn="l"/>
-            <a:r>
-              <a:rPr lang="en-US" b="0" i="0" dirty="0">
-                <a:solidFill>
-                  <a:srgbClr val="737C85"/>
-                </a:solidFill>
-                <a:effectLst/>
-                <a:latin typeface="Open Sans" panose="020B0606030504020204" pitchFamily="34" charset="0"/>
-              </a:rPr>
-              <a:t>A special type of association. It represents a "part of" relationship.</a:t>
-            </a:r>
-          </a:p>
-          <a:p>
-            <a:pPr algn="l"/>
-            <a:endParaRPr lang="en-US" dirty="0">
-              <a:solidFill>
-                <a:srgbClr val="737C85"/>
-              </a:solidFill>
-              <a:latin typeface="Open Sans" panose="020B0606030504020204" pitchFamily="34" charset="0"/>
-            </a:endParaRPr>
-          </a:p>
-          <a:p>
-            <a:pPr algn="l"/>
-            <a:endParaRPr lang="en-US" b="0" i="0" dirty="0">
-              <a:effectLst/>
-              <a:latin typeface="Open Sans" panose="020B0606030504020204" pitchFamily="34" charset="0"/>
-            </a:endParaRPr>
-          </a:p>
-        </p:txBody>
-      </p:sp>
-      <p:pic>
-        <p:nvPicPr>
-          <p:cNvPr id="3" name="Picture 2">
-            <a:extLst>
-              <a:ext uri="{FF2B5EF4-FFF2-40B4-BE49-F238E27FC236}">
-                <a16:creationId xmlns:a16="http://schemas.microsoft.com/office/drawing/2014/main" id="{0D04F486-1ACD-4AFD-B472-732485824012}"/>
-              </a:ext>
-            </a:extLst>
-          </p:cNvPr>
-          <p:cNvPicPr>
-            <a:picLocks noChangeAspect="1"/>
-          </p:cNvPicPr>
-          <p:nvPr/>
-        </p:nvPicPr>
-        <p:blipFill>
-          <a:blip r:embed="rId3"/>
-          <a:stretch>
-            <a:fillRect/>
-          </a:stretch>
-        </p:blipFill>
-        <p:spPr>
-          <a:xfrm>
-            <a:off x="990600" y="2733675"/>
-            <a:ext cx="3105150" cy="1390650"/>
-          </a:xfrm>
-          <a:prstGeom prst="rect">
-            <a:avLst/>
-          </a:prstGeom>
-        </p:spPr>
-      </p:pic>
-      <p:sp>
-        <p:nvSpPr>
-          <p:cNvPr id="12" name="TextBox 11">
-            <a:extLst>
-              <a:ext uri="{FF2B5EF4-FFF2-40B4-BE49-F238E27FC236}">
-                <a16:creationId xmlns:a16="http://schemas.microsoft.com/office/drawing/2014/main" id="{3C69DCEC-7C14-4EA7-A25A-29225AE0F7BC}"/>
-              </a:ext>
-            </a:extLst>
-          </p:cNvPr>
-          <p:cNvSpPr txBox="1"/>
-          <p:nvPr/>
-        </p:nvSpPr>
-        <p:spPr>
-          <a:xfrm>
-            <a:off x="197908" y="4191000"/>
-            <a:ext cx="8476191" cy="1477328"/>
-          </a:xfrm>
-          <a:prstGeom prst="rect">
-            <a:avLst/>
-          </a:prstGeom>
-          <a:noFill/>
-        </p:spPr>
-        <p:txBody>
-          <a:bodyPr wrap="square">
-            <a:spAutoFit/>
-          </a:bodyPr>
-          <a:lstStyle/>
-          <a:p>
-            <a:pPr algn="l"/>
-            <a:r>
-              <a:rPr lang="en-US" b="1" i="0" dirty="0">
-                <a:solidFill>
-                  <a:srgbClr val="737C85"/>
-                </a:solidFill>
-                <a:effectLst/>
-                <a:latin typeface="Open Sans" panose="020B0606030504020204" pitchFamily="34" charset="0"/>
-              </a:rPr>
-              <a:t>Composition</a:t>
-            </a:r>
-            <a:r>
-              <a:rPr lang="en-US" b="0" i="0" dirty="0">
-                <a:solidFill>
-                  <a:srgbClr val="737C85"/>
-                </a:solidFill>
-                <a:effectLst/>
-                <a:latin typeface="Open Sans" panose="020B0606030504020204" pitchFamily="34" charset="0"/>
-              </a:rPr>
-              <a:t>:</a:t>
-            </a:r>
-          </a:p>
-          <a:p>
-            <a:pPr algn="l"/>
-            <a:r>
-              <a:rPr lang="en-US" b="0" i="0" dirty="0">
-                <a:solidFill>
-                  <a:srgbClr val="737C85"/>
-                </a:solidFill>
-                <a:effectLst/>
-                <a:latin typeface="Open Sans" panose="020B0606030504020204" pitchFamily="34" charset="0"/>
-              </a:rPr>
-              <a:t>A special type of aggregation where parts are destroyed when the whole is destroyed.</a:t>
-            </a:r>
-          </a:p>
-          <a:p>
-            <a:pPr algn="l">
-              <a:buFont typeface="Arial" panose="020B0604020202020204" pitchFamily="34" charset="0"/>
-              <a:buChar char="•"/>
-            </a:pPr>
-            <a:r>
-              <a:rPr lang="en-US" b="0" i="0" dirty="0">
-                <a:solidFill>
-                  <a:srgbClr val="737C85"/>
-                </a:solidFill>
-                <a:effectLst/>
-                <a:latin typeface="Open Sans" panose="020B0606030504020204" pitchFamily="34" charset="0"/>
-              </a:rPr>
-              <a:t>Objects of Class2 live and die with Class1.</a:t>
-            </a:r>
-          </a:p>
-          <a:p>
-            <a:pPr algn="l">
-              <a:buFont typeface="Arial" panose="020B0604020202020204" pitchFamily="34" charset="0"/>
-              <a:buChar char="•"/>
-            </a:pPr>
-            <a:r>
-              <a:rPr lang="en-US" b="0" i="0" dirty="0">
-                <a:solidFill>
-                  <a:srgbClr val="737C85"/>
-                </a:solidFill>
-                <a:effectLst/>
-                <a:latin typeface="Open Sans" panose="020B0606030504020204" pitchFamily="34" charset="0"/>
-              </a:rPr>
-              <a:t>Class2 cannot stand by itself.</a:t>
-            </a:r>
-          </a:p>
-        </p:txBody>
-      </p:sp>
-      <p:pic>
-        <p:nvPicPr>
-          <p:cNvPr id="10" name="Picture 9">
-            <a:extLst>
-              <a:ext uri="{FF2B5EF4-FFF2-40B4-BE49-F238E27FC236}">
-                <a16:creationId xmlns:a16="http://schemas.microsoft.com/office/drawing/2014/main" id="{7DF46010-DE73-4DE0-B96E-87F7F056EE11}"/>
-              </a:ext>
-            </a:extLst>
-          </p:cNvPr>
-          <p:cNvPicPr>
-            <a:picLocks noChangeAspect="1"/>
-          </p:cNvPicPr>
-          <p:nvPr/>
-        </p:nvPicPr>
-        <p:blipFill>
-          <a:blip r:embed="rId4"/>
-          <a:stretch>
-            <a:fillRect/>
-          </a:stretch>
-        </p:blipFill>
-        <p:spPr>
-          <a:xfrm>
-            <a:off x="5374217" y="4929664"/>
-            <a:ext cx="3571875" cy="1647825"/>
-          </a:xfrm>
-          <a:prstGeom prst="rect">
-            <a:avLst/>
-          </a:prstGeom>
-        </p:spPr>
-      </p:pic>
-    </p:spTree>
-    <p:extLst>
-      <p:ext uri="{BB962C8B-B14F-4D97-AF65-F5344CB8AC3E}">
-        <p14:creationId xmlns:p14="http://schemas.microsoft.com/office/powerpoint/2010/main" val="2125677324"/>
-      </p:ext>
-    </p:extLst>
-  </p:cSld>
-  <p:clrMapOvr>
-    <a:masterClrMapping/>
-  </p:clrMapOvr>
-  <p:transition spd="med"/>
-</p:sld>
-</file>
-
-<file path=ppt/slides/slide11.xml><?xml version="1.0" encoding="utf-8"?>
-<p:sld xmlns:a="http://schemas.openxmlformats.org/drawingml/2006/main" xmlns:r="http://schemas.openxmlformats.org/officeDocument/2006/relationships" xmlns:p="http://schemas.openxmlformats.org/presentationml/2006/main">
-  <p:cSld>
-    <p:spTree>
-      <p:nvGrpSpPr>
-        <p:cNvPr id="1" name=""/>
-        <p:cNvGrpSpPr/>
-        <p:nvPr/>
-      </p:nvGrpSpPr>
-      <p:grpSpPr>
-        <a:xfrm>
-          <a:off x="0" y="0"/>
-          <a:ext cx="0" cy="0"/>
-          <a:chOff x="0" y="0"/>
-          <a:chExt cx="0" cy="0"/>
-        </a:xfrm>
-      </p:grpSpPr>
-      <p:sp>
-        <p:nvSpPr>
-          <p:cNvPr id="4" name="Rectangle 1"/>
-          <p:cNvSpPr>
-            <a:spLocks noGrp="1" noChangeArrowheads="1"/>
-          </p:cNvSpPr>
-          <p:nvPr>
-            <p:ph type="title" idx="4294967295"/>
-          </p:nvPr>
-        </p:nvSpPr>
-        <p:spPr>
-          <a:xfrm>
-            <a:off x="457200" y="304800"/>
-            <a:ext cx="8216900" cy="1131888"/>
-          </a:xfrm>
-        </p:spPr>
-        <p:txBody>
-          <a:bodyPr>
-            <a:normAutofit/>
-          </a:bodyPr>
-          <a:lstStyle/>
-          <a:p>
-            <a:pPr eaLnBrk="1" hangingPunct="1">
-              <a:tabLst>
-                <a:tab pos="0" algn="l"/>
-                <a:tab pos="457200" algn="l"/>
-                <a:tab pos="914400" algn="l"/>
-                <a:tab pos="1371600" algn="l"/>
-                <a:tab pos="1828800" algn="l"/>
-                <a:tab pos="2286000" algn="l"/>
-                <a:tab pos="2743200" algn="l"/>
-                <a:tab pos="3200400" algn="l"/>
-                <a:tab pos="3657600" algn="l"/>
-                <a:tab pos="4114800" algn="l"/>
-                <a:tab pos="4572000" algn="l"/>
-                <a:tab pos="5029200" algn="l"/>
-                <a:tab pos="5486400" algn="l"/>
-                <a:tab pos="5943600" algn="l"/>
-                <a:tab pos="6400800" algn="l"/>
-                <a:tab pos="6858000" algn="l"/>
-                <a:tab pos="7315200" algn="l"/>
-                <a:tab pos="7772400" algn="l"/>
-                <a:tab pos="8229600" algn="l"/>
-                <a:tab pos="8686800" algn="l"/>
-                <a:tab pos="9144000" algn="l"/>
-              </a:tabLst>
-            </a:pPr>
-            <a:r>
-              <a:rPr lang="en-GB" dirty="0"/>
-              <a:t>Class Diagram</a:t>
-            </a:r>
-          </a:p>
-        </p:txBody>
-      </p:sp>
-      <p:pic>
-        <p:nvPicPr>
-          <p:cNvPr id="5" name="Picture 4">
-            <a:extLst>
-              <a:ext uri="{FF2B5EF4-FFF2-40B4-BE49-F238E27FC236}">
-                <a16:creationId xmlns:a16="http://schemas.microsoft.com/office/drawing/2014/main" id="{5D774FD0-2B51-4708-8130-1250FE63FB69}"/>
-              </a:ext>
-            </a:extLst>
-          </p:cNvPr>
-          <p:cNvPicPr>
-            <a:picLocks noChangeAspect="1"/>
-          </p:cNvPicPr>
-          <p:nvPr/>
-        </p:nvPicPr>
-        <p:blipFill>
-          <a:blip r:embed="rId3"/>
-          <a:stretch>
-            <a:fillRect/>
-          </a:stretch>
-        </p:blipFill>
-        <p:spPr>
-          <a:xfrm>
-            <a:off x="2995612" y="2857500"/>
-            <a:ext cx="3152775" cy="1143000"/>
-          </a:xfrm>
-          <a:prstGeom prst="rect">
-            <a:avLst/>
-          </a:prstGeom>
-        </p:spPr>
-      </p:pic>
-      <p:sp>
-        <p:nvSpPr>
-          <p:cNvPr id="11" name="TextBox 10">
-            <a:extLst>
-              <a:ext uri="{FF2B5EF4-FFF2-40B4-BE49-F238E27FC236}">
-                <a16:creationId xmlns:a16="http://schemas.microsoft.com/office/drawing/2014/main" id="{88C58075-DC1E-45CF-B495-336D2DA32FF5}"/>
-              </a:ext>
-            </a:extLst>
-          </p:cNvPr>
-          <p:cNvSpPr txBox="1"/>
-          <p:nvPr/>
-        </p:nvSpPr>
-        <p:spPr>
-          <a:xfrm>
-            <a:off x="304800" y="1752600"/>
-            <a:ext cx="8610600" cy="923330"/>
-          </a:xfrm>
-          <a:prstGeom prst="rect">
-            <a:avLst/>
-          </a:prstGeom>
-          <a:noFill/>
-        </p:spPr>
-        <p:txBody>
-          <a:bodyPr wrap="square">
-            <a:spAutoFit/>
-          </a:bodyPr>
-          <a:lstStyle/>
-          <a:p>
-            <a:pPr algn="l"/>
-            <a:r>
-              <a:rPr lang="en-US" b="0" i="0" dirty="0">
-                <a:solidFill>
-                  <a:srgbClr val="737C85"/>
-                </a:solidFill>
-                <a:effectLst/>
-                <a:latin typeface="Open Sans" panose="020B0606030504020204" pitchFamily="34" charset="0"/>
-              </a:rPr>
-              <a:t>Dependency</a:t>
-            </a:r>
-          </a:p>
-          <a:p>
-            <a:pPr algn="l">
-              <a:buFont typeface="Arial" panose="020B0604020202020204" pitchFamily="34" charset="0"/>
-              <a:buChar char="•"/>
-            </a:pPr>
-            <a:r>
-              <a:rPr lang="en-US" b="0" i="0" dirty="0">
-                <a:solidFill>
-                  <a:srgbClr val="737C85"/>
-                </a:solidFill>
-                <a:effectLst/>
-                <a:latin typeface="Open Sans" panose="020B0606030504020204" pitchFamily="34" charset="0"/>
-              </a:rPr>
-              <a:t>Exists between two classes if the changes to the definition of one may cause changes to the other (but not the other way around).</a:t>
-            </a:r>
-          </a:p>
-        </p:txBody>
-      </p:sp>
-    </p:spTree>
-    <p:extLst>
-      <p:ext uri="{BB962C8B-B14F-4D97-AF65-F5344CB8AC3E}">
-        <p14:creationId xmlns:p14="http://schemas.microsoft.com/office/powerpoint/2010/main" val="3907111418"/>
-      </p:ext>
-    </p:extLst>
-  </p:cSld>
-  <p:clrMapOvr>
-    <a:masterClrMapping/>
-  </p:clrMapOvr>
-  <p:transition spd="med"/>
-</p:sld>
-</file>
-
-<file path=ppt/slides/slide12.xml><?xml version="1.0" encoding="utf-8"?>
-<p:sld xmlns:a="http://schemas.openxmlformats.org/drawingml/2006/main" xmlns:r="http://schemas.openxmlformats.org/officeDocument/2006/relationships" xmlns:p="http://schemas.openxmlformats.org/presentationml/2006/main">
-  <p:cSld>
-    <p:spTree>
-      <p:nvGrpSpPr>
-        <p:cNvPr id="1" name=""/>
-        <p:cNvGrpSpPr/>
-        <p:nvPr/>
-      </p:nvGrpSpPr>
-      <p:grpSpPr>
-        <a:xfrm>
-          <a:off x="0" y="0"/>
-          <a:ext cx="0" cy="0"/>
-          <a:chOff x="0" y="0"/>
-          <a:chExt cx="0" cy="0"/>
-        </a:xfrm>
-      </p:grpSpPr>
-      <p:sp>
-        <p:nvSpPr>
-          <p:cNvPr id="4" name="Rectangle 1"/>
-          <p:cNvSpPr>
-            <a:spLocks noGrp="1" noChangeArrowheads="1"/>
-          </p:cNvSpPr>
-          <p:nvPr>
-            <p:ph type="title" idx="4294967295"/>
-          </p:nvPr>
-        </p:nvSpPr>
-        <p:spPr>
-          <a:xfrm>
-            <a:off x="457200" y="304800"/>
-            <a:ext cx="8216900" cy="1131888"/>
-          </a:xfrm>
-        </p:spPr>
-        <p:txBody>
-          <a:bodyPr>
-            <a:normAutofit/>
-          </a:bodyPr>
-          <a:lstStyle/>
-          <a:p>
-            <a:pPr eaLnBrk="1" hangingPunct="1">
-              <a:tabLst>
-                <a:tab pos="0" algn="l"/>
-                <a:tab pos="457200" algn="l"/>
-                <a:tab pos="914400" algn="l"/>
-                <a:tab pos="1371600" algn="l"/>
-                <a:tab pos="1828800" algn="l"/>
-                <a:tab pos="2286000" algn="l"/>
-                <a:tab pos="2743200" algn="l"/>
-                <a:tab pos="3200400" algn="l"/>
-                <a:tab pos="3657600" algn="l"/>
-                <a:tab pos="4114800" algn="l"/>
-                <a:tab pos="4572000" algn="l"/>
-                <a:tab pos="5029200" algn="l"/>
-                <a:tab pos="5486400" algn="l"/>
-                <a:tab pos="5943600" algn="l"/>
-                <a:tab pos="6400800" algn="l"/>
-                <a:tab pos="6858000" algn="l"/>
-                <a:tab pos="7315200" algn="l"/>
-                <a:tab pos="7772400" algn="l"/>
-                <a:tab pos="8229600" algn="l"/>
-                <a:tab pos="8686800" algn="l"/>
-                <a:tab pos="9144000" algn="l"/>
-              </a:tabLst>
-            </a:pPr>
-            <a:r>
-              <a:rPr lang="en-GB" dirty="0"/>
-              <a:t>Class Diagram</a:t>
-            </a:r>
-          </a:p>
-        </p:txBody>
-      </p:sp>
-      <p:pic>
-        <p:nvPicPr>
-          <p:cNvPr id="3" name="Picture 2">
-            <a:extLst>
-              <a:ext uri="{FF2B5EF4-FFF2-40B4-BE49-F238E27FC236}">
-                <a16:creationId xmlns:a16="http://schemas.microsoft.com/office/drawing/2014/main" id="{0403A601-68D4-49F2-8B8F-743F6D48EF0D}"/>
-              </a:ext>
-            </a:extLst>
-          </p:cNvPr>
-          <p:cNvPicPr>
-            <a:picLocks noChangeAspect="1"/>
-          </p:cNvPicPr>
-          <p:nvPr/>
-        </p:nvPicPr>
-        <p:blipFill>
-          <a:blip r:embed="rId3"/>
-          <a:stretch>
-            <a:fillRect/>
-          </a:stretch>
-        </p:blipFill>
-        <p:spPr>
-          <a:xfrm>
-            <a:off x="990600" y="1677458"/>
-            <a:ext cx="6305550" cy="4867275"/>
-          </a:xfrm>
-          <a:prstGeom prst="rect">
-            <a:avLst/>
-          </a:prstGeom>
-        </p:spPr>
-      </p:pic>
-    </p:spTree>
-    <p:extLst>
-      <p:ext uri="{BB962C8B-B14F-4D97-AF65-F5344CB8AC3E}">
-        <p14:creationId xmlns:p14="http://schemas.microsoft.com/office/powerpoint/2010/main" val="3793052452"/>
-      </p:ext>
-    </p:extLst>
-  </p:cSld>
-  <p:clrMapOvr>
-    <a:masterClrMapping/>
-  </p:clrMapOvr>
-  <p:transition spd="med"/>
-</p:sld>
-</file>
-
-<file path=ppt/slides/slide13.xml><?xml version="1.0" encoding="utf-8"?>
-<p:sld xmlns:a="http://schemas.openxmlformats.org/drawingml/2006/main" xmlns:r="http://schemas.openxmlformats.org/officeDocument/2006/relationships" xmlns:p="http://schemas.openxmlformats.org/presentationml/2006/main">
-  <p:cSld>
-    <p:spTree>
-      <p:nvGrpSpPr>
-        <p:cNvPr id="1" name=""/>
-        <p:cNvGrpSpPr/>
-        <p:nvPr/>
-      </p:nvGrpSpPr>
-      <p:grpSpPr>
-        <a:xfrm>
-          <a:off x="0" y="0"/>
-          <a:ext cx="0" cy="0"/>
-          <a:chOff x="0" y="0"/>
-          <a:chExt cx="0" cy="0"/>
-        </a:xfrm>
-      </p:grpSpPr>
-      <p:sp>
-        <p:nvSpPr>
-          <p:cNvPr id="4" name="Rectangle 1"/>
-          <p:cNvSpPr>
-            <a:spLocks noGrp="1" noChangeArrowheads="1"/>
-          </p:cNvSpPr>
-          <p:nvPr>
-            <p:ph type="title" idx="4294967295"/>
-          </p:nvPr>
-        </p:nvSpPr>
-        <p:spPr>
-          <a:xfrm>
-            <a:off x="457200" y="304800"/>
-            <a:ext cx="8216900" cy="1131888"/>
-          </a:xfrm>
-        </p:spPr>
-        <p:txBody>
-          <a:bodyPr>
-            <a:normAutofit/>
-          </a:bodyPr>
-          <a:lstStyle/>
-          <a:p>
-            <a:pPr eaLnBrk="1" hangingPunct="1">
-              <a:tabLst>
-                <a:tab pos="0" algn="l"/>
-                <a:tab pos="457200" algn="l"/>
-                <a:tab pos="914400" algn="l"/>
-                <a:tab pos="1371600" algn="l"/>
-                <a:tab pos="1828800" algn="l"/>
-                <a:tab pos="2286000" algn="l"/>
-                <a:tab pos="2743200" algn="l"/>
-                <a:tab pos="3200400" algn="l"/>
-                <a:tab pos="3657600" algn="l"/>
-                <a:tab pos="4114800" algn="l"/>
-                <a:tab pos="4572000" algn="l"/>
-                <a:tab pos="5029200" algn="l"/>
-                <a:tab pos="5486400" algn="l"/>
-                <a:tab pos="5943600" algn="l"/>
-                <a:tab pos="6400800" algn="l"/>
-                <a:tab pos="6858000" algn="l"/>
-                <a:tab pos="7315200" algn="l"/>
-                <a:tab pos="7772400" algn="l"/>
-                <a:tab pos="8229600" algn="l"/>
-                <a:tab pos="8686800" algn="l"/>
-                <a:tab pos="9144000" algn="l"/>
-              </a:tabLst>
-            </a:pPr>
-            <a:r>
-              <a:rPr lang="en-GB" dirty="0"/>
-              <a:t>Class Diagram</a:t>
-            </a:r>
-          </a:p>
-        </p:txBody>
-      </p:sp>
-      <p:pic>
-        <p:nvPicPr>
-          <p:cNvPr id="5" name="Picture 4">
-            <a:extLst>
-              <a:ext uri="{FF2B5EF4-FFF2-40B4-BE49-F238E27FC236}">
-                <a16:creationId xmlns:a16="http://schemas.microsoft.com/office/drawing/2014/main" id="{5B9ACD11-D9DE-4C23-A67B-10CEF80A3F31}"/>
-              </a:ext>
-            </a:extLst>
-          </p:cNvPr>
-          <p:cNvPicPr>
-            <a:picLocks noChangeAspect="1"/>
-          </p:cNvPicPr>
-          <p:nvPr/>
-        </p:nvPicPr>
-        <p:blipFill>
-          <a:blip r:embed="rId3"/>
-          <a:stretch>
-            <a:fillRect/>
-          </a:stretch>
-        </p:blipFill>
-        <p:spPr>
-          <a:xfrm>
-            <a:off x="321733" y="1419755"/>
-            <a:ext cx="8382000" cy="5324475"/>
-          </a:xfrm>
-          <a:prstGeom prst="rect">
-            <a:avLst/>
-          </a:prstGeom>
-        </p:spPr>
-      </p:pic>
-    </p:spTree>
-    <p:extLst>
-      <p:ext uri="{BB962C8B-B14F-4D97-AF65-F5344CB8AC3E}">
-        <p14:creationId xmlns:p14="http://schemas.microsoft.com/office/powerpoint/2010/main" val="2144183135"/>
-      </p:ext>
-    </p:extLst>
-  </p:cSld>
-  <p:clrMapOvr>
-    <a:masterClrMapping/>
-  </p:clrMapOvr>
-  <p:transition spd="med"/>
-</p:sld>
-</file>
-
-<file path=ppt/slides/slide14.xml><?xml version="1.0" encoding="utf-8"?>
-<p:sld xmlns:a="http://schemas.openxmlformats.org/drawingml/2006/main" xmlns:r="http://schemas.openxmlformats.org/officeDocument/2006/relationships" xmlns:p="http://schemas.openxmlformats.org/presentationml/2006/main">
-  <p:cSld>
-    <p:spTree>
-      <p:nvGrpSpPr>
-        <p:cNvPr id="1" name=""/>
-        <p:cNvGrpSpPr/>
-        <p:nvPr/>
-      </p:nvGrpSpPr>
-      <p:grpSpPr>
-        <a:xfrm>
-          <a:off x="0" y="0"/>
-          <a:ext cx="0" cy="0"/>
-          <a:chOff x="0" y="0"/>
-          <a:chExt cx="0" cy="0"/>
-        </a:xfrm>
-      </p:grpSpPr>
-      <p:sp>
-        <p:nvSpPr>
-          <p:cNvPr id="4" name="Rectangle 1"/>
-          <p:cNvSpPr>
-            <a:spLocks noGrp="1" noChangeArrowheads="1"/>
-          </p:cNvSpPr>
-          <p:nvPr>
-            <p:ph type="title" idx="4294967295"/>
-          </p:nvPr>
-        </p:nvSpPr>
-        <p:spPr>
-          <a:xfrm>
-            <a:off x="457200" y="304800"/>
-            <a:ext cx="8216900" cy="1131888"/>
-          </a:xfrm>
-        </p:spPr>
-        <p:txBody>
-          <a:bodyPr>
-            <a:normAutofit fontScale="90000"/>
-          </a:bodyPr>
-          <a:lstStyle/>
-          <a:p>
-            <a:pPr eaLnBrk="1" hangingPunct="1">
-              <a:tabLst>
-                <a:tab pos="0" algn="l"/>
-                <a:tab pos="457200" algn="l"/>
-                <a:tab pos="914400" algn="l"/>
-                <a:tab pos="1371600" algn="l"/>
-                <a:tab pos="1828800" algn="l"/>
-                <a:tab pos="2286000" algn="l"/>
-                <a:tab pos="2743200" algn="l"/>
-                <a:tab pos="3200400" algn="l"/>
-                <a:tab pos="3657600" algn="l"/>
-                <a:tab pos="4114800" algn="l"/>
-                <a:tab pos="4572000" algn="l"/>
-                <a:tab pos="5029200" algn="l"/>
-                <a:tab pos="5486400" algn="l"/>
-                <a:tab pos="5943600" algn="l"/>
-                <a:tab pos="6400800" algn="l"/>
-                <a:tab pos="6858000" algn="l"/>
-                <a:tab pos="7315200" algn="l"/>
-                <a:tab pos="7772400" algn="l"/>
-                <a:tab pos="8229600" algn="l"/>
-                <a:tab pos="8686800" algn="l"/>
-                <a:tab pos="9144000" algn="l"/>
-              </a:tabLst>
-            </a:pPr>
-            <a:r>
-              <a:rPr lang="en-GB" dirty="0"/>
-              <a:t>Class Diagram</a:t>
-            </a:r>
-            <a:br>
-              <a:rPr lang="en-GB" dirty="0"/>
-            </a:br>
-            <a:r>
-              <a:rPr lang="en-US" b="0" i="0" dirty="0">
-                <a:solidFill>
-                  <a:srgbClr val="333333"/>
-                </a:solidFill>
-                <a:effectLst/>
-                <a:latin typeface="inter-regular"/>
-              </a:rPr>
-              <a:t>A class diagram describing the sales order system is given below</a:t>
-            </a:r>
-            <a:endParaRPr lang="en-GB" dirty="0"/>
-          </a:p>
-        </p:txBody>
-      </p:sp>
-      <p:pic>
-        <p:nvPicPr>
-          <p:cNvPr id="3" name="Picture 2">
-            <a:extLst>
-              <a:ext uri="{FF2B5EF4-FFF2-40B4-BE49-F238E27FC236}">
-                <a16:creationId xmlns:a16="http://schemas.microsoft.com/office/drawing/2014/main" id="{542E8175-1ECB-48A3-97E6-00E27848BFE1}"/>
-              </a:ext>
-            </a:extLst>
-          </p:cNvPr>
-          <p:cNvPicPr>
-            <a:picLocks noChangeAspect="1"/>
-          </p:cNvPicPr>
-          <p:nvPr/>
-        </p:nvPicPr>
-        <p:blipFill>
-          <a:blip r:embed="rId3"/>
-          <a:stretch>
-            <a:fillRect/>
-          </a:stretch>
-        </p:blipFill>
-        <p:spPr>
-          <a:xfrm>
-            <a:off x="0" y="1513260"/>
-            <a:ext cx="9144000" cy="5039940"/>
-          </a:xfrm>
-          <a:prstGeom prst="rect">
-            <a:avLst/>
-          </a:prstGeom>
-        </p:spPr>
-      </p:pic>
-      <p:pic>
-        <p:nvPicPr>
-          <p:cNvPr id="7" name="Picture 6">
-            <a:extLst>
-              <a:ext uri="{FF2B5EF4-FFF2-40B4-BE49-F238E27FC236}">
-                <a16:creationId xmlns:a16="http://schemas.microsoft.com/office/drawing/2014/main" id="{6FC94BFB-D9AA-428F-B868-3B4E47779967}"/>
-              </a:ext>
-            </a:extLst>
-          </p:cNvPr>
-          <p:cNvPicPr>
-            <a:picLocks noChangeAspect="1"/>
-          </p:cNvPicPr>
-          <p:nvPr/>
-        </p:nvPicPr>
-        <p:blipFill>
-          <a:blip r:embed="rId4"/>
-          <a:stretch>
-            <a:fillRect/>
-          </a:stretch>
-        </p:blipFill>
-        <p:spPr>
-          <a:xfrm>
-            <a:off x="5257800" y="3352800"/>
-            <a:ext cx="3675649" cy="1705854"/>
-          </a:xfrm>
-          <a:prstGeom prst="rect">
-            <a:avLst/>
-          </a:prstGeom>
-        </p:spPr>
-      </p:pic>
-    </p:spTree>
-    <p:extLst>
-      <p:ext uri="{BB962C8B-B14F-4D97-AF65-F5344CB8AC3E}">
-        <p14:creationId xmlns:p14="http://schemas.microsoft.com/office/powerpoint/2010/main" val="2858127209"/>
-      </p:ext>
-    </p:extLst>
-  </p:cSld>
-  <p:clrMapOvr>
-    <a:masterClrMapping/>
-  </p:clrMapOvr>
-  <p:transition spd="med"/>
-</p:sld>
-</file>
-
-<file path=ppt/slides/slide15.xml><?xml version="1.0" encoding="utf-8"?>
-<p:sld xmlns:a="http://schemas.openxmlformats.org/drawingml/2006/main" xmlns:r="http://schemas.openxmlformats.org/officeDocument/2006/relationships" xmlns:p="http://schemas.openxmlformats.org/presentationml/2006/main">
-  <p:cSld>
-    <p:spTree>
-      <p:nvGrpSpPr>
-        <p:cNvPr id="1" name=""/>
-        <p:cNvGrpSpPr/>
-        <p:nvPr/>
-      </p:nvGrpSpPr>
-      <p:grpSpPr>
-        <a:xfrm>
-          <a:off x="0" y="0"/>
-          <a:ext cx="0" cy="0"/>
-          <a:chOff x="0" y="0"/>
-          <a:chExt cx="0" cy="0"/>
-        </a:xfrm>
-      </p:grpSpPr>
-      <p:sp>
-        <p:nvSpPr>
-          <p:cNvPr id="4" name="Rectangle 1"/>
-          <p:cNvSpPr>
-            <a:spLocks noGrp="1" noChangeArrowheads="1"/>
-          </p:cNvSpPr>
-          <p:nvPr>
-            <p:ph type="title" idx="4294967295"/>
-          </p:nvPr>
-        </p:nvSpPr>
-        <p:spPr>
-          <a:xfrm>
-            <a:off x="1371600" y="1143000"/>
-            <a:ext cx="8216900" cy="1131888"/>
-          </a:xfrm>
-        </p:spPr>
-        <p:txBody>
-          <a:bodyPr>
-            <a:normAutofit fontScale="90000"/>
-          </a:bodyPr>
-          <a:lstStyle/>
-          <a:p>
-            <a:pPr eaLnBrk="1" hangingPunct="1">
-              <a:tabLst>
-                <a:tab pos="0" algn="l"/>
-                <a:tab pos="457200" algn="l"/>
-                <a:tab pos="914400" algn="l"/>
-                <a:tab pos="1371600" algn="l"/>
-                <a:tab pos="1828800" algn="l"/>
-                <a:tab pos="2286000" algn="l"/>
-                <a:tab pos="2743200" algn="l"/>
-                <a:tab pos="3200400" algn="l"/>
-                <a:tab pos="3657600" algn="l"/>
-                <a:tab pos="4114800" algn="l"/>
-                <a:tab pos="4572000" algn="l"/>
-                <a:tab pos="5029200" algn="l"/>
-                <a:tab pos="5486400" algn="l"/>
-                <a:tab pos="5943600" algn="l"/>
-                <a:tab pos="6400800" algn="l"/>
-                <a:tab pos="6858000" algn="l"/>
-                <a:tab pos="7315200" algn="l"/>
-                <a:tab pos="7772400" algn="l"/>
-                <a:tab pos="8229600" algn="l"/>
-                <a:tab pos="8686800" algn="l"/>
-                <a:tab pos="9144000" algn="l"/>
-              </a:tabLst>
-            </a:pPr>
-            <a:r>
-              <a:rPr lang="en-GB" dirty="0"/>
-              <a:t>Class Diagram</a:t>
-            </a:r>
-            <a:br>
-              <a:rPr lang="en-GB" dirty="0"/>
-            </a:br>
-            <a:endParaRPr lang="en-GB" dirty="0"/>
-          </a:p>
-        </p:txBody>
-      </p:sp>
-      <p:pic>
-        <p:nvPicPr>
-          <p:cNvPr id="5" name="Picture 4">
-            <a:extLst>
-              <a:ext uri="{FF2B5EF4-FFF2-40B4-BE49-F238E27FC236}">
-                <a16:creationId xmlns:a16="http://schemas.microsoft.com/office/drawing/2014/main" id="{D2751EEB-869D-4EE6-8CB0-EE3AD8397E8E}"/>
-              </a:ext>
-            </a:extLst>
-          </p:cNvPr>
-          <p:cNvPicPr>
-            <a:picLocks noChangeAspect="1"/>
-          </p:cNvPicPr>
-          <p:nvPr/>
-        </p:nvPicPr>
-        <p:blipFill>
-          <a:blip r:embed="rId3"/>
-          <a:stretch>
-            <a:fillRect/>
-          </a:stretch>
-        </p:blipFill>
-        <p:spPr>
-          <a:xfrm>
-            <a:off x="304800" y="1600200"/>
-            <a:ext cx="8124825" cy="5095875"/>
-          </a:xfrm>
-          <a:prstGeom prst="rect">
-            <a:avLst/>
-          </a:prstGeom>
-        </p:spPr>
-      </p:pic>
-    </p:spTree>
-    <p:extLst>
-      <p:ext uri="{BB962C8B-B14F-4D97-AF65-F5344CB8AC3E}">
-        <p14:creationId xmlns:p14="http://schemas.microsoft.com/office/powerpoint/2010/main" val="2739815509"/>
-      </p:ext>
-    </p:extLst>
-  </p:cSld>
-  <p:clrMapOvr>
-    <a:masterClrMapping/>
-  </p:clrMapOvr>
-  <p:transition spd="med"/>
-</p:sld>
-</file>
-
-<file path=ppt/slides/slide16.xml><?xml version="1.0" encoding="utf-8"?>
-<p:sld xmlns:a="http://schemas.openxmlformats.org/drawingml/2006/main" xmlns:r="http://schemas.openxmlformats.org/officeDocument/2006/relationships" xmlns:p="http://schemas.openxmlformats.org/presentationml/2006/main">
-  <p:cSld>
-    <p:spTree>
-      <p:nvGrpSpPr>
-        <p:cNvPr id="1" name=""/>
-        <p:cNvGrpSpPr/>
-        <p:nvPr/>
-      </p:nvGrpSpPr>
-      <p:grpSpPr>
-        <a:xfrm>
-          <a:off x="0" y="0"/>
-          <a:ext cx="0" cy="0"/>
-          <a:chOff x="0" y="0"/>
-          <a:chExt cx="0" cy="0"/>
-        </a:xfrm>
-      </p:grpSpPr>
-      <p:sp>
-        <p:nvSpPr>
-          <p:cNvPr id="6146" name="Rectangle 1"/>
-          <p:cNvSpPr>
-            <a:spLocks noGrp="1" noChangeArrowheads="1"/>
-          </p:cNvSpPr>
-          <p:nvPr>
-            <p:ph type="title" idx="4294967295"/>
-          </p:nvPr>
-        </p:nvSpPr>
-        <p:spPr>
-          <a:xfrm>
-            <a:off x="457200" y="531449"/>
-            <a:ext cx="8216900" cy="1131888"/>
-          </a:xfrm>
-        </p:spPr>
-        <p:txBody>
-          <a:bodyPr/>
-          <a:lstStyle/>
-          <a:p>
-            <a:pPr eaLnBrk="1" hangingPunct="1">
-              <a:tabLst>
-                <a:tab pos="0" algn="l"/>
-                <a:tab pos="457200" algn="l"/>
-                <a:tab pos="914400" algn="l"/>
-                <a:tab pos="1371600" algn="l"/>
-                <a:tab pos="1828800" algn="l"/>
-                <a:tab pos="2286000" algn="l"/>
-                <a:tab pos="2743200" algn="l"/>
-                <a:tab pos="3200400" algn="l"/>
-                <a:tab pos="3657600" algn="l"/>
-                <a:tab pos="4114800" algn="l"/>
-                <a:tab pos="4572000" algn="l"/>
-                <a:tab pos="5029200" algn="l"/>
-                <a:tab pos="5486400" algn="l"/>
-                <a:tab pos="5943600" algn="l"/>
-                <a:tab pos="6400800" algn="l"/>
-                <a:tab pos="6858000" algn="l"/>
-                <a:tab pos="7315200" algn="l"/>
-                <a:tab pos="7772400" algn="l"/>
-                <a:tab pos="8229600" algn="l"/>
-                <a:tab pos="8686800" algn="l"/>
-                <a:tab pos="9144000" algn="l"/>
-              </a:tabLst>
-            </a:pPr>
-            <a:r>
-              <a:rPr lang="en-GB" dirty="0"/>
-              <a:t>Elements in Analysis Model</a:t>
-            </a:r>
-          </a:p>
-        </p:txBody>
-      </p:sp>
-      <p:pic>
-        <p:nvPicPr>
-          <p:cNvPr id="1026" name="Picture 2"/>
-          <p:cNvPicPr>
-            <a:picLocks noChangeAspect="1" noChangeArrowheads="1"/>
-          </p:cNvPicPr>
-          <p:nvPr/>
-        </p:nvPicPr>
-        <p:blipFill>
-          <a:blip r:embed="rId3">
-            <a:extLst>
-              <a:ext uri="{28A0092B-C50C-407E-A947-70E740481C1C}">
-                <a14:useLocalDpi xmlns:a14="http://schemas.microsoft.com/office/drawing/2010/main" val="0"/>
-              </a:ext>
-            </a:extLst>
-          </a:blip>
-          <a:srcRect/>
-          <a:stretch>
-            <a:fillRect/>
-          </a:stretch>
-        </p:blipFill>
-        <p:spPr bwMode="auto">
-          <a:xfrm>
-            <a:off x="2438400" y="2124074"/>
-            <a:ext cx="5514975" cy="4040383"/>
-          </a:xfrm>
-          <a:prstGeom prst="rect">
-            <a:avLst/>
-          </a:prstGeom>
-          <a:noFill/>
-          <a:ln>
-            <a:noFill/>
-          </a:ln>
-          <a:effectLst/>
-          <a:extLst>
-            <a:ext uri="{909E8E84-426E-40DD-AFC4-6F175D3DCCD1}">
-              <a14:hiddenFill xmlns:a14="http://schemas.microsoft.com/office/drawing/2010/main">
-                <a:solidFill>
-                  <a:schemeClr val="accent1"/>
-                </a:solidFill>
-              </a14:hiddenFill>
-            </a:ext>
-            <a:ext uri="{91240B29-F687-4F45-9708-019B960494DF}">
-              <a14:hiddenLine xmlns:a14="http://schemas.microsoft.com/office/drawing/2010/main" w="9525">
-                <a:solidFill>
-                  <a:schemeClr val="tx1"/>
-                </a:solidFill>
-                <a:miter lim="800000"/>
-                <a:headEnd/>
-                <a:tailEnd/>
-              </a14:hiddenLine>
-            </a:ext>
-            <a:ext uri="{AF507438-7753-43E0-B8FC-AC1667EBCBE1}">
-              <a14:hiddenEffects xmlns:a14="http://schemas.microsoft.com/office/drawing/2010/main">
-                <a:effectLst>
-                  <a:outerShdw dist="35921" dir="2700000" algn="ctr" rotWithShape="0">
-                    <a:schemeClr val="bg2"/>
-                  </a:outerShdw>
-                </a:effectLst>
-              </a14:hiddenEffects>
-            </a:ext>
-          </a:extLst>
-        </p:spPr>
-      </p:pic>
-    </p:spTree>
-    <p:extLst>
-      <p:ext uri="{BB962C8B-B14F-4D97-AF65-F5344CB8AC3E}">
-        <p14:creationId xmlns:p14="http://schemas.microsoft.com/office/powerpoint/2010/main" val="67523139"/>
-      </p:ext>
-    </p:extLst>
-  </p:cSld>
-  <p:clrMapOvr>
-    <a:masterClrMapping/>
-  </p:clrMapOvr>
-  <p:transition spd="med"/>
 </p:sld>
 </file>
 
@@ -6955,86 +5777,67 @@
             <p:ph type="title"/>
           </p:nvPr>
         </p:nvSpPr>
-        <p:spPr/>
-        <p:txBody>
-          <a:bodyPr/>
-          <a:lstStyle/>
-          <a:p>
-            <a:r>
-              <a:rPr lang="en-US" dirty="0"/>
-              <a:t>Analysis</a:t>
-            </a:r>
-          </a:p>
-        </p:txBody>
-      </p:sp>
-      <p:sp>
-        <p:nvSpPr>
-          <p:cNvPr id="3" name="Content Placeholder 2"/>
-          <p:cNvSpPr>
-            <a:spLocks noGrp="1"/>
-          </p:cNvSpPr>
-          <p:nvPr>
-            <p:ph idx="1"/>
-          </p:nvPr>
-        </p:nvSpPr>
-        <p:spPr/>
-        <p:txBody>
-          <a:bodyPr/>
-          <a:lstStyle/>
-          <a:p>
-            <a:r>
-              <a:rPr lang="en-US" dirty="0"/>
-              <a:t>Focus on requirements</a:t>
-            </a:r>
-          </a:p>
-          <a:p>
-            <a:r>
-              <a:rPr lang="en-US" dirty="0"/>
-              <a:t>Each element should improve understanding of requirements</a:t>
-            </a:r>
-          </a:p>
-          <a:p>
-            <a:r>
-              <a:rPr lang="en-US" dirty="0"/>
-              <a:t>Delay consideration of infrastructure till design</a:t>
-            </a:r>
-          </a:p>
-          <a:p>
-            <a:r>
-              <a:rPr lang="en-US" dirty="0"/>
-              <a:t>Requirements model provides value to all stakeholders</a:t>
-            </a:r>
-          </a:p>
-          <a:p>
-            <a:r>
-              <a:rPr lang="en-US" dirty="0"/>
-              <a:t>Keep the models simple</a:t>
-            </a:r>
-          </a:p>
-          <a:p>
-            <a:pPr lvl="1"/>
-            <a:endParaRPr lang="en-US" dirty="0"/>
+        <p:spPr>
+          <a:xfrm>
+            <a:off x="533400" y="533400"/>
+            <a:ext cx="8229600" cy="1143000"/>
+          </a:xfrm>
+        </p:spPr>
+        <p:txBody>
+          <a:bodyPr>
+            <a:normAutofit/>
+          </a:bodyPr>
+          <a:lstStyle/>
+          <a:p>
+            <a:r>
+              <a:rPr lang="en-US" sz="2800" b="1" i="0" dirty="0">
+                <a:solidFill>
+                  <a:srgbClr val="111111"/>
+                </a:solidFill>
+                <a:effectLst/>
+                <a:latin typeface="Cabin-semi-bold"/>
+              </a:rPr>
+              <a:t>Program Evaluation Review Technique (PERT) Chart/</a:t>
+            </a:r>
+            <a:br>
+              <a:rPr lang="en-US" sz="2800" b="1" i="0" dirty="0">
+                <a:solidFill>
+                  <a:srgbClr val="111111"/>
+                </a:solidFill>
+                <a:effectLst/>
+                <a:latin typeface="Cabin-semi-bold"/>
+              </a:rPr>
+            </a:br>
+            <a:r>
+              <a:rPr lang="en-US" sz="4000" dirty="0"/>
+              <a:t>Critical Path Method</a:t>
+            </a:r>
           </a:p>
         </p:txBody>
       </p:sp>
       <p:pic>
         <p:nvPicPr>
-          <p:cNvPr id="4" name="Picture 3"/>
+          <p:cNvPr id="7" name="Picture 6">
+            <a:extLst>
+              <a:ext uri="{FF2B5EF4-FFF2-40B4-BE49-F238E27FC236}">
+                <a16:creationId xmlns:a16="http://schemas.microsoft.com/office/drawing/2014/main" id="{448A94EE-BECC-4CD2-85EC-D8E84CF9E840}"/>
+              </a:ext>
+            </a:extLst>
+          </p:cNvPr>
           <p:cNvPicPr>
             <a:picLocks noChangeAspect="1"/>
           </p:cNvPicPr>
           <p:nvPr/>
         </p:nvPicPr>
-        <p:blipFill>
+        <p:blipFill rotWithShape="1">
           <a:blip r:embed="rId2"/>
-          <a:stretch>
-            <a:fillRect/>
-          </a:stretch>
+          <a:srcRect r="25000"/>
+          <a:stretch/>
         </p:blipFill>
         <p:spPr>
           <a:xfrm>
-            <a:off x="5410200" y="4119804"/>
-            <a:ext cx="3599059" cy="2636520"/>
+            <a:off x="0" y="1562100"/>
+            <a:ext cx="9067800" cy="5143500"/>
           </a:xfrm>
           <a:prstGeom prst="rect">
             <a:avLst/>
@@ -7044,7 +5847,7 @@
     </p:spTree>
     <p:extLst>
       <p:ext uri="{BB962C8B-B14F-4D97-AF65-F5344CB8AC3E}">
-        <p14:creationId xmlns:p14="http://schemas.microsoft.com/office/powerpoint/2010/main" val="2219329067"/>
+        <p14:creationId xmlns:p14="http://schemas.microsoft.com/office/powerpoint/2010/main" val="306035631"/>
       </p:ext>
     </p:extLst>
   </p:cSld>
@@ -7073,261 +5876,18 @@
       </p:grpSpPr>
       <p:sp>
         <p:nvSpPr>
-          <p:cNvPr id="16387" name="Rectangle 2"/>
-          <p:cNvSpPr>
-            <a:spLocks noGrp="1" noChangeArrowheads="1"/>
-          </p:cNvSpPr>
-          <p:nvPr>
-            <p:ph type="body" idx="4294967295"/>
+          <p:cNvPr id="2" name="Title 1"/>
+          <p:cNvSpPr>
+            <a:spLocks noGrp="1"/>
+          </p:cNvSpPr>
+          <p:nvPr>
+            <p:ph type="title"/>
           </p:nvPr>
         </p:nvSpPr>
         <p:spPr>
           <a:xfrm>
-            <a:off x="457200" y="2116137"/>
-            <a:ext cx="8388350" cy="4665663"/>
-          </a:xfrm>
-        </p:spPr>
-        <p:txBody>
-          <a:bodyPr/>
-          <a:lstStyle/>
-          <a:p>
-            <a:pPr eaLnBrk="1" hangingPunct="1">
-              <a:tabLst>
-                <a:tab pos="454025" algn="l"/>
-                <a:tab pos="911225" algn="l"/>
-                <a:tab pos="1368425" algn="l"/>
-                <a:tab pos="1825625" algn="l"/>
-                <a:tab pos="2282825" algn="l"/>
-                <a:tab pos="2740025" algn="l"/>
-                <a:tab pos="3197225" algn="l"/>
-                <a:tab pos="3654425" algn="l"/>
-                <a:tab pos="4111625" algn="l"/>
-                <a:tab pos="4568825" algn="l"/>
-                <a:tab pos="5026025" algn="l"/>
-                <a:tab pos="5483225" algn="l"/>
-                <a:tab pos="5940425" algn="l"/>
-                <a:tab pos="6397625" algn="l"/>
-                <a:tab pos="6854825" algn="l"/>
-                <a:tab pos="7312025" algn="l"/>
-                <a:tab pos="7769225" algn="l"/>
-                <a:tab pos="8226425" algn="l"/>
-                <a:tab pos="8683625" algn="l"/>
-                <a:tab pos="9140825" algn="l"/>
-              </a:tabLst>
-            </a:pPr>
-            <a:r>
-              <a:rPr lang="en-GB" dirty="0"/>
-              <a:t>Different stakeholders have different set of requirements</a:t>
-            </a:r>
-          </a:p>
-          <a:p>
-            <a:pPr lvl="1" eaLnBrk="1" hangingPunct="1">
-              <a:tabLst>
-                <a:tab pos="454025" algn="l"/>
-                <a:tab pos="911225" algn="l"/>
-                <a:tab pos="1368425" algn="l"/>
-                <a:tab pos="1825625" algn="l"/>
-                <a:tab pos="2282825" algn="l"/>
-                <a:tab pos="2740025" algn="l"/>
-                <a:tab pos="3197225" algn="l"/>
-                <a:tab pos="3654425" algn="l"/>
-                <a:tab pos="4111625" algn="l"/>
-                <a:tab pos="4568825" algn="l"/>
-                <a:tab pos="5026025" algn="l"/>
-                <a:tab pos="5483225" algn="l"/>
-                <a:tab pos="5940425" algn="l"/>
-                <a:tab pos="6397625" algn="l"/>
-                <a:tab pos="6854825" algn="l"/>
-                <a:tab pos="7312025" algn="l"/>
-                <a:tab pos="7769225" algn="l"/>
-                <a:tab pos="8226425" algn="l"/>
-                <a:tab pos="8683625" algn="l"/>
-                <a:tab pos="9140825" algn="l"/>
-              </a:tabLst>
-            </a:pPr>
-            <a:r>
-              <a:rPr lang="en-GB" dirty="0"/>
-              <a:t>potential conflicting ideas</a:t>
-            </a:r>
-          </a:p>
-          <a:p>
-            <a:pPr eaLnBrk="1" hangingPunct="1">
-              <a:tabLst>
-                <a:tab pos="454025" algn="l"/>
-                <a:tab pos="911225" algn="l"/>
-                <a:tab pos="1368425" algn="l"/>
-                <a:tab pos="1825625" algn="l"/>
-                <a:tab pos="2282825" algn="l"/>
-                <a:tab pos="2740025" algn="l"/>
-                <a:tab pos="3197225" algn="l"/>
-                <a:tab pos="3654425" algn="l"/>
-                <a:tab pos="4111625" algn="l"/>
-                <a:tab pos="4568825" algn="l"/>
-                <a:tab pos="5026025" algn="l"/>
-                <a:tab pos="5483225" algn="l"/>
-                <a:tab pos="5940425" algn="l"/>
-                <a:tab pos="6397625" algn="l"/>
-                <a:tab pos="6854825" algn="l"/>
-                <a:tab pos="7312025" algn="l"/>
-                <a:tab pos="7769225" algn="l"/>
-                <a:tab pos="8226425" algn="l"/>
-                <a:tab pos="8683625" algn="l"/>
-                <a:tab pos="9140825" algn="l"/>
-              </a:tabLst>
-            </a:pPr>
-            <a:r>
-              <a:rPr lang="en-GB" dirty="0"/>
-              <a:t>Need to prioritize requirements to resolve conflicts</a:t>
-            </a:r>
-          </a:p>
-          <a:p>
-            <a:pPr eaLnBrk="1" hangingPunct="1">
-              <a:tabLst>
-                <a:tab pos="454025" algn="l"/>
-                <a:tab pos="911225" algn="l"/>
-                <a:tab pos="1368425" algn="l"/>
-                <a:tab pos="1825625" algn="l"/>
-                <a:tab pos="2282825" algn="l"/>
-                <a:tab pos="2740025" algn="l"/>
-                <a:tab pos="3197225" algn="l"/>
-                <a:tab pos="3654425" algn="l"/>
-                <a:tab pos="4111625" algn="l"/>
-                <a:tab pos="4568825" algn="l"/>
-                <a:tab pos="5026025" algn="l"/>
-                <a:tab pos="5483225" algn="l"/>
-                <a:tab pos="5940425" algn="l"/>
-                <a:tab pos="6397625" algn="l"/>
-                <a:tab pos="6854825" algn="l"/>
-                <a:tab pos="7312025" algn="l"/>
-                <a:tab pos="7769225" algn="l"/>
-                <a:tab pos="8226425" algn="l"/>
-                <a:tab pos="8683625" algn="l"/>
-                <a:tab pos="9140825" algn="l"/>
-              </a:tabLst>
-            </a:pPr>
-            <a:r>
-              <a:rPr lang="en-GB" dirty="0"/>
-              <a:t>Prioritization might separate requirements into three categories</a:t>
-            </a:r>
-          </a:p>
-          <a:p>
-            <a:pPr lvl="1" eaLnBrk="1" hangingPunct="1">
-              <a:tabLst>
-                <a:tab pos="454025" algn="l"/>
-                <a:tab pos="911225" algn="l"/>
-                <a:tab pos="1368425" algn="l"/>
-                <a:tab pos="1825625" algn="l"/>
-                <a:tab pos="2282825" algn="l"/>
-                <a:tab pos="2740025" algn="l"/>
-                <a:tab pos="3197225" algn="l"/>
-                <a:tab pos="3654425" algn="l"/>
-                <a:tab pos="4111625" algn="l"/>
-                <a:tab pos="4568825" algn="l"/>
-                <a:tab pos="5026025" algn="l"/>
-                <a:tab pos="5483225" algn="l"/>
-                <a:tab pos="5940425" algn="l"/>
-                <a:tab pos="6397625" algn="l"/>
-                <a:tab pos="6854825" algn="l"/>
-                <a:tab pos="7312025" algn="l"/>
-                <a:tab pos="7769225" algn="l"/>
-                <a:tab pos="8226425" algn="l"/>
-                <a:tab pos="8683625" algn="l"/>
-                <a:tab pos="9140825" algn="l"/>
-              </a:tabLst>
-            </a:pPr>
-            <a:r>
-              <a:rPr lang="en-GB" i="1" dirty="0"/>
-              <a:t>essential</a:t>
-            </a:r>
-            <a:r>
-              <a:rPr lang="en-GB" dirty="0"/>
-              <a:t>: absolutely must be met</a:t>
-            </a:r>
-          </a:p>
-          <a:p>
-            <a:pPr lvl="1" eaLnBrk="1" hangingPunct="1">
-              <a:tabLst>
-                <a:tab pos="454025" algn="l"/>
-                <a:tab pos="911225" algn="l"/>
-                <a:tab pos="1368425" algn="l"/>
-                <a:tab pos="1825625" algn="l"/>
-                <a:tab pos="2282825" algn="l"/>
-                <a:tab pos="2740025" algn="l"/>
-                <a:tab pos="3197225" algn="l"/>
-                <a:tab pos="3654425" algn="l"/>
-                <a:tab pos="4111625" algn="l"/>
-                <a:tab pos="4568825" algn="l"/>
-                <a:tab pos="5026025" algn="l"/>
-                <a:tab pos="5483225" algn="l"/>
-                <a:tab pos="5940425" algn="l"/>
-                <a:tab pos="6397625" algn="l"/>
-                <a:tab pos="6854825" algn="l"/>
-                <a:tab pos="7312025" algn="l"/>
-                <a:tab pos="7769225" algn="l"/>
-                <a:tab pos="8226425" algn="l"/>
-                <a:tab pos="8683625" algn="l"/>
-                <a:tab pos="9140825" algn="l"/>
-              </a:tabLst>
-            </a:pPr>
-            <a:r>
-              <a:rPr lang="en-GB" i="1" dirty="0"/>
-              <a:t>desirable</a:t>
-            </a:r>
-            <a:r>
-              <a:rPr lang="en-GB" dirty="0"/>
-              <a:t>: highly desirable but not necessary</a:t>
-            </a:r>
-          </a:p>
-          <a:p>
-            <a:pPr lvl="1" eaLnBrk="1" hangingPunct="1">
-              <a:tabLst>
-                <a:tab pos="454025" algn="l"/>
-                <a:tab pos="911225" algn="l"/>
-                <a:tab pos="1368425" algn="l"/>
-                <a:tab pos="1825625" algn="l"/>
-                <a:tab pos="2282825" algn="l"/>
-                <a:tab pos="2740025" algn="l"/>
-                <a:tab pos="3197225" algn="l"/>
-                <a:tab pos="3654425" algn="l"/>
-                <a:tab pos="4111625" algn="l"/>
-                <a:tab pos="4568825" algn="l"/>
-                <a:tab pos="5026025" algn="l"/>
-                <a:tab pos="5483225" algn="l"/>
-                <a:tab pos="5940425" algn="l"/>
-                <a:tab pos="6397625" algn="l"/>
-                <a:tab pos="6854825" algn="l"/>
-                <a:tab pos="7312025" algn="l"/>
-                <a:tab pos="7769225" algn="l"/>
-                <a:tab pos="8226425" algn="l"/>
-                <a:tab pos="8683625" algn="l"/>
-                <a:tab pos="9140825" algn="l"/>
-              </a:tabLst>
-            </a:pPr>
-            <a:r>
-              <a:rPr lang="en-GB" i="1" dirty="0"/>
-              <a:t>optional</a:t>
-            </a:r>
-            <a:r>
-              <a:rPr lang="en-GB" dirty="0"/>
-              <a:t>: possible but could be eliminated</a:t>
-            </a:r>
-          </a:p>
-        </p:txBody>
-      </p:sp>
-      <p:sp>
-        <p:nvSpPr>
-          <p:cNvPr id="4" name="Rectangle 1"/>
-          <p:cNvSpPr>
-            <a:spLocks noGrp="1" noChangeArrowheads="1"/>
-          </p:cNvSpPr>
-          <p:nvPr>
-            <p:ph type="title" idx="4294967295"/>
-          </p:nvPr>
-        </p:nvSpPr>
-        <p:spPr>
-          <a:xfrm>
-            <a:off x="583111" y="762000"/>
-            <a:ext cx="8216900" cy="1131888"/>
+            <a:off x="2133600" y="152400"/>
+            <a:ext cx="8229600" cy="1143000"/>
           </a:xfrm>
         </p:spPr>
         <p:txBody>
@@ -7336,55 +5896,57 @@
           </a:bodyPr>
           <a:lstStyle/>
           <a:p>
-            <a:pPr eaLnBrk="1" hangingPunct="1">
-              <a:tabLst>
-                <a:tab pos="0" algn="l"/>
-                <a:tab pos="457200" algn="l"/>
-                <a:tab pos="914400" algn="l"/>
-                <a:tab pos="1371600" algn="l"/>
-                <a:tab pos="1828800" algn="l"/>
-                <a:tab pos="2286000" algn="l"/>
-                <a:tab pos="2743200" algn="l"/>
-                <a:tab pos="3200400" algn="l"/>
-                <a:tab pos="3657600" algn="l"/>
-                <a:tab pos="4114800" algn="l"/>
-                <a:tab pos="4572000" algn="l"/>
-                <a:tab pos="5029200" algn="l"/>
-                <a:tab pos="5486400" algn="l"/>
-                <a:tab pos="5943600" algn="l"/>
-                <a:tab pos="6400800" algn="l"/>
-                <a:tab pos="6858000" algn="l"/>
-                <a:tab pos="7315200" algn="l"/>
-                <a:tab pos="7772400" algn="l"/>
-                <a:tab pos="8229600" algn="l"/>
-                <a:tab pos="8686800" algn="l"/>
-                <a:tab pos="9144000" algn="l"/>
-              </a:tabLst>
-            </a:pPr>
-            <a:r>
-              <a:rPr lang="en-GB" dirty="0"/>
-              <a:t>Prioritizing Requirements</a:t>
-            </a:r>
-            <a:endParaRPr lang="en-GB" sz="2800" dirty="0"/>
-          </a:p>
-        </p:txBody>
-      </p:sp>
+            <a:r>
+              <a:rPr lang="en-US" sz="4000" dirty="0"/>
+              <a:t>Critical Path Method</a:t>
+            </a:r>
+          </a:p>
+        </p:txBody>
+      </p:sp>
+      <p:pic>
+        <p:nvPicPr>
+          <p:cNvPr id="4" name="Picture 3">
+            <a:extLst>
+              <a:ext uri="{FF2B5EF4-FFF2-40B4-BE49-F238E27FC236}">
+                <a16:creationId xmlns:a16="http://schemas.microsoft.com/office/drawing/2014/main" id="{7403403E-CD85-41CB-A0DE-585D9873F208}"/>
+              </a:ext>
+            </a:extLst>
+          </p:cNvPr>
+          <p:cNvPicPr>
+            <a:picLocks noChangeAspect="1"/>
+          </p:cNvPicPr>
+          <p:nvPr/>
+        </p:nvPicPr>
+        <p:blipFill rotWithShape="1">
+          <a:blip r:embed="rId2"/>
+          <a:srcRect r="25000"/>
+          <a:stretch/>
+        </p:blipFill>
+        <p:spPr>
+          <a:xfrm>
+            <a:off x="76200" y="1298331"/>
+            <a:ext cx="8915400" cy="5143500"/>
+          </a:xfrm>
+          <a:prstGeom prst="rect">
+            <a:avLst/>
+          </a:prstGeom>
+        </p:spPr>
+      </p:pic>
     </p:spTree>
     <p:extLst>
       <p:ext uri="{BB962C8B-B14F-4D97-AF65-F5344CB8AC3E}">
-        <p14:creationId xmlns:p14="http://schemas.microsoft.com/office/powerpoint/2010/main" val="98419417"/>
+        <p14:creationId xmlns:p14="http://schemas.microsoft.com/office/powerpoint/2010/main" val="562819765"/>
       </p:ext>
     </p:extLst>
   </p:cSld>
   <p:clrMapOvr>
     <a:masterClrMapping/>
   </p:clrMapOvr>
-  <p:transition spd="med"/>
 </p:sld>
 </file>
 
 <file path=ppt/slides/slide19.xml><?xml version="1.0" encoding="utf-8"?>
-<p:sld xmlns:a="http://schemas.openxmlformats.org/drawingml/2006/main" xmlns:r="http://schemas.openxmlformats.org/officeDocument/2006/relationships" xmlns:p="http://schemas.openxmlformats.org/presentationml/2006/main" showMasterPhAnim="0">
+<p:sld xmlns:a="http://schemas.openxmlformats.org/drawingml/2006/main" xmlns:r="http://schemas.openxmlformats.org/officeDocument/2006/relationships" xmlns:p="http://schemas.openxmlformats.org/presentationml/2006/main">
   <p:cSld>
     <p:spTree>
       <p:nvGrpSpPr>
@@ -7402,41 +5964,18 @@
       </p:grpSpPr>
       <p:sp>
         <p:nvSpPr>
-          <p:cNvPr id="20483" name="Rectangle 2"/>
-          <p:cNvSpPr>
-            <a:spLocks noGrp="1" noChangeArrowheads="1"/>
+          <p:cNvPr id="2" name="Title 1"/>
+          <p:cNvSpPr>
+            <a:spLocks noGrp="1"/>
           </p:cNvSpPr>
           <p:nvPr>
             <p:ph type="title"/>
-          </p:nvPr>
-        </p:nvSpPr>
-        <p:spPr/>
-        <p:txBody>
-          <a:bodyPr/>
-          <a:lstStyle/>
-          <a:p>
-            <a:pPr eaLnBrk="1" hangingPunct="1"/>
-            <a:r>
-              <a:rPr lang="en-US" dirty="0"/>
-              <a:t>References</a:t>
-            </a:r>
-          </a:p>
-        </p:txBody>
-      </p:sp>
-      <p:sp>
-        <p:nvSpPr>
-          <p:cNvPr id="20484" name="Rectangle 3"/>
-          <p:cNvSpPr>
-            <a:spLocks noGrp="1" noChangeArrowheads="1"/>
-          </p:cNvSpPr>
-          <p:nvPr>
-            <p:ph idx="1"/>
           </p:nvPr>
         </p:nvSpPr>
         <p:spPr>
           <a:xfrm>
-            <a:off x="457200" y="1935480"/>
-            <a:ext cx="8229600" cy="1036320"/>
+            <a:off x="2133600" y="152400"/>
+            <a:ext cx="8229600" cy="1143000"/>
           </a:xfrm>
         </p:spPr>
         <p:txBody>
@@ -7445,165 +5984,46 @@
           </a:bodyPr>
           <a:lstStyle/>
           <a:p>
-            <a:pPr eaLnBrk="1" hangingPunct="1"/>
-            <a:r>
-              <a:rPr lang="en-US" dirty="0" err="1"/>
-              <a:t>Pfleeger</a:t>
-            </a:r>
-            <a:r>
-              <a:rPr lang="en-US" dirty="0"/>
-              <a:t> Book slides from UCF</a:t>
-            </a:r>
-          </a:p>
-        </p:txBody>
-      </p:sp>
-      <p:sp>
-        <p:nvSpPr>
-          <p:cNvPr id="4" name="Rectangle 2"/>
-          <p:cNvSpPr txBox="1">
-            <a:spLocks noChangeArrowheads="1"/>
-          </p:cNvSpPr>
+            <a:r>
+              <a:rPr lang="en-US" sz="4000" dirty="0"/>
+              <a:t>Critical Path Method</a:t>
+            </a:r>
+          </a:p>
+        </p:txBody>
+      </p:sp>
+      <p:pic>
+        <p:nvPicPr>
+          <p:cNvPr id="5" name="Picture 4">
+            <a:extLst>
+              <a:ext uri="{FF2B5EF4-FFF2-40B4-BE49-F238E27FC236}">
+                <a16:creationId xmlns:a16="http://schemas.microsoft.com/office/drawing/2014/main" id="{C6BB8D22-CF83-48BE-AF17-CA3C3A329F10}"/>
+              </a:ext>
+            </a:extLst>
+          </p:cNvPr>
+          <p:cNvPicPr>
+            <a:picLocks noChangeAspect="1"/>
+          </p:cNvPicPr>
           <p:nvPr/>
-        </p:nvSpPr>
+        </p:nvPicPr>
+        <p:blipFill rotWithShape="1">
+          <a:blip r:embed="rId2"/>
+          <a:srcRect t="50000" r="25000"/>
+          <a:stretch/>
+        </p:blipFill>
         <p:spPr>
           <a:xfrm>
-            <a:off x="457200" y="3066288"/>
-            <a:ext cx="8229600" cy="1143000"/>
+            <a:off x="0" y="1714500"/>
+            <a:ext cx="9144000" cy="3429000"/>
           </a:xfrm>
           <a:prstGeom prst="rect">
             <a:avLst/>
           </a:prstGeom>
         </p:spPr>
-        <p:txBody>
-          <a:bodyPr vert="horz" lIns="0" rIns="0" bIns="0" anchor="b">
-            <a:normAutofit/>
-          </a:bodyPr>
-          <a:lstStyle/>
-          <a:p>
-            <a:pPr marL="0" marR="0" lvl="0" indent="0" algn="l" defTabSz="914400" rtl="0" eaLnBrk="1" fontAlgn="auto" latinLnBrk="0" hangingPunct="1">
-              <a:lnSpc>
-                <a:spcPct val="100000"/>
-              </a:lnSpc>
-              <a:spcBef>
-                <a:spcPct val="0"/>
-              </a:spcBef>
-              <a:spcAft>
-                <a:spcPts val="0"/>
-              </a:spcAft>
-              <a:buClrTx/>
-              <a:buSzTx/>
-              <a:buFontTx/>
-              <a:buNone/>
-              <a:tabLst/>
-              <a:defRPr/>
-            </a:pPr>
-            <a:r>
-              <a:rPr kumimoji="0" lang="en-US" sz="5000" b="0" i="0" u="none" strike="noStrike" kern="1200" cap="none" spc="0" normalizeH="0" baseline="0" noProof="0" dirty="0">
-                <a:ln>
-                  <a:noFill/>
-                </a:ln>
-                <a:solidFill>
-                  <a:schemeClr val="tx2"/>
-                </a:solidFill>
-                <a:effectLst/>
-                <a:uLnTx/>
-                <a:uFillTx/>
-                <a:latin typeface="+mj-lt"/>
-                <a:ea typeface="+mj-ea"/>
-                <a:cs typeface="+mj-cs"/>
-              </a:rPr>
-              <a:t>Acknowledgement!</a:t>
-            </a:r>
-          </a:p>
-        </p:txBody>
-      </p:sp>
-      <p:sp>
-        <p:nvSpPr>
-          <p:cNvPr id="5" name="Rectangle 3"/>
-          <p:cNvSpPr txBox="1">
-            <a:spLocks noChangeArrowheads="1"/>
-          </p:cNvSpPr>
-          <p:nvPr/>
-        </p:nvSpPr>
-        <p:spPr>
-          <a:xfrm>
-            <a:off x="457200" y="4297680"/>
-            <a:ext cx="8229600" cy="1036320"/>
-          </a:xfrm>
-          <a:prstGeom prst="rect">
-            <a:avLst/>
-          </a:prstGeom>
-        </p:spPr>
-        <p:txBody>
-          <a:bodyPr vert="horz">
-            <a:normAutofit/>
-          </a:bodyPr>
-          <a:lstStyle/>
-          <a:p>
-            <a:pPr marL="274320" marR="0" lvl="0" indent="-274320" algn="l" defTabSz="914400" rtl="0" eaLnBrk="1" fontAlgn="auto" latinLnBrk="0" hangingPunct="1">
-              <a:lnSpc>
-                <a:spcPct val="100000"/>
-              </a:lnSpc>
-              <a:spcBef>
-                <a:spcPct val="20000"/>
-              </a:spcBef>
-              <a:spcAft>
-                <a:spcPts val="0"/>
-              </a:spcAft>
-              <a:buClr>
-                <a:schemeClr val="accent3"/>
-              </a:buClr>
-              <a:buSzPct val="95000"/>
-              <a:buFont typeface="Wingdings 2"/>
-              <a:buChar char=""/>
-              <a:tabLst/>
-              <a:defRPr/>
-            </a:pPr>
-            <a:r>
-              <a:rPr kumimoji="0" lang="en-US" sz="2600" b="0" i="0" u="none" strike="noStrike" kern="1200" cap="none" spc="0" normalizeH="0" baseline="0" noProof="0" dirty="0">
-                <a:ln>
-                  <a:noFill/>
-                </a:ln>
-                <a:solidFill>
-                  <a:schemeClr val="tx1"/>
-                </a:solidFill>
-                <a:effectLst/>
-                <a:uLnTx/>
-                <a:uFillTx/>
-                <a:latin typeface="+mn-lt"/>
-                <a:ea typeface="+mn-ea"/>
-                <a:cs typeface="+mn-cs"/>
-              </a:rPr>
-              <a:t>A few </a:t>
-            </a:r>
-            <a:r>
-              <a:rPr lang="en-US" sz="2600" dirty="0"/>
-              <a:t>slides have been reused from UCF </a:t>
-            </a:r>
-            <a:r>
-              <a:rPr kumimoji="0" lang="en-US" sz="2600" b="0" i="0" u="none" strike="noStrike" kern="1200" cap="none" spc="0" normalizeH="0" baseline="0" noProof="0" dirty="0">
-                <a:ln>
-                  <a:noFill/>
-                </a:ln>
-                <a:solidFill>
-                  <a:schemeClr val="tx1"/>
-                </a:solidFill>
-                <a:effectLst/>
-                <a:uLnTx/>
-                <a:uFillTx/>
-                <a:latin typeface="+mn-lt"/>
-                <a:ea typeface="+mn-ea"/>
-                <a:cs typeface="+mn-cs"/>
-              </a:rPr>
-              <a:t>slides for the SE course</a:t>
-            </a:r>
-          </a:p>
-        </p:txBody>
-      </p:sp>
+      </p:pic>
     </p:spTree>
     <p:extLst>
       <p:ext uri="{BB962C8B-B14F-4D97-AF65-F5344CB8AC3E}">
-        <p14:creationId xmlns:p14="http://schemas.microsoft.com/office/powerpoint/2010/main" val="3443251860"/>
+        <p14:creationId xmlns:p14="http://schemas.microsoft.com/office/powerpoint/2010/main" val="3168769946"/>
       </p:ext>
     </p:extLst>
   </p:cSld>
@@ -7632,18 +6052,1128 @@
       </p:grpSpPr>
       <p:sp>
         <p:nvSpPr>
-          <p:cNvPr id="6" name="Rectangle 1"/>
-          <p:cNvSpPr>
-            <a:spLocks noGrp="1" noChangeArrowheads="1"/>
-          </p:cNvSpPr>
-          <p:nvPr>
-            <p:ph type="title" idx="4294967295"/>
-          </p:nvPr>
-        </p:nvSpPr>
+          <p:cNvPr id="2" name="Title 1"/>
+          <p:cNvSpPr>
+            <a:spLocks noGrp="1"/>
+          </p:cNvSpPr>
+          <p:nvPr>
+            <p:ph type="title"/>
+          </p:nvPr>
+        </p:nvSpPr>
+        <p:spPr/>
+        <p:txBody>
+          <a:bodyPr/>
+          <a:lstStyle/>
+          <a:p>
+            <a:r>
+              <a:rPr lang="en-US" dirty="0"/>
+              <a:t>Questions from a Customer</a:t>
+            </a:r>
+          </a:p>
+        </p:txBody>
+      </p:sp>
+      <p:sp>
+        <p:nvSpPr>
+          <p:cNvPr id="3" name="Content Placeholder 2"/>
+          <p:cNvSpPr>
+            <a:spLocks noGrp="1"/>
+          </p:cNvSpPr>
+          <p:nvPr>
+            <p:ph idx="1"/>
+          </p:nvPr>
+        </p:nvSpPr>
+        <p:spPr/>
+        <p:txBody>
+          <a:bodyPr/>
+          <a:lstStyle/>
+          <a:p>
+            <a:pPr>
+              <a:tabLst>
+                <a:tab pos="454025" algn="l"/>
+                <a:tab pos="911225" algn="l"/>
+                <a:tab pos="1368425" algn="l"/>
+                <a:tab pos="1825625" algn="l"/>
+                <a:tab pos="2282825" algn="l"/>
+                <a:tab pos="2740025" algn="l"/>
+                <a:tab pos="3197225" algn="l"/>
+                <a:tab pos="3654425" algn="l"/>
+                <a:tab pos="4111625" algn="l"/>
+                <a:tab pos="4568825" algn="l"/>
+                <a:tab pos="5026025" algn="l"/>
+                <a:tab pos="5483225" algn="l"/>
+                <a:tab pos="5940425" algn="l"/>
+                <a:tab pos="6397625" algn="l"/>
+                <a:tab pos="6854825" algn="l"/>
+                <a:tab pos="7312025" algn="l"/>
+                <a:tab pos="7769225" algn="l"/>
+                <a:tab pos="8226425" algn="l"/>
+                <a:tab pos="8683625" algn="l"/>
+                <a:tab pos="9140825" algn="l"/>
+              </a:tabLst>
+            </a:pPr>
+            <a:r>
+              <a:rPr lang="en-GB" dirty="0"/>
+              <a:t>Do you understand my problem and needs?</a:t>
+            </a:r>
+          </a:p>
+          <a:p>
+            <a:pPr>
+              <a:tabLst>
+                <a:tab pos="454025" algn="l"/>
+                <a:tab pos="911225" algn="l"/>
+                <a:tab pos="1368425" algn="l"/>
+                <a:tab pos="1825625" algn="l"/>
+                <a:tab pos="2282825" algn="l"/>
+                <a:tab pos="2740025" algn="l"/>
+                <a:tab pos="3197225" algn="l"/>
+                <a:tab pos="3654425" algn="l"/>
+                <a:tab pos="4111625" algn="l"/>
+                <a:tab pos="4568825" algn="l"/>
+                <a:tab pos="5026025" algn="l"/>
+                <a:tab pos="5483225" algn="l"/>
+                <a:tab pos="5940425" algn="l"/>
+                <a:tab pos="6397625" algn="l"/>
+                <a:tab pos="6854825" algn="l"/>
+                <a:tab pos="7312025" algn="l"/>
+                <a:tab pos="7769225" algn="l"/>
+                <a:tab pos="8226425" algn="l"/>
+                <a:tab pos="8683625" algn="l"/>
+                <a:tab pos="9140825" algn="l"/>
+              </a:tabLst>
+            </a:pPr>
+            <a:r>
+              <a:rPr lang="en-GB" dirty="0"/>
+              <a:t>Can you design a system to solve my problems or satisfy my needs?</a:t>
+            </a:r>
+          </a:p>
+          <a:p>
+            <a:pPr>
+              <a:tabLst>
+                <a:tab pos="454025" algn="l"/>
+                <a:tab pos="911225" algn="l"/>
+                <a:tab pos="1368425" algn="l"/>
+                <a:tab pos="1825625" algn="l"/>
+                <a:tab pos="2282825" algn="l"/>
+                <a:tab pos="2740025" algn="l"/>
+                <a:tab pos="3197225" algn="l"/>
+                <a:tab pos="3654425" algn="l"/>
+                <a:tab pos="4111625" algn="l"/>
+                <a:tab pos="4568825" algn="l"/>
+                <a:tab pos="5026025" algn="l"/>
+                <a:tab pos="5483225" algn="l"/>
+                <a:tab pos="5940425" algn="l"/>
+                <a:tab pos="6397625" algn="l"/>
+                <a:tab pos="6854825" algn="l"/>
+                <a:tab pos="7312025" algn="l"/>
+                <a:tab pos="7769225" algn="l"/>
+                <a:tab pos="8226425" algn="l"/>
+                <a:tab pos="8683625" algn="l"/>
+                <a:tab pos="9140825" algn="l"/>
+              </a:tabLst>
+            </a:pPr>
+            <a:r>
+              <a:rPr lang="en-GB" dirty="0"/>
+              <a:t>How long will it take to develop the system?</a:t>
+            </a:r>
+          </a:p>
+          <a:p>
+            <a:pPr>
+              <a:tabLst>
+                <a:tab pos="454025" algn="l"/>
+                <a:tab pos="911225" algn="l"/>
+                <a:tab pos="1368425" algn="l"/>
+                <a:tab pos="1825625" algn="l"/>
+                <a:tab pos="2282825" algn="l"/>
+                <a:tab pos="2740025" algn="l"/>
+                <a:tab pos="3197225" algn="l"/>
+                <a:tab pos="3654425" algn="l"/>
+                <a:tab pos="4111625" algn="l"/>
+                <a:tab pos="4568825" algn="l"/>
+                <a:tab pos="5026025" algn="l"/>
+                <a:tab pos="5483225" algn="l"/>
+                <a:tab pos="5940425" algn="l"/>
+                <a:tab pos="6397625" algn="l"/>
+                <a:tab pos="6854825" algn="l"/>
+                <a:tab pos="7312025" algn="l"/>
+                <a:tab pos="7769225" algn="l"/>
+                <a:tab pos="8226425" algn="l"/>
+                <a:tab pos="8683625" algn="l"/>
+                <a:tab pos="9140825" algn="l"/>
+              </a:tabLst>
+            </a:pPr>
+            <a:r>
+              <a:rPr lang="en-GB" dirty="0"/>
+              <a:t>How much will it cost to develop the system?</a:t>
+            </a:r>
+          </a:p>
+          <a:p>
+            <a:endParaRPr lang="en-US" dirty="0"/>
+          </a:p>
+        </p:txBody>
+      </p:sp>
+    </p:spTree>
+  </p:cSld>
+  <p:clrMapOvr>
+    <a:masterClrMapping/>
+  </p:clrMapOvr>
+  <p:timing>
+    <p:tnLst>
+      <p:par>
+        <p:cTn id="1" dur="indefinite" restart="never" nodeType="tmRoot">
+          <p:childTnLst>
+            <p:seq concurrent="1" nextAc="seek">
+              <p:cTn id="2" dur="indefinite" nodeType="mainSeq">
+                <p:childTnLst>
+                  <p:par>
+                    <p:cTn id="3" fill="hold">
+                      <p:stCondLst>
+                        <p:cond delay="indefinite"/>
+                      </p:stCondLst>
+                      <p:childTnLst>
+                        <p:par>
+                          <p:cTn id="4" fill="hold">
+                            <p:stCondLst>
+                              <p:cond delay="0"/>
+                            </p:stCondLst>
+                            <p:childTnLst>
+                              <p:par>
+                                <p:cTn id="5" presetID="10" presetClass="entr" presetSubtype="0" fill="hold" grpId="0" nodeType="clickEffect">
+                                  <p:stCondLst>
+                                    <p:cond delay="0"/>
+                                  </p:stCondLst>
+                                  <p:childTnLst>
+                                    <p:set>
+                                      <p:cBhvr>
+                                        <p:cTn id="6" dur="1" fill="hold">
+                                          <p:stCondLst>
+                                            <p:cond delay="0"/>
+                                          </p:stCondLst>
+                                        </p:cTn>
+                                        <p:tgtEl>
+                                          <p:spTgt spid="3">
+                                            <p:txEl>
+                                              <p:pRg st="0" end="0"/>
+                                            </p:txEl>
+                                          </p:spTgt>
+                                        </p:tgtEl>
+                                        <p:attrNameLst>
+                                          <p:attrName>style.visibility</p:attrName>
+                                        </p:attrNameLst>
+                                      </p:cBhvr>
+                                      <p:to>
+                                        <p:strVal val="visible"/>
+                                      </p:to>
+                                    </p:set>
+                                    <p:animEffect transition="in" filter="fade">
+                                      <p:cBhvr>
+                                        <p:cTn id="7" dur="2000"/>
+                                        <p:tgtEl>
+                                          <p:spTgt spid="3">
+                                            <p:txEl>
+                                              <p:pRg st="0" end="0"/>
+                                            </p:txEl>
+                                          </p:spTgt>
+                                        </p:tgtEl>
+                                      </p:cBhvr>
+                                    </p:animEffect>
+                                  </p:childTnLst>
+                                </p:cTn>
+                              </p:par>
+                            </p:childTnLst>
+                          </p:cTn>
+                        </p:par>
+                      </p:childTnLst>
+                    </p:cTn>
+                  </p:par>
+                  <p:par>
+                    <p:cTn id="8" fill="hold">
+                      <p:stCondLst>
+                        <p:cond delay="indefinite"/>
+                      </p:stCondLst>
+                      <p:childTnLst>
+                        <p:par>
+                          <p:cTn id="9" fill="hold">
+                            <p:stCondLst>
+                              <p:cond delay="0"/>
+                            </p:stCondLst>
+                            <p:childTnLst>
+                              <p:par>
+                                <p:cTn id="10" presetID="10" presetClass="entr" presetSubtype="0" fill="hold" grpId="0" nodeType="clickEffect">
+                                  <p:stCondLst>
+                                    <p:cond delay="0"/>
+                                  </p:stCondLst>
+                                  <p:childTnLst>
+                                    <p:set>
+                                      <p:cBhvr>
+                                        <p:cTn id="11" dur="1" fill="hold">
+                                          <p:stCondLst>
+                                            <p:cond delay="0"/>
+                                          </p:stCondLst>
+                                        </p:cTn>
+                                        <p:tgtEl>
+                                          <p:spTgt spid="3">
+                                            <p:txEl>
+                                              <p:pRg st="1" end="1"/>
+                                            </p:txEl>
+                                          </p:spTgt>
+                                        </p:tgtEl>
+                                        <p:attrNameLst>
+                                          <p:attrName>style.visibility</p:attrName>
+                                        </p:attrNameLst>
+                                      </p:cBhvr>
+                                      <p:to>
+                                        <p:strVal val="visible"/>
+                                      </p:to>
+                                    </p:set>
+                                    <p:animEffect transition="in" filter="fade">
+                                      <p:cBhvr>
+                                        <p:cTn id="12" dur="2000"/>
+                                        <p:tgtEl>
+                                          <p:spTgt spid="3">
+                                            <p:txEl>
+                                              <p:pRg st="1" end="1"/>
+                                            </p:txEl>
+                                          </p:spTgt>
+                                        </p:tgtEl>
+                                      </p:cBhvr>
+                                    </p:animEffect>
+                                  </p:childTnLst>
+                                </p:cTn>
+                              </p:par>
+                            </p:childTnLst>
+                          </p:cTn>
+                        </p:par>
+                      </p:childTnLst>
+                    </p:cTn>
+                  </p:par>
+                  <p:par>
+                    <p:cTn id="13" fill="hold">
+                      <p:stCondLst>
+                        <p:cond delay="indefinite"/>
+                      </p:stCondLst>
+                      <p:childTnLst>
+                        <p:par>
+                          <p:cTn id="14" fill="hold">
+                            <p:stCondLst>
+                              <p:cond delay="0"/>
+                            </p:stCondLst>
+                            <p:childTnLst>
+                              <p:par>
+                                <p:cTn id="15" presetID="10" presetClass="entr" presetSubtype="0" fill="hold" grpId="0" nodeType="clickEffect">
+                                  <p:stCondLst>
+                                    <p:cond delay="0"/>
+                                  </p:stCondLst>
+                                  <p:childTnLst>
+                                    <p:set>
+                                      <p:cBhvr>
+                                        <p:cTn id="16" dur="1" fill="hold">
+                                          <p:stCondLst>
+                                            <p:cond delay="0"/>
+                                          </p:stCondLst>
+                                        </p:cTn>
+                                        <p:tgtEl>
+                                          <p:spTgt spid="3">
+                                            <p:txEl>
+                                              <p:pRg st="2" end="2"/>
+                                            </p:txEl>
+                                          </p:spTgt>
+                                        </p:tgtEl>
+                                        <p:attrNameLst>
+                                          <p:attrName>style.visibility</p:attrName>
+                                        </p:attrNameLst>
+                                      </p:cBhvr>
+                                      <p:to>
+                                        <p:strVal val="visible"/>
+                                      </p:to>
+                                    </p:set>
+                                    <p:animEffect transition="in" filter="fade">
+                                      <p:cBhvr>
+                                        <p:cTn id="17" dur="2000"/>
+                                        <p:tgtEl>
+                                          <p:spTgt spid="3">
+                                            <p:txEl>
+                                              <p:pRg st="2" end="2"/>
+                                            </p:txEl>
+                                          </p:spTgt>
+                                        </p:tgtEl>
+                                      </p:cBhvr>
+                                    </p:animEffect>
+                                  </p:childTnLst>
+                                </p:cTn>
+                              </p:par>
+                            </p:childTnLst>
+                          </p:cTn>
+                        </p:par>
+                      </p:childTnLst>
+                    </p:cTn>
+                  </p:par>
+                  <p:par>
+                    <p:cTn id="18" fill="hold">
+                      <p:stCondLst>
+                        <p:cond delay="indefinite"/>
+                      </p:stCondLst>
+                      <p:childTnLst>
+                        <p:par>
+                          <p:cTn id="19" fill="hold">
+                            <p:stCondLst>
+                              <p:cond delay="0"/>
+                            </p:stCondLst>
+                            <p:childTnLst>
+                              <p:par>
+                                <p:cTn id="20" presetID="10" presetClass="entr" presetSubtype="0" fill="hold" grpId="0" nodeType="clickEffect">
+                                  <p:stCondLst>
+                                    <p:cond delay="0"/>
+                                  </p:stCondLst>
+                                  <p:childTnLst>
+                                    <p:set>
+                                      <p:cBhvr>
+                                        <p:cTn id="21" dur="1" fill="hold">
+                                          <p:stCondLst>
+                                            <p:cond delay="0"/>
+                                          </p:stCondLst>
+                                        </p:cTn>
+                                        <p:tgtEl>
+                                          <p:spTgt spid="3">
+                                            <p:txEl>
+                                              <p:pRg st="3" end="3"/>
+                                            </p:txEl>
+                                          </p:spTgt>
+                                        </p:tgtEl>
+                                        <p:attrNameLst>
+                                          <p:attrName>style.visibility</p:attrName>
+                                        </p:attrNameLst>
+                                      </p:cBhvr>
+                                      <p:to>
+                                        <p:strVal val="visible"/>
+                                      </p:to>
+                                    </p:set>
+                                    <p:animEffect transition="in" filter="fade">
+                                      <p:cBhvr>
+                                        <p:cTn id="22" dur="2000"/>
+                                        <p:tgtEl>
+                                          <p:spTgt spid="3">
+                                            <p:txEl>
+                                              <p:pRg st="3" end="3"/>
+                                            </p:txEl>
+                                          </p:spTgt>
+                                        </p:tgtEl>
+                                      </p:cBhvr>
+                                    </p:animEffect>
+                                  </p:childTnLst>
+                                </p:cTn>
+                              </p:par>
+                            </p:childTnLst>
+                          </p:cTn>
+                        </p:par>
+                      </p:childTnLst>
+                    </p:cTn>
+                  </p:par>
+                </p:childTnLst>
+              </p:cTn>
+              <p:prevCondLst>
+                <p:cond evt="onPrev" delay="0">
+                  <p:tgtEl>
+                    <p:sldTgt/>
+                  </p:tgtEl>
+                </p:cond>
+              </p:prevCondLst>
+              <p:nextCondLst>
+                <p:cond evt="onNext" delay="0">
+                  <p:tgtEl>
+                    <p:sldTgt/>
+                  </p:tgtEl>
+                </p:cond>
+              </p:nextCondLst>
+            </p:seq>
+          </p:childTnLst>
+        </p:cTn>
+      </p:par>
+    </p:tnLst>
+    <p:bldLst>
+      <p:bldP spid="3" grpId="0" build="p"/>
+    </p:bldLst>
+  </p:timing>
+</p:sld>
+</file>
+
+<file path=ppt/slides/slide20.xml><?xml version="1.0" encoding="utf-8"?>
+<p:sld xmlns:a="http://schemas.openxmlformats.org/drawingml/2006/main" xmlns:r="http://schemas.openxmlformats.org/officeDocument/2006/relationships" xmlns:p="http://schemas.openxmlformats.org/presentationml/2006/main">
+  <p:cSld>
+    <p:spTree>
+      <p:nvGrpSpPr>
+        <p:cNvPr id="1" name=""/>
+        <p:cNvGrpSpPr/>
+        <p:nvPr/>
+      </p:nvGrpSpPr>
+      <p:grpSpPr>
+        <a:xfrm>
+          <a:off x="0" y="0"/>
+          <a:ext cx="0" cy="0"/>
+          <a:chOff x="0" y="0"/>
+          <a:chExt cx="0" cy="0"/>
+        </a:xfrm>
+      </p:grpSpPr>
+      <p:sp>
+        <p:nvSpPr>
+          <p:cNvPr id="2" name="Title 1"/>
+          <p:cNvSpPr>
+            <a:spLocks noGrp="1"/>
+          </p:cNvSpPr>
+          <p:nvPr>
+            <p:ph type="title"/>
+          </p:nvPr>
+        </p:nvSpPr>
+        <p:spPr/>
+        <p:txBody>
+          <a:bodyPr/>
+          <a:lstStyle/>
+          <a:p>
+            <a:r>
+              <a:rPr lang="en-US" dirty="0"/>
+              <a:t>Gantt Chart</a:t>
+            </a:r>
+          </a:p>
+        </p:txBody>
+      </p:sp>
+      <p:sp>
+        <p:nvSpPr>
+          <p:cNvPr id="3" name="Content Placeholder 2"/>
+          <p:cNvSpPr>
+            <a:spLocks noGrp="1"/>
+          </p:cNvSpPr>
+          <p:nvPr>
+            <p:ph idx="1"/>
+          </p:nvPr>
+        </p:nvSpPr>
+        <p:spPr/>
+        <p:txBody>
+          <a:bodyPr/>
+          <a:lstStyle/>
+          <a:p>
+            <a:endParaRPr lang="en-US"/>
+          </a:p>
+        </p:txBody>
+      </p:sp>
+      <p:pic>
+        <p:nvPicPr>
+          <p:cNvPr id="4" name="Picture 3"/>
+          <p:cNvPicPr>
+            <a:picLocks noChangeAspect="1"/>
+          </p:cNvPicPr>
+          <p:nvPr/>
+        </p:nvPicPr>
+        <p:blipFill>
+          <a:blip r:embed="rId2"/>
+          <a:stretch>
+            <a:fillRect/>
+          </a:stretch>
+        </p:blipFill>
         <p:spPr>
           <a:xfrm>
-            <a:off x="457200" y="304800"/>
-            <a:ext cx="8216900" cy="1131888"/>
+            <a:off x="1524000" y="1253050"/>
+            <a:ext cx="7334250" cy="5410200"/>
+          </a:xfrm>
+          <a:prstGeom prst="rect">
+            <a:avLst/>
+          </a:prstGeom>
+        </p:spPr>
+      </p:pic>
+    </p:spTree>
+    <p:extLst>
+      <p:ext uri="{BB962C8B-B14F-4D97-AF65-F5344CB8AC3E}">
+        <p14:creationId xmlns:p14="http://schemas.microsoft.com/office/powerpoint/2010/main" val="3696962784"/>
+      </p:ext>
+    </p:extLst>
+  </p:cSld>
+  <p:clrMapOvr>
+    <a:masterClrMapping/>
+  </p:clrMapOvr>
+  <p:timing>
+    <p:tnLst>
+      <p:par>
+        <p:cTn id="1" dur="indefinite" restart="never" nodeType="tmRoot">
+          <p:childTnLst>
+            <p:seq concurrent="1" nextAc="seek">
+              <p:cTn id="2" dur="indefinite" nodeType="mainSeq">
+                <p:childTnLst>
+                  <p:par>
+                    <p:cTn id="3" fill="hold">
+                      <p:stCondLst>
+                        <p:cond delay="indefinite"/>
+                      </p:stCondLst>
+                      <p:childTnLst>
+                        <p:par>
+                          <p:cTn id="4" fill="hold">
+                            <p:stCondLst>
+                              <p:cond delay="0"/>
+                            </p:stCondLst>
+                            <p:childTnLst>
+                              <p:par>
+                                <p:cTn id="5" presetID="1" presetClass="entr" presetSubtype="0" fill="hold" nodeType="clickEffect">
+                                  <p:stCondLst>
+                                    <p:cond delay="0"/>
+                                  </p:stCondLst>
+                                  <p:childTnLst>
+                                    <p:set>
+                                      <p:cBhvr>
+                                        <p:cTn id="6" dur="1" fill="hold">
+                                          <p:stCondLst>
+                                            <p:cond delay="0"/>
+                                          </p:stCondLst>
+                                        </p:cTn>
+                                        <p:tgtEl>
+                                          <p:spTgt spid="4"/>
+                                        </p:tgtEl>
+                                        <p:attrNameLst>
+                                          <p:attrName>style.visibility</p:attrName>
+                                        </p:attrNameLst>
+                                      </p:cBhvr>
+                                      <p:to>
+                                        <p:strVal val="visible"/>
+                                      </p:to>
+                                    </p:set>
+                                  </p:childTnLst>
+                                </p:cTn>
+                              </p:par>
+                            </p:childTnLst>
+                          </p:cTn>
+                        </p:par>
+                      </p:childTnLst>
+                    </p:cTn>
+                  </p:par>
+                </p:childTnLst>
+              </p:cTn>
+              <p:prevCondLst>
+                <p:cond evt="onPrev" delay="0">
+                  <p:tgtEl>
+                    <p:sldTgt/>
+                  </p:tgtEl>
+                </p:cond>
+              </p:prevCondLst>
+              <p:nextCondLst>
+                <p:cond evt="onNext" delay="0">
+                  <p:tgtEl>
+                    <p:sldTgt/>
+                  </p:tgtEl>
+                </p:cond>
+              </p:nextCondLst>
+            </p:seq>
+          </p:childTnLst>
+        </p:cTn>
+      </p:par>
+    </p:tnLst>
+  </p:timing>
+</p:sld>
+</file>
+
+<file path=ppt/slides/slide21.xml><?xml version="1.0" encoding="utf-8"?>
+<p:sld xmlns:a="http://schemas.openxmlformats.org/drawingml/2006/main" xmlns:r="http://schemas.openxmlformats.org/officeDocument/2006/relationships" xmlns:p="http://schemas.openxmlformats.org/presentationml/2006/main">
+  <p:cSld>
+    <p:spTree>
+      <p:nvGrpSpPr>
+        <p:cNvPr id="1" name=""/>
+        <p:cNvGrpSpPr/>
+        <p:nvPr/>
+      </p:nvGrpSpPr>
+      <p:grpSpPr>
+        <a:xfrm>
+          <a:off x="0" y="0"/>
+          <a:ext cx="0" cy="0"/>
+          <a:chOff x="0" y="0"/>
+          <a:chExt cx="0" cy="0"/>
+        </a:xfrm>
+      </p:grpSpPr>
+      <p:sp>
+        <p:nvSpPr>
+          <p:cNvPr id="2" name="Title 1"/>
+          <p:cNvSpPr>
+            <a:spLocks noGrp="1"/>
+          </p:cNvSpPr>
+          <p:nvPr>
+            <p:ph type="title"/>
+          </p:nvPr>
+        </p:nvSpPr>
+        <p:spPr/>
+        <p:txBody>
+          <a:bodyPr/>
+          <a:lstStyle/>
+          <a:p>
+            <a:r>
+              <a:rPr lang="en-US" dirty="0"/>
+              <a:t>Gantt Chart</a:t>
+            </a:r>
+          </a:p>
+        </p:txBody>
+      </p:sp>
+      <p:sp>
+        <p:nvSpPr>
+          <p:cNvPr id="3" name="Content Placeholder 2"/>
+          <p:cNvSpPr>
+            <a:spLocks noGrp="1"/>
+          </p:cNvSpPr>
+          <p:nvPr>
+            <p:ph idx="1"/>
+          </p:nvPr>
+        </p:nvSpPr>
+        <p:spPr/>
+        <p:txBody>
+          <a:bodyPr/>
+          <a:lstStyle/>
+          <a:p>
+            <a:endParaRPr lang="en-US"/>
+          </a:p>
+        </p:txBody>
+      </p:sp>
+      <p:pic>
+        <p:nvPicPr>
+          <p:cNvPr id="4" name="Picture 3"/>
+          <p:cNvPicPr>
+            <a:picLocks noChangeAspect="1"/>
+          </p:cNvPicPr>
+          <p:nvPr/>
+        </p:nvPicPr>
+        <p:blipFill>
+          <a:blip r:embed="rId2"/>
+          <a:stretch>
+            <a:fillRect/>
+          </a:stretch>
+        </p:blipFill>
+        <p:spPr>
+          <a:xfrm>
+            <a:off x="457200" y="1839127"/>
+            <a:ext cx="8477250" cy="4019550"/>
+          </a:xfrm>
+          <a:prstGeom prst="rect">
+            <a:avLst/>
+          </a:prstGeom>
+        </p:spPr>
+      </p:pic>
+    </p:spTree>
+    <p:extLst>
+      <p:ext uri="{BB962C8B-B14F-4D97-AF65-F5344CB8AC3E}">
+        <p14:creationId xmlns:p14="http://schemas.microsoft.com/office/powerpoint/2010/main" val="2423755900"/>
+      </p:ext>
+    </p:extLst>
+  </p:cSld>
+  <p:clrMapOvr>
+    <a:masterClrMapping/>
+  </p:clrMapOvr>
+</p:sld>
+</file>
+
+<file path=ppt/slides/slide22.xml><?xml version="1.0" encoding="utf-8"?>
+<p:sld xmlns:a="http://schemas.openxmlformats.org/drawingml/2006/main" xmlns:r="http://schemas.openxmlformats.org/officeDocument/2006/relationships" xmlns:p="http://schemas.openxmlformats.org/presentationml/2006/main" showMasterPhAnim="0">
+  <p:cSld>
+    <p:spTree>
+      <p:nvGrpSpPr>
+        <p:cNvPr id="1" name=""/>
+        <p:cNvGrpSpPr/>
+        <p:nvPr/>
+      </p:nvGrpSpPr>
+      <p:grpSpPr>
+        <a:xfrm>
+          <a:off x="0" y="0"/>
+          <a:ext cx="0" cy="0"/>
+          <a:chOff x="0" y="0"/>
+          <a:chExt cx="0" cy="0"/>
+        </a:xfrm>
+      </p:grpSpPr>
+      <p:sp>
+        <p:nvSpPr>
+          <p:cNvPr id="20483" name="Rectangle 2"/>
+          <p:cNvSpPr>
+            <a:spLocks noGrp="1" noChangeArrowheads="1"/>
+          </p:cNvSpPr>
+          <p:nvPr>
+            <p:ph type="title"/>
+          </p:nvPr>
+        </p:nvSpPr>
+        <p:spPr/>
+        <p:txBody>
+          <a:bodyPr/>
+          <a:lstStyle/>
+          <a:p>
+            <a:pPr eaLnBrk="1" hangingPunct="1"/>
+            <a:r>
+              <a:rPr lang="en-US" dirty="0"/>
+              <a:t>References</a:t>
+            </a:r>
+          </a:p>
+        </p:txBody>
+      </p:sp>
+      <p:sp>
+        <p:nvSpPr>
+          <p:cNvPr id="20484" name="Rectangle 3"/>
+          <p:cNvSpPr>
+            <a:spLocks noGrp="1" noChangeArrowheads="1"/>
+          </p:cNvSpPr>
+          <p:nvPr>
+            <p:ph idx="1"/>
+          </p:nvPr>
+        </p:nvSpPr>
+        <p:spPr>
+          <a:xfrm>
+            <a:off x="457200" y="1935480"/>
+            <a:ext cx="8229600" cy="1036320"/>
+          </a:xfrm>
+        </p:spPr>
+        <p:txBody>
+          <a:bodyPr>
+            <a:normAutofit/>
+          </a:bodyPr>
+          <a:lstStyle/>
+          <a:p>
+            <a:pPr eaLnBrk="1" hangingPunct="1"/>
+            <a:r>
+              <a:rPr lang="en-US" dirty="0" err="1"/>
+              <a:t>Pfleeger</a:t>
+            </a:r>
+            <a:r>
+              <a:rPr lang="en-US" dirty="0"/>
+              <a:t> </a:t>
+            </a:r>
+            <a:r>
+              <a:rPr lang="en-US"/>
+              <a:t>SE Book</a:t>
+            </a:r>
+          </a:p>
+          <a:p>
+            <a:pPr eaLnBrk="1" hangingPunct="1"/>
+            <a:r>
+              <a:rPr lang="en-US"/>
+              <a:t>Pressman SE Book</a:t>
+            </a:r>
+            <a:endParaRPr lang="en-US" dirty="0"/>
+          </a:p>
+        </p:txBody>
+      </p:sp>
+      <p:sp>
+        <p:nvSpPr>
+          <p:cNvPr id="4" name="Rectangle 2"/>
+          <p:cNvSpPr txBox="1">
+            <a:spLocks noChangeArrowheads="1"/>
+          </p:cNvSpPr>
+          <p:nvPr/>
+        </p:nvSpPr>
+        <p:spPr>
+          <a:xfrm>
+            <a:off x="457200" y="3066288"/>
+            <a:ext cx="8229600" cy="1143000"/>
+          </a:xfrm>
+          <a:prstGeom prst="rect">
+            <a:avLst/>
+          </a:prstGeom>
+        </p:spPr>
+        <p:txBody>
+          <a:bodyPr vert="horz" lIns="0" rIns="0" bIns="0" anchor="b">
+            <a:normAutofit/>
+          </a:bodyPr>
+          <a:lstStyle/>
+          <a:p>
+            <a:pPr marL="0" marR="0" lvl="0" indent="0" algn="l" defTabSz="914400" rtl="0" eaLnBrk="1" fontAlgn="auto" latinLnBrk="0" hangingPunct="1">
+              <a:lnSpc>
+                <a:spcPct val="100000"/>
+              </a:lnSpc>
+              <a:spcBef>
+                <a:spcPct val="0"/>
+              </a:spcBef>
+              <a:spcAft>
+                <a:spcPts val="0"/>
+              </a:spcAft>
+              <a:buClrTx/>
+              <a:buSzTx/>
+              <a:buFontTx/>
+              <a:buNone/>
+              <a:tabLst/>
+              <a:defRPr/>
+            </a:pPr>
+            <a:r>
+              <a:rPr kumimoji="0" lang="en-US" sz="5000" b="0" i="0" u="none" strike="noStrike" kern="1200" cap="none" spc="0" normalizeH="0" baseline="0" noProof="0" dirty="0">
+                <a:ln>
+                  <a:noFill/>
+                </a:ln>
+                <a:solidFill>
+                  <a:schemeClr val="tx2"/>
+                </a:solidFill>
+                <a:effectLst/>
+                <a:uLnTx/>
+                <a:uFillTx/>
+                <a:latin typeface="+mj-lt"/>
+                <a:ea typeface="+mj-ea"/>
+                <a:cs typeface="+mj-cs"/>
+              </a:rPr>
+              <a:t>Acknowledgement</a:t>
+            </a:r>
+          </a:p>
+        </p:txBody>
+      </p:sp>
+      <p:sp>
+        <p:nvSpPr>
+          <p:cNvPr id="5" name="Rectangle 3"/>
+          <p:cNvSpPr txBox="1">
+            <a:spLocks noChangeArrowheads="1"/>
+          </p:cNvSpPr>
+          <p:nvPr/>
+        </p:nvSpPr>
+        <p:spPr>
+          <a:xfrm>
+            <a:off x="457200" y="4297680"/>
+            <a:ext cx="8229600" cy="1036320"/>
+          </a:xfrm>
+          <a:prstGeom prst="rect">
+            <a:avLst/>
+          </a:prstGeom>
+        </p:spPr>
+        <p:txBody>
+          <a:bodyPr vert="horz">
+            <a:normAutofit/>
+          </a:bodyPr>
+          <a:lstStyle/>
+          <a:p>
+            <a:pPr marL="274320" marR="0" lvl="0" indent="-274320" algn="l" defTabSz="914400" rtl="0" eaLnBrk="1" fontAlgn="auto" latinLnBrk="0" hangingPunct="1">
+              <a:lnSpc>
+                <a:spcPct val="100000"/>
+              </a:lnSpc>
+              <a:spcBef>
+                <a:spcPct val="20000"/>
+              </a:spcBef>
+              <a:spcAft>
+                <a:spcPts val="0"/>
+              </a:spcAft>
+              <a:buClr>
+                <a:schemeClr val="accent3"/>
+              </a:buClr>
+              <a:buSzPct val="95000"/>
+              <a:buFont typeface="Wingdings 2"/>
+              <a:buChar char=""/>
+              <a:tabLst/>
+              <a:defRPr/>
+            </a:pPr>
+            <a:r>
+              <a:rPr kumimoji="0" lang="en-US" sz="2600" b="0" i="0" u="none" strike="noStrike" kern="1200" cap="none" spc="0" normalizeH="0" baseline="0" noProof="0" dirty="0">
+                <a:ln>
+                  <a:noFill/>
+                </a:ln>
+                <a:solidFill>
+                  <a:schemeClr val="tx1"/>
+                </a:solidFill>
+                <a:effectLst/>
+                <a:uLnTx/>
+                <a:uFillTx/>
+                <a:latin typeface="+mn-lt"/>
+                <a:ea typeface="+mn-ea"/>
+                <a:cs typeface="+mn-cs"/>
+              </a:rPr>
+              <a:t>A few </a:t>
+            </a:r>
+            <a:r>
+              <a:rPr lang="en-US" sz="2600" dirty="0"/>
+              <a:t>slides have been reused from UCF </a:t>
+            </a:r>
+            <a:r>
+              <a:rPr kumimoji="0" lang="en-US" sz="2600" b="0" i="0" u="none" strike="noStrike" kern="1200" cap="none" spc="0" normalizeH="0" baseline="0" noProof="0" dirty="0">
+                <a:ln>
+                  <a:noFill/>
+                </a:ln>
+                <a:solidFill>
+                  <a:schemeClr val="tx1"/>
+                </a:solidFill>
+                <a:effectLst/>
+                <a:uLnTx/>
+                <a:uFillTx/>
+                <a:latin typeface="+mn-lt"/>
+                <a:ea typeface="+mn-ea"/>
+                <a:cs typeface="+mn-cs"/>
+              </a:rPr>
+              <a:t>slides for the SE course</a:t>
+            </a:r>
+          </a:p>
+        </p:txBody>
+      </p:sp>
+    </p:spTree>
+  </p:cSld>
+  <p:clrMapOvr>
+    <a:masterClrMapping/>
+  </p:clrMapOvr>
+</p:sld>
+</file>
+
+<file path=ppt/slides/slide3.xml><?xml version="1.0" encoding="utf-8"?>
+<p:sld xmlns:a="http://schemas.openxmlformats.org/drawingml/2006/main" xmlns:r="http://schemas.openxmlformats.org/officeDocument/2006/relationships" xmlns:p="http://schemas.openxmlformats.org/presentationml/2006/main">
+  <p:cSld>
+    <p:spTree>
+      <p:nvGrpSpPr>
+        <p:cNvPr id="1" name=""/>
+        <p:cNvGrpSpPr/>
+        <p:nvPr/>
+      </p:nvGrpSpPr>
+      <p:grpSpPr>
+        <a:xfrm>
+          <a:off x="0" y="0"/>
+          <a:ext cx="0" cy="0"/>
+          <a:chOff x="0" y="0"/>
+          <a:chExt cx="0" cy="0"/>
+        </a:xfrm>
+      </p:grpSpPr>
+      <p:sp>
+        <p:nvSpPr>
+          <p:cNvPr id="2" name="Title 1"/>
+          <p:cNvSpPr>
+            <a:spLocks noGrp="1"/>
+          </p:cNvSpPr>
+          <p:nvPr>
+            <p:ph type="title"/>
+          </p:nvPr>
+        </p:nvSpPr>
+        <p:spPr/>
+        <p:txBody>
+          <a:bodyPr/>
+          <a:lstStyle/>
+          <a:p>
+            <a:r>
+              <a:rPr lang="en-US" dirty="0"/>
+              <a:t>Project Planning</a:t>
+            </a:r>
+          </a:p>
+        </p:txBody>
+      </p:sp>
+      <p:sp>
+        <p:nvSpPr>
+          <p:cNvPr id="3" name="Content Placeholder 2"/>
+          <p:cNvSpPr>
+            <a:spLocks noGrp="1"/>
+          </p:cNvSpPr>
+          <p:nvPr>
+            <p:ph idx="1"/>
+          </p:nvPr>
+        </p:nvSpPr>
+        <p:spPr/>
+        <p:txBody>
+          <a:bodyPr>
+            <a:normAutofit fontScale="92500" lnSpcReduction="20000"/>
+          </a:bodyPr>
+          <a:lstStyle/>
+          <a:p>
+            <a:r>
+              <a:rPr lang="en-US" dirty="0"/>
+              <a:t>Before starting</a:t>
+            </a:r>
+          </a:p>
+          <a:p>
+            <a:pPr lvl="1"/>
+            <a:r>
+              <a:rPr lang="en-US" dirty="0"/>
+              <a:t>Establish system’s scope and objectives</a:t>
+            </a:r>
+          </a:p>
+          <a:p>
+            <a:pPr lvl="1"/>
+            <a:r>
+              <a:rPr lang="en-US" dirty="0"/>
+              <a:t>Consider alternative solutions</a:t>
+            </a:r>
+          </a:p>
+          <a:p>
+            <a:pPr lvl="1"/>
+            <a:r>
+              <a:rPr lang="en-US" dirty="0"/>
+              <a:t>Identify technical and management constraints</a:t>
+            </a:r>
+          </a:p>
+          <a:p>
+            <a:r>
+              <a:rPr lang="en-US" dirty="0"/>
+              <a:t>As a Project Manager</a:t>
+            </a:r>
+          </a:p>
+          <a:p>
+            <a:pPr lvl="1"/>
+            <a:r>
+              <a:rPr lang="en-US" dirty="0"/>
+              <a:t>Decompose the product function (FD)</a:t>
+            </a:r>
+          </a:p>
+          <a:p>
+            <a:pPr lvl="1"/>
+            <a:r>
+              <a:rPr lang="en-US" dirty="0"/>
+              <a:t>Select an appropriate process model</a:t>
+            </a:r>
+          </a:p>
+          <a:p>
+            <a:pPr lvl="1"/>
+            <a:r>
+              <a:rPr lang="en-US" dirty="0"/>
+              <a:t>Select the task set for the project</a:t>
+            </a:r>
+          </a:p>
+          <a:p>
+            <a:pPr lvl="1"/>
+            <a:r>
+              <a:rPr lang="en-US" dirty="0"/>
+              <a:t>Decompose the tasks into smaller work items (WBS)</a:t>
+            </a:r>
+          </a:p>
+          <a:p>
+            <a:pPr lvl="1"/>
+            <a:r>
+              <a:rPr lang="en-US" dirty="0"/>
+              <a:t>Estimate effort for each task/work item</a:t>
+            </a:r>
+          </a:p>
+          <a:p>
+            <a:pPr lvl="1"/>
+            <a:r>
+              <a:rPr lang="en-US" dirty="0"/>
+              <a:t>Estimate completion time of the project (Task/Activity Network)</a:t>
+            </a:r>
+          </a:p>
+        </p:txBody>
+      </p:sp>
+    </p:spTree>
+    <p:extLst>
+      <p:ext uri="{BB962C8B-B14F-4D97-AF65-F5344CB8AC3E}">
+        <p14:creationId xmlns:p14="http://schemas.microsoft.com/office/powerpoint/2010/main" val="1107709251"/>
+      </p:ext>
+    </p:extLst>
+  </p:cSld>
+  <p:clrMapOvr>
+    <a:masterClrMapping/>
+  </p:clrMapOvr>
+</p:sld>
+</file>
+
+<file path=ppt/slides/slide4.xml><?xml version="1.0" encoding="utf-8"?>
+<p:sld xmlns:a="http://schemas.openxmlformats.org/drawingml/2006/main" xmlns:r="http://schemas.openxmlformats.org/officeDocument/2006/relationships" xmlns:p="http://schemas.openxmlformats.org/presentationml/2006/main">
+  <p:cSld>
+    <p:spTree>
+      <p:nvGrpSpPr>
+        <p:cNvPr id="1" name=""/>
+        <p:cNvGrpSpPr/>
+        <p:nvPr/>
+      </p:nvGrpSpPr>
+      <p:grpSpPr>
+        <a:xfrm>
+          <a:off x="0" y="0"/>
+          <a:ext cx="0" cy="0"/>
+          <a:chOff x="0" y="0"/>
+          <a:chExt cx="0" cy="0"/>
+        </a:xfrm>
+      </p:grpSpPr>
+      <p:sp>
+        <p:nvSpPr>
+          <p:cNvPr id="13314" name="Rectangle 1"/>
+          <p:cNvSpPr>
+            <a:spLocks noGrp="1" noChangeArrowheads="1"/>
+          </p:cNvSpPr>
+          <p:nvPr>
+            <p:ph type="title" idx="4294967295"/>
+          </p:nvPr>
+        </p:nvSpPr>
+        <p:spPr>
+          <a:xfrm>
+            <a:off x="457200" y="661987"/>
+            <a:ext cx="8223250" cy="1139825"/>
           </a:xfrm>
         </p:spPr>
         <p:txBody>
@@ -7679,215 +7209,244 @@
             </a:pPr>
             <a:r>
               <a:rPr lang="en-GB" dirty="0"/>
-              <a:t>Entity-Relationship Diagrams</a:t>
-            </a:r>
-          </a:p>
-        </p:txBody>
-      </p:sp>
-      <p:sp>
-        <p:nvSpPr>
-          <p:cNvPr id="7" name="TextBox 6">
-            <a:extLst>
-              <a:ext uri="{FF2B5EF4-FFF2-40B4-BE49-F238E27FC236}">
-                <a16:creationId xmlns:a16="http://schemas.microsoft.com/office/drawing/2014/main" id="{34E46E13-28BB-4E8C-A23B-B1164CE2642B}"/>
-              </a:ext>
-            </a:extLst>
-          </p:cNvPr>
-          <p:cNvSpPr txBox="1"/>
-          <p:nvPr/>
+              <a:t>Project Schedule (Contd.)</a:t>
+            </a:r>
+            <a:endParaRPr lang="en-GB" sz="2800" dirty="0"/>
+          </a:p>
+        </p:txBody>
+      </p:sp>
+      <p:sp>
+        <p:nvSpPr>
+          <p:cNvPr id="13315" name="Rectangle 2"/>
+          <p:cNvSpPr>
+            <a:spLocks noGrp="1" noChangeArrowheads="1"/>
+          </p:cNvSpPr>
+          <p:nvPr>
+            <p:ph type="body" idx="4294967295"/>
+          </p:nvPr>
         </p:nvSpPr>
         <p:spPr>
           <a:xfrm>
-            <a:off x="228600" y="1419755"/>
-            <a:ext cx="8458200" cy="5543056"/>
+            <a:off x="457200" y="2109787"/>
+            <a:ext cx="8223250" cy="4672013"/>
           </a:xfrm>
-          <a:prstGeom prst="rect">
-            <a:avLst/>
-          </a:prstGeom>
-          <a:noFill/>
         </p:spPr>
         <p:txBody>
-          <a:bodyPr wrap="square">
-            <a:spAutoFit/>
-          </a:bodyPr>
-          <a:lstStyle/>
-          <a:p>
-            <a:r>
-              <a:rPr lang="en-US" altLang="en-US" sz="2800" dirty="0"/>
-              <a:t>ERD is a data modeling technique used in software engineering to produce a conceptual data model of an information system. </a:t>
-            </a:r>
-          </a:p>
-          <a:p>
-            <a:r>
-              <a:rPr lang="en-US" altLang="en-US" sz="2800" dirty="0"/>
-              <a:t>So, ERDs illustrate the logical structure of databases.</a:t>
-            </a:r>
-          </a:p>
+          <a:bodyPr/>
+          <a:lstStyle/>
           <a:p>
             <a:pPr eaLnBrk="1" hangingPunct="1">
-              <a:lnSpc>
-                <a:spcPct val="90000"/>
-              </a:lnSpc>
-              <a:spcBef>
-                <a:spcPts val="600"/>
-              </a:spcBef>
-              <a:spcAft>
-                <a:spcPts val="600"/>
-              </a:spcAft>
+              <a:tabLst>
+                <a:tab pos="454025" algn="l"/>
+                <a:tab pos="911225" algn="l"/>
+                <a:tab pos="1368425" algn="l"/>
+                <a:tab pos="1825625" algn="l"/>
+                <a:tab pos="2282825" algn="l"/>
+                <a:tab pos="2740025" algn="l"/>
+                <a:tab pos="3197225" algn="l"/>
+                <a:tab pos="3654425" algn="l"/>
+                <a:tab pos="4111625" algn="l"/>
+                <a:tab pos="4568825" algn="l"/>
+                <a:tab pos="5026025" algn="l"/>
+                <a:tab pos="5483225" algn="l"/>
+                <a:tab pos="5940425" algn="l"/>
+                <a:tab pos="6397625" algn="l"/>
+                <a:tab pos="6854825" algn="l"/>
+                <a:tab pos="7312025" algn="l"/>
+                <a:tab pos="7769225" algn="l"/>
+                <a:tab pos="8226425" algn="l"/>
+                <a:tab pos="8683625" algn="l"/>
+                <a:tab pos="9140825" algn="l"/>
+              </a:tabLst>
             </a:pPr>
-            <a:endParaRPr lang="en-US" altLang="en-US" sz="2800" dirty="0"/>
+            <a:r>
+              <a:rPr lang="en-GB" dirty="0"/>
+              <a:t>Understanding customer’s needs by listing all project deliverables</a:t>
+            </a:r>
+          </a:p>
+          <a:p>
+            <a:pPr lvl="1" eaLnBrk="1" hangingPunct="1">
+              <a:tabLst>
+                <a:tab pos="454025" algn="l"/>
+                <a:tab pos="911225" algn="l"/>
+                <a:tab pos="1368425" algn="l"/>
+                <a:tab pos="1825625" algn="l"/>
+                <a:tab pos="2282825" algn="l"/>
+                <a:tab pos="2740025" algn="l"/>
+                <a:tab pos="3197225" algn="l"/>
+                <a:tab pos="3654425" algn="l"/>
+                <a:tab pos="4111625" algn="l"/>
+                <a:tab pos="4568825" algn="l"/>
+                <a:tab pos="5026025" algn="l"/>
+                <a:tab pos="5483225" algn="l"/>
+                <a:tab pos="5940425" algn="l"/>
+                <a:tab pos="6397625" algn="l"/>
+                <a:tab pos="6854825" algn="l"/>
+                <a:tab pos="7312025" algn="l"/>
+                <a:tab pos="7769225" algn="l"/>
+                <a:tab pos="8226425" algn="l"/>
+                <a:tab pos="8683625" algn="l"/>
+                <a:tab pos="9140825" algn="l"/>
+              </a:tabLst>
+            </a:pPr>
+            <a:r>
+              <a:rPr lang="en-GB" dirty="0"/>
+              <a:t>Documents</a:t>
+            </a:r>
+          </a:p>
+          <a:p>
+            <a:pPr lvl="1" eaLnBrk="1" hangingPunct="1">
+              <a:tabLst>
+                <a:tab pos="454025" algn="l"/>
+                <a:tab pos="911225" algn="l"/>
+                <a:tab pos="1368425" algn="l"/>
+                <a:tab pos="1825625" algn="l"/>
+                <a:tab pos="2282825" algn="l"/>
+                <a:tab pos="2740025" algn="l"/>
+                <a:tab pos="3197225" algn="l"/>
+                <a:tab pos="3654425" algn="l"/>
+                <a:tab pos="4111625" algn="l"/>
+                <a:tab pos="4568825" algn="l"/>
+                <a:tab pos="5026025" algn="l"/>
+                <a:tab pos="5483225" algn="l"/>
+                <a:tab pos="5940425" algn="l"/>
+                <a:tab pos="6397625" algn="l"/>
+                <a:tab pos="6854825" algn="l"/>
+                <a:tab pos="7312025" algn="l"/>
+                <a:tab pos="7769225" algn="l"/>
+                <a:tab pos="8226425" algn="l"/>
+                <a:tab pos="8683625" algn="l"/>
+                <a:tab pos="9140825" algn="l"/>
+              </a:tabLst>
+            </a:pPr>
+            <a:r>
+              <a:rPr lang="en-GB" dirty="0"/>
+              <a:t>Demonstrations of function</a:t>
+            </a:r>
+          </a:p>
+          <a:p>
+            <a:pPr lvl="1" eaLnBrk="1" hangingPunct="1">
+              <a:tabLst>
+                <a:tab pos="454025" algn="l"/>
+                <a:tab pos="911225" algn="l"/>
+                <a:tab pos="1368425" algn="l"/>
+                <a:tab pos="1825625" algn="l"/>
+                <a:tab pos="2282825" algn="l"/>
+                <a:tab pos="2740025" algn="l"/>
+                <a:tab pos="3197225" algn="l"/>
+                <a:tab pos="3654425" algn="l"/>
+                <a:tab pos="4111625" algn="l"/>
+                <a:tab pos="4568825" algn="l"/>
+                <a:tab pos="5026025" algn="l"/>
+                <a:tab pos="5483225" algn="l"/>
+                <a:tab pos="5940425" algn="l"/>
+                <a:tab pos="6397625" algn="l"/>
+                <a:tab pos="6854825" algn="l"/>
+                <a:tab pos="7312025" algn="l"/>
+                <a:tab pos="7769225" algn="l"/>
+                <a:tab pos="8226425" algn="l"/>
+                <a:tab pos="8683625" algn="l"/>
+                <a:tab pos="9140825" algn="l"/>
+              </a:tabLst>
+            </a:pPr>
+            <a:r>
+              <a:rPr lang="en-GB" dirty="0"/>
+              <a:t>Demonstrations of subsystems</a:t>
+            </a:r>
+          </a:p>
+          <a:p>
+            <a:pPr lvl="1" eaLnBrk="1" hangingPunct="1">
+              <a:tabLst>
+                <a:tab pos="454025" algn="l"/>
+                <a:tab pos="911225" algn="l"/>
+                <a:tab pos="1368425" algn="l"/>
+                <a:tab pos="1825625" algn="l"/>
+                <a:tab pos="2282825" algn="l"/>
+                <a:tab pos="2740025" algn="l"/>
+                <a:tab pos="3197225" algn="l"/>
+                <a:tab pos="3654425" algn="l"/>
+                <a:tab pos="4111625" algn="l"/>
+                <a:tab pos="4568825" algn="l"/>
+                <a:tab pos="5026025" algn="l"/>
+                <a:tab pos="5483225" algn="l"/>
+                <a:tab pos="5940425" algn="l"/>
+                <a:tab pos="6397625" algn="l"/>
+                <a:tab pos="6854825" algn="l"/>
+                <a:tab pos="7312025" algn="l"/>
+                <a:tab pos="7769225" algn="l"/>
+                <a:tab pos="8226425" algn="l"/>
+                <a:tab pos="8683625" algn="l"/>
+                <a:tab pos="9140825" algn="l"/>
+              </a:tabLst>
+            </a:pPr>
+            <a:r>
+              <a:rPr lang="en-GB" dirty="0"/>
+              <a:t>Demonstrations of accuracy</a:t>
+            </a:r>
+          </a:p>
+          <a:p>
+            <a:pPr lvl="1" eaLnBrk="1" hangingPunct="1">
+              <a:tabLst>
+                <a:tab pos="454025" algn="l"/>
+                <a:tab pos="911225" algn="l"/>
+                <a:tab pos="1368425" algn="l"/>
+                <a:tab pos="1825625" algn="l"/>
+                <a:tab pos="2282825" algn="l"/>
+                <a:tab pos="2740025" algn="l"/>
+                <a:tab pos="3197225" algn="l"/>
+                <a:tab pos="3654425" algn="l"/>
+                <a:tab pos="4111625" algn="l"/>
+                <a:tab pos="4568825" algn="l"/>
+                <a:tab pos="5026025" algn="l"/>
+                <a:tab pos="5483225" algn="l"/>
+                <a:tab pos="5940425" algn="l"/>
+                <a:tab pos="6397625" algn="l"/>
+                <a:tab pos="6854825" algn="l"/>
+                <a:tab pos="7312025" algn="l"/>
+                <a:tab pos="7769225" algn="l"/>
+                <a:tab pos="8226425" algn="l"/>
+                <a:tab pos="8683625" algn="l"/>
+                <a:tab pos="9140825" algn="l"/>
+              </a:tabLst>
+            </a:pPr>
+            <a:r>
+              <a:rPr lang="en-GB" dirty="0"/>
+              <a:t>Demonstrations of reliability, performance or security</a:t>
+            </a:r>
           </a:p>
           <a:p>
             <a:pPr eaLnBrk="1" hangingPunct="1">
-              <a:lnSpc>
-                <a:spcPct val="90000"/>
-              </a:lnSpc>
-              <a:spcBef>
-                <a:spcPts val="600"/>
-              </a:spcBef>
-              <a:spcAft>
-                <a:spcPts val="600"/>
-              </a:spcAft>
+              <a:tabLst>
+                <a:tab pos="454025" algn="l"/>
+                <a:tab pos="911225" algn="l"/>
+                <a:tab pos="1368425" algn="l"/>
+                <a:tab pos="1825625" algn="l"/>
+                <a:tab pos="2282825" algn="l"/>
+                <a:tab pos="2740025" algn="l"/>
+                <a:tab pos="3197225" algn="l"/>
+                <a:tab pos="3654425" algn="l"/>
+                <a:tab pos="4111625" algn="l"/>
+                <a:tab pos="4568825" algn="l"/>
+                <a:tab pos="5026025" algn="l"/>
+                <a:tab pos="5483225" algn="l"/>
+                <a:tab pos="5940425" algn="l"/>
+                <a:tab pos="6397625" algn="l"/>
+                <a:tab pos="6854825" algn="l"/>
+                <a:tab pos="7312025" algn="l"/>
+                <a:tab pos="7769225" algn="l"/>
+                <a:tab pos="8226425" algn="l"/>
+                <a:tab pos="8683625" algn="l"/>
+                <a:tab pos="9140825" algn="l"/>
+              </a:tabLst>
             </a:pPr>
             <a:r>
-              <a:rPr lang="en-US" altLang="en-US" sz="2800" dirty="0"/>
-              <a:t> major activity of this phase is identifying </a:t>
-            </a:r>
-            <a:r>
-              <a:rPr lang="en-US" altLang="en-US" sz="2800" dirty="0">
-                <a:solidFill>
-                  <a:srgbClr val="CC0000"/>
-                </a:solidFill>
-              </a:rPr>
-              <a:t>entities</a:t>
-            </a:r>
-            <a:r>
-              <a:rPr lang="en-US" altLang="en-US" sz="2800" dirty="0"/>
-              <a:t>, </a:t>
-            </a:r>
-            <a:r>
-              <a:rPr lang="en-US" altLang="en-US" sz="2800" dirty="0">
-                <a:solidFill>
-                  <a:srgbClr val="CC0000"/>
-                </a:solidFill>
-              </a:rPr>
-              <a:t>attributes</a:t>
-            </a:r>
-            <a:r>
-              <a:rPr lang="en-US" altLang="en-US" sz="2800" dirty="0"/>
-              <a:t>, and </a:t>
-            </a:r>
-            <a:r>
-              <a:rPr lang="en-US" altLang="en-US" sz="2800" dirty="0">
-                <a:solidFill>
-                  <a:srgbClr val="CC0000"/>
-                </a:solidFill>
-              </a:rPr>
-              <a:t>their relationships</a:t>
-            </a:r>
-            <a:r>
-              <a:rPr lang="en-US" altLang="en-US" sz="2800" dirty="0"/>
-              <a:t> to construct model using the </a:t>
-            </a:r>
-            <a:r>
-              <a:rPr lang="en-US" altLang="ko-KR" sz="2800" dirty="0">
-                <a:solidFill>
-                  <a:srgbClr val="FF0000"/>
-                </a:solidFill>
-                <a:ea typeface="Gulim" panose="020B0600000101010101" pitchFamily="34" charset="-127"/>
-              </a:rPr>
-              <a:t>Entity Relationship Diagram</a:t>
-            </a:r>
-            <a:r>
-              <a:rPr lang="en-US" altLang="en-US" sz="2800" dirty="0"/>
-              <a:t>. </a:t>
-            </a:r>
-          </a:p>
-          <a:p>
-            <a:pPr lvl="1" eaLnBrk="1" hangingPunct="1">
-              <a:lnSpc>
-                <a:spcPct val="90000"/>
-              </a:lnSpc>
-              <a:spcBef>
-                <a:spcPts val="600"/>
-              </a:spcBef>
-              <a:spcAft>
-                <a:spcPts val="600"/>
-              </a:spcAft>
-            </a:pPr>
-            <a:r>
-              <a:rPr lang="en-US" altLang="en-US" sz="2400" dirty="0"/>
-              <a:t>Entity </a:t>
-            </a:r>
-            <a:r>
-              <a:rPr lang="en-US" altLang="en-US" sz="2400" dirty="0">
-                <a:sym typeface="Wingdings" panose="05000000000000000000" pitchFamily="2" charset="2"/>
-              </a:rPr>
-              <a:t> table</a:t>
-            </a:r>
-          </a:p>
-          <a:p>
-            <a:pPr lvl="1" eaLnBrk="1" hangingPunct="1">
-              <a:lnSpc>
-                <a:spcPct val="90000"/>
-              </a:lnSpc>
-              <a:spcBef>
-                <a:spcPts val="600"/>
-              </a:spcBef>
-              <a:spcAft>
-                <a:spcPts val="600"/>
-              </a:spcAft>
-            </a:pPr>
-            <a:r>
-              <a:rPr lang="en-US" altLang="en-US" sz="2400" dirty="0">
-                <a:sym typeface="Wingdings" panose="05000000000000000000" pitchFamily="2" charset="2"/>
-              </a:rPr>
-              <a:t>Attribute  column</a:t>
-            </a:r>
-          </a:p>
-          <a:p>
-            <a:pPr lvl="1" eaLnBrk="1" hangingPunct="1">
-              <a:lnSpc>
-                <a:spcPct val="90000"/>
-              </a:lnSpc>
-              <a:spcBef>
-                <a:spcPts val="600"/>
-              </a:spcBef>
-              <a:spcAft>
-                <a:spcPts val="600"/>
-              </a:spcAft>
-            </a:pPr>
-            <a:r>
-              <a:rPr lang="en-US" altLang="en-US" sz="2400" dirty="0">
-                <a:sym typeface="Wingdings" panose="05000000000000000000" pitchFamily="2" charset="2"/>
-              </a:rPr>
-              <a:t>Relationship  line</a:t>
-            </a:r>
-          </a:p>
-          <a:p>
-            <a:pPr lvl="1" eaLnBrk="1" hangingPunct="1">
-              <a:lnSpc>
-                <a:spcPct val="90000"/>
-              </a:lnSpc>
-              <a:spcBef>
-                <a:spcPts val="600"/>
-              </a:spcBef>
-              <a:spcAft>
-                <a:spcPts val="600"/>
-              </a:spcAft>
-            </a:pPr>
-            <a:endParaRPr lang="en-US" altLang="en-US" sz="2400" dirty="0">
-              <a:sym typeface="Wingdings" panose="05000000000000000000" pitchFamily="2" charset="2"/>
-            </a:endParaRPr>
+              <a:rPr lang="en-GB" dirty="0"/>
+              <a:t>Determining milestones and activities to produce the deliverables </a:t>
+            </a:r>
           </a:p>
         </p:txBody>
       </p:sp>
     </p:spTree>
-    <p:extLst>
-      <p:ext uri="{BB962C8B-B14F-4D97-AF65-F5344CB8AC3E}">
-        <p14:creationId xmlns:p14="http://schemas.microsoft.com/office/powerpoint/2010/main" val="846469092"/>
-      </p:ext>
-    </p:extLst>
   </p:cSld>
   <p:clrMapOvr>
     <a:masterClrMapping/>
@@ -7896,7 +7455,7 @@
 </p:sld>
 </file>
 
-<file path=ppt/slides/slide3.xml><?xml version="1.0" encoding="utf-8"?>
+<file path=ppt/slides/slide5.xml><?xml version="1.0" encoding="utf-8"?>
 <p:sld xmlns:a="http://schemas.openxmlformats.org/drawingml/2006/main" xmlns:r="http://schemas.openxmlformats.org/officeDocument/2006/relationships" xmlns:p="http://schemas.openxmlformats.org/presentationml/2006/main">
   <p:cSld>
     <p:spTree>
@@ -7915,18 +7474,209 @@
       </p:grpSpPr>
       <p:sp>
         <p:nvSpPr>
-          <p:cNvPr id="6" name="Rectangle 1"/>
+          <p:cNvPr id="14339" name="Rectangle 2"/>
           <p:cNvSpPr>
             <a:spLocks noGrp="1" noChangeArrowheads="1"/>
           </p:cNvSpPr>
           <p:nvPr>
-            <p:ph type="title" idx="4294967295"/>
+            <p:ph type="body" idx="4294967295"/>
           </p:nvPr>
         </p:nvSpPr>
         <p:spPr>
           <a:xfrm>
-            <a:off x="457200" y="304800"/>
-            <a:ext cx="8216900" cy="1131888"/>
+            <a:off x="457200" y="1881187"/>
+            <a:ext cx="8223250" cy="4672013"/>
+          </a:xfrm>
+        </p:spPr>
+        <p:txBody>
+          <a:bodyPr/>
+          <a:lstStyle/>
+          <a:p>
+            <a:pPr eaLnBrk="1" hangingPunct="1">
+              <a:tabLst>
+                <a:tab pos="454025" algn="l"/>
+                <a:tab pos="911225" algn="l"/>
+                <a:tab pos="1368425" algn="l"/>
+                <a:tab pos="1825625" algn="l"/>
+                <a:tab pos="2282825" algn="l"/>
+                <a:tab pos="2740025" algn="l"/>
+                <a:tab pos="3197225" algn="l"/>
+                <a:tab pos="3654425" algn="l"/>
+                <a:tab pos="4111625" algn="l"/>
+                <a:tab pos="4568825" algn="l"/>
+                <a:tab pos="5026025" algn="l"/>
+                <a:tab pos="5483225" algn="l"/>
+                <a:tab pos="5940425" algn="l"/>
+                <a:tab pos="6397625" algn="l"/>
+                <a:tab pos="6854825" algn="l"/>
+                <a:tab pos="7312025" algn="l"/>
+                <a:tab pos="7769225" algn="l"/>
+                <a:tab pos="8226425" algn="l"/>
+                <a:tab pos="8683625" algn="l"/>
+                <a:tab pos="9140825" algn="l"/>
+              </a:tabLst>
+            </a:pPr>
+            <a:r>
+              <a:rPr lang="en-GB" b="1" dirty="0"/>
+              <a:t>Activity</a:t>
+            </a:r>
+            <a:r>
+              <a:rPr lang="en-GB" dirty="0"/>
+              <a:t>:  takes place over a period of time</a:t>
+            </a:r>
+          </a:p>
+          <a:p>
+            <a:pPr eaLnBrk="1" hangingPunct="1">
+              <a:tabLst>
+                <a:tab pos="454025" algn="l"/>
+                <a:tab pos="911225" algn="l"/>
+                <a:tab pos="1368425" algn="l"/>
+                <a:tab pos="1825625" algn="l"/>
+                <a:tab pos="2282825" algn="l"/>
+                <a:tab pos="2740025" algn="l"/>
+                <a:tab pos="3197225" algn="l"/>
+                <a:tab pos="3654425" algn="l"/>
+                <a:tab pos="4111625" algn="l"/>
+                <a:tab pos="4568825" algn="l"/>
+                <a:tab pos="5026025" algn="l"/>
+                <a:tab pos="5483225" algn="l"/>
+                <a:tab pos="5940425" algn="l"/>
+                <a:tab pos="6397625" algn="l"/>
+                <a:tab pos="6854825" algn="l"/>
+                <a:tab pos="7312025" algn="l"/>
+                <a:tab pos="7769225" algn="l"/>
+                <a:tab pos="8226425" algn="l"/>
+                <a:tab pos="8683625" algn="l"/>
+                <a:tab pos="9140825" algn="l"/>
+              </a:tabLst>
+            </a:pPr>
+            <a:r>
+              <a:rPr lang="en-GB" b="1" dirty="0"/>
+              <a:t>Milestone</a:t>
+            </a:r>
+            <a:r>
+              <a:rPr lang="en-GB" dirty="0"/>
+              <a:t>:  completion of an activity -- a particular point in time</a:t>
+            </a:r>
+          </a:p>
+          <a:p>
+            <a:pPr eaLnBrk="1" hangingPunct="1">
+              <a:tabLst>
+                <a:tab pos="454025" algn="l"/>
+                <a:tab pos="911225" algn="l"/>
+                <a:tab pos="1368425" algn="l"/>
+                <a:tab pos="1825625" algn="l"/>
+                <a:tab pos="2282825" algn="l"/>
+                <a:tab pos="2740025" algn="l"/>
+                <a:tab pos="3197225" algn="l"/>
+                <a:tab pos="3654425" algn="l"/>
+                <a:tab pos="4111625" algn="l"/>
+                <a:tab pos="4568825" algn="l"/>
+                <a:tab pos="5026025" algn="l"/>
+                <a:tab pos="5483225" algn="l"/>
+                <a:tab pos="5940425" algn="l"/>
+                <a:tab pos="6397625" algn="l"/>
+                <a:tab pos="6854825" algn="l"/>
+                <a:tab pos="7312025" algn="l"/>
+                <a:tab pos="7769225" algn="l"/>
+                <a:tab pos="8226425" algn="l"/>
+                <a:tab pos="8683625" algn="l"/>
+                <a:tab pos="9140825" algn="l"/>
+              </a:tabLst>
+            </a:pPr>
+            <a:r>
+              <a:rPr lang="en-GB" b="1" dirty="0"/>
+              <a:t>Precursor</a:t>
+            </a:r>
+            <a:r>
+              <a:rPr lang="en-GB" dirty="0"/>
+              <a:t>:  event or set of events that must occur in order for an activity to start</a:t>
+            </a:r>
+          </a:p>
+          <a:p>
+            <a:pPr eaLnBrk="1" hangingPunct="1">
+              <a:tabLst>
+                <a:tab pos="454025" algn="l"/>
+                <a:tab pos="911225" algn="l"/>
+                <a:tab pos="1368425" algn="l"/>
+                <a:tab pos="1825625" algn="l"/>
+                <a:tab pos="2282825" algn="l"/>
+                <a:tab pos="2740025" algn="l"/>
+                <a:tab pos="3197225" algn="l"/>
+                <a:tab pos="3654425" algn="l"/>
+                <a:tab pos="4111625" algn="l"/>
+                <a:tab pos="4568825" algn="l"/>
+                <a:tab pos="5026025" algn="l"/>
+                <a:tab pos="5483225" algn="l"/>
+                <a:tab pos="5940425" algn="l"/>
+                <a:tab pos="6397625" algn="l"/>
+                <a:tab pos="6854825" algn="l"/>
+                <a:tab pos="7312025" algn="l"/>
+                <a:tab pos="7769225" algn="l"/>
+                <a:tab pos="8226425" algn="l"/>
+                <a:tab pos="8683625" algn="l"/>
+                <a:tab pos="9140825" algn="l"/>
+              </a:tabLst>
+            </a:pPr>
+            <a:r>
+              <a:rPr lang="en-GB" b="1" dirty="0"/>
+              <a:t>Duration</a:t>
+            </a:r>
+            <a:r>
+              <a:rPr lang="en-GB" dirty="0"/>
+              <a:t>:  length of time needed to complete an activity</a:t>
+            </a:r>
+          </a:p>
+          <a:p>
+            <a:pPr eaLnBrk="1" hangingPunct="1">
+              <a:tabLst>
+                <a:tab pos="454025" algn="l"/>
+                <a:tab pos="911225" algn="l"/>
+                <a:tab pos="1368425" algn="l"/>
+                <a:tab pos="1825625" algn="l"/>
+                <a:tab pos="2282825" algn="l"/>
+                <a:tab pos="2740025" algn="l"/>
+                <a:tab pos="3197225" algn="l"/>
+                <a:tab pos="3654425" algn="l"/>
+                <a:tab pos="4111625" algn="l"/>
+                <a:tab pos="4568825" algn="l"/>
+                <a:tab pos="5026025" algn="l"/>
+                <a:tab pos="5483225" algn="l"/>
+                <a:tab pos="5940425" algn="l"/>
+                <a:tab pos="6397625" algn="l"/>
+                <a:tab pos="6854825" algn="l"/>
+                <a:tab pos="7312025" algn="l"/>
+                <a:tab pos="7769225" algn="l"/>
+                <a:tab pos="8226425" algn="l"/>
+                <a:tab pos="8683625" algn="l"/>
+                <a:tab pos="9140825" algn="l"/>
+              </a:tabLst>
+            </a:pPr>
+            <a:r>
+              <a:rPr lang="en-GB" b="1" dirty="0"/>
+              <a:t>Due date</a:t>
+            </a:r>
+            <a:r>
+              <a:rPr lang="en-GB" dirty="0"/>
+              <a:t>:  date by which an activity must be completed</a:t>
+            </a:r>
+          </a:p>
+        </p:txBody>
+      </p:sp>
+      <p:sp>
+        <p:nvSpPr>
+          <p:cNvPr id="4" name="Rectangle 1"/>
+          <p:cNvSpPr>
+            <a:spLocks noGrp="1" noChangeArrowheads="1"/>
+          </p:cNvSpPr>
+          <p:nvPr>
+            <p:ph type="title" idx="4294967295"/>
+          </p:nvPr>
+        </p:nvSpPr>
+        <p:spPr>
+          <a:xfrm>
+            <a:off x="457200" y="661987"/>
+            <a:ext cx="8223250" cy="1139825"/>
           </a:xfrm>
         </p:spPr>
         <p:txBody>
@@ -7962,129 +7712,13 @@
             </a:pPr>
             <a:r>
               <a:rPr lang="en-GB" dirty="0"/>
-              <a:t>Entity-Relationship Diagrams</a:t>
-            </a:r>
-          </a:p>
-        </p:txBody>
-      </p:sp>
-      <p:sp>
-        <p:nvSpPr>
-          <p:cNvPr id="7" name="TextBox 6">
-            <a:extLst>
-              <a:ext uri="{FF2B5EF4-FFF2-40B4-BE49-F238E27FC236}">
-                <a16:creationId xmlns:a16="http://schemas.microsoft.com/office/drawing/2014/main" id="{34E46E13-28BB-4E8C-A23B-B1164CE2642B}"/>
-              </a:ext>
-            </a:extLst>
-          </p:cNvPr>
-          <p:cNvSpPr txBox="1"/>
-          <p:nvPr/>
-        </p:nvSpPr>
-        <p:spPr>
-          <a:xfrm>
-            <a:off x="469900" y="1600200"/>
-            <a:ext cx="8458200" cy="3157788"/>
-          </a:xfrm>
-          <a:prstGeom prst="rect">
-            <a:avLst/>
-          </a:prstGeom>
-          <a:noFill/>
-        </p:spPr>
-        <p:txBody>
-          <a:bodyPr wrap="square">
-            <a:spAutoFit/>
-          </a:bodyPr>
-          <a:lstStyle/>
-          <a:p>
-            <a:pPr eaLnBrk="1" hangingPunct="1">
-              <a:lnSpc>
-                <a:spcPct val="90000"/>
-              </a:lnSpc>
-              <a:spcBef>
-                <a:spcPts val="600"/>
-              </a:spcBef>
-              <a:spcAft>
-                <a:spcPts val="600"/>
-              </a:spcAft>
-            </a:pPr>
-            <a:r>
-              <a:rPr lang="en-US" altLang="en-US" sz="2800" dirty="0"/>
-              <a:t>The data modeling revolves around discovering and analyzing </a:t>
-            </a:r>
-            <a:r>
-              <a:rPr lang="en-US" altLang="en-US" sz="2800" dirty="0">
-                <a:solidFill>
-                  <a:schemeClr val="folHlink"/>
-                </a:solidFill>
-              </a:rPr>
-              <a:t>organizational and users data requirements.</a:t>
-            </a:r>
-          </a:p>
-          <a:p>
-            <a:pPr eaLnBrk="1" hangingPunct="1">
-              <a:lnSpc>
-                <a:spcPct val="90000"/>
-              </a:lnSpc>
-              <a:spcBef>
-                <a:spcPts val="600"/>
-              </a:spcBef>
-              <a:spcAft>
-                <a:spcPts val="600"/>
-              </a:spcAft>
-            </a:pPr>
-            <a:r>
-              <a:rPr lang="en-US" altLang="en-US" sz="2800" dirty="0">
-                <a:solidFill>
-                  <a:schemeClr val="folHlink"/>
-                </a:solidFill>
-              </a:rPr>
-              <a:t>Requirements based on policies, meetings, procedures, system specifications, etc.   </a:t>
-            </a:r>
-          </a:p>
-          <a:p>
-            <a:pPr lvl="1" eaLnBrk="1" hangingPunct="1">
-              <a:lnSpc>
-                <a:spcPct val="90000"/>
-              </a:lnSpc>
-              <a:spcBef>
-                <a:spcPts val="600"/>
-              </a:spcBef>
-              <a:spcAft>
-                <a:spcPts val="600"/>
-              </a:spcAft>
-            </a:pPr>
-            <a:r>
-              <a:rPr lang="en-US" altLang="en-US" sz="2400" dirty="0"/>
-              <a:t>Identify what data is important</a:t>
-            </a:r>
-          </a:p>
-          <a:p>
-            <a:pPr lvl="1" eaLnBrk="1" hangingPunct="1">
-              <a:lnSpc>
-                <a:spcPct val="90000"/>
-              </a:lnSpc>
-              <a:spcBef>
-                <a:spcPts val="600"/>
-              </a:spcBef>
-              <a:spcAft>
-                <a:spcPts val="600"/>
-              </a:spcAft>
-            </a:pPr>
-            <a:r>
-              <a:rPr lang="en-US" altLang="en-US" sz="2400" dirty="0"/>
-              <a:t>Identify what data should be maintained</a:t>
-            </a:r>
-            <a:endParaRPr lang="en-US" altLang="en-US" sz="2400" dirty="0">
-              <a:sym typeface="Wingdings" panose="05000000000000000000" pitchFamily="2" charset="2"/>
-            </a:endParaRPr>
+              <a:t>Project Schedule (Contd.)</a:t>
+            </a:r>
+            <a:endParaRPr lang="en-GB" sz="2800" dirty="0"/>
           </a:p>
         </p:txBody>
       </p:sp>
     </p:spTree>
-    <p:extLst>
-      <p:ext uri="{BB962C8B-B14F-4D97-AF65-F5344CB8AC3E}">
-        <p14:creationId xmlns:p14="http://schemas.microsoft.com/office/powerpoint/2010/main" val="1090106986"/>
-      </p:ext>
-    </p:extLst>
   </p:cSld>
   <p:clrMapOvr>
     <a:masterClrMapping/>
@@ -8093,7 +7727,7 @@
 </p:sld>
 </file>
 
-<file path=ppt/slides/slide4.xml><?xml version="1.0" encoding="utf-8"?>
+<file path=ppt/slides/slide6.xml><?xml version="1.0" encoding="utf-8"?>
 <p:sld xmlns:a="http://schemas.openxmlformats.org/drawingml/2006/main" xmlns:r="http://schemas.openxmlformats.org/officeDocument/2006/relationships" xmlns:p="http://schemas.openxmlformats.org/presentationml/2006/main">
   <p:cSld>
     <p:spTree>
@@ -8112,18 +7746,101 @@
       </p:grpSpPr>
       <p:sp>
         <p:nvSpPr>
-          <p:cNvPr id="6" name="Rectangle 1"/>
+          <p:cNvPr id="15363" name="Rectangle 2"/>
           <p:cNvSpPr>
             <a:spLocks noGrp="1" noChangeArrowheads="1"/>
           </p:cNvSpPr>
           <p:nvPr>
-            <p:ph type="title" idx="4294967295"/>
+            <p:ph type="body" idx="4294967295"/>
           </p:nvPr>
         </p:nvSpPr>
         <p:spPr>
           <a:xfrm>
-            <a:off x="457200" y="304800"/>
-            <a:ext cx="8216900" cy="1131888"/>
+            <a:off x="457200" y="1881187"/>
+            <a:ext cx="8223250" cy="4672013"/>
+          </a:xfrm>
+        </p:spPr>
+        <p:txBody>
+          <a:bodyPr/>
+          <a:lstStyle/>
+          <a:p>
+            <a:pPr eaLnBrk="1" hangingPunct="1">
+              <a:tabLst>
+                <a:tab pos="454025" algn="l"/>
+                <a:tab pos="911225" algn="l"/>
+                <a:tab pos="1368425" algn="l"/>
+                <a:tab pos="1825625" algn="l"/>
+                <a:tab pos="2282825" algn="l"/>
+                <a:tab pos="2740025" algn="l"/>
+                <a:tab pos="3197225" algn="l"/>
+                <a:tab pos="3654425" algn="l"/>
+                <a:tab pos="4111625" algn="l"/>
+                <a:tab pos="4568825" algn="l"/>
+                <a:tab pos="5026025" algn="l"/>
+                <a:tab pos="5483225" algn="l"/>
+                <a:tab pos="5940425" algn="l"/>
+                <a:tab pos="6397625" algn="l"/>
+                <a:tab pos="6854825" algn="l"/>
+                <a:tab pos="7312025" algn="l"/>
+                <a:tab pos="7769225" algn="l"/>
+                <a:tab pos="8226425" algn="l"/>
+                <a:tab pos="8683625" algn="l"/>
+                <a:tab pos="9140825" algn="l"/>
+              </a:tabLst>
+            </a:pPr>
+            <a:r>
+              <a:rPr lang="en-GB" sz="2600" dirty="0"/>
+              <a:t>Project development can be separated  into a succession of phases which are composed of steps, which are composed of activities (Work Breakdown Structure)</a:t>
+            </a:r>
+          </a:p>
+        </p:txBody>
+      </p:sp>
+      <p:pic>
+        <p:nvPicPr>
+          <p:cNvPr id="15364" name="Picture 5"/>
+          <p:cNvPicPr>
+            <a:picLocks noChangeAspect="1" noChangeArrowheads="1"/>
+          </p:cNvPicPr>
+          <p:nvPr/>
+        </p:nvPicPr>
+        <p:blipFill>
+          <a:blip r:embed="rId3" cstate="print"/>
+          <a:srcRect/>
+          <a:stretch>
+            <a:fillRect/>
+          </a:stretch>
+        </p:blipFill>
+        <p:spPr bwMode="auto">
+          <a:xfrm>
+            <a:off x="2590800" y="3230562"/>
+            <a:ext cx="5181600" cy="3246438"/>
+          </a:xfrm>
+          <a:prstGeom prst="rect">
+            <a:avLst/>
+          </a:prstGeom>
+          <a:noFill/>
+          <a:ln w="9525">
+            <a:noFill/>
+            <a:miter lim="800000"/>
+            <a:headEnd/>
+            <a:tailEnd/>
+          </a:ln>
+        </p:spPr>
+      </p:pic>
+      <p:sp>
+        <p:nvSpPr>
+          <p:cNvPr id="5" name="Rectangle 1"/>
+          <p:cNvSpPr>
+            <a:spLocks noGrp="1" noChangeArrowheads="1"/>
+          </p:cNvSpPr>
+          <p:nvPr>
+            <p:ph type="title" idx="4294967295"/>
+          </p:nvPr>
+        </p:nvSpPr>
+        <p:spPr>
+          <a:xfrm>
+            <a:off x="457200" y="661987"/>
+            <a:ext cx="8223250" cy="1139825"/>
           </a:xfrm>
         </p:spPr>
         <p:txBody>
@@ -8159,215 +7876,13 @@
             </a:pPr>
             <a:r>
               <a:rPr lang="en-GB" dirty="0"/>
-              <a:t>Entity-Relationship Diagrams</a:t>
-            </a:r>
-          </a:p>
-        </p:txBody>
-      </p:sp>
-      <p:sp>
-        <p:nvSpPr>
-          <p:cNvPr id="7" name="TextBox 6">
-            <a:extLst>
-              <a:ext uri="{FF2B5EF4-FFF2-40B4-BE49-F238E27FC236}">
-                <a16:creationId xmlns:a16="http://schemas.microsoft.com/office/drawing/2014/main" id="{34E46E13-28BB-4E8C-A23B-B1164CE2642B}"/>
-              </a:ext>
-            </a:extLst>
-          </p:cNvPr>
-          <p:cNvSpPr txBox="1"/>
-          <p:nvPr/>
-        </p:nvSpPr>
-        <p:spPr>
-          <a:xfrm>
-            <a:off x="457200" y="1281089"/>
-            <a:ext cx="8458200" cy="5576911"/>
-          </a:xfrm>
-          <a:prstGeom prst="rect">
-            <a:avLst/>
-          </a:prstGeom>
-          <a:noFill/>
-        </p:spPr>
-        <p:txBody>
-          <a:bodyPr wrap="square">
-            <a:spAutoFit/>
-          </a:bodyPr>
-          <a:lstStyle/>
-          <a:p>
-            <a:pPr eaLnBrk="1" hangingPunct="1">
-              <a:lnSpc>
-                <a:spcPct val="90000"/>
-              </a:lnSpc>
-            </a:pPr>
-            <a:r>
-              <a:rPr lang="en-US" altLang="en-US" sz="2800" dirty="0"/>
-              <a:t>Entity: </a:t>
-            </a:r>
-          </a:p>
-          <a:p>
-            <a:pPr lvl="1" eaLnBrk="1" hangingPunct="1">
-              <a:lnSpc>
-                <a:spcPct val="90000"/>
-              </a:lnSpc>
-            </a:pPr>
-            <a:r>
-              <a:rPr lang="en-US" altLang="en-US" sz="2400" dirty="0"/>
-              <a:t>"...</a:t>
-            </a:r>
-            <a:r>
-              <a:rPr lang="en-US" altLang="en-US" sz="2400" dirty="0">
-                <a:solidFill>
-                  <a:srgbClr val="0070C0"/>
-                </a:solidFill>
-              </a:rPr>
-              <a:t>anything</a:t>
-            </a:r>
-            <a:r>
-              <a:rPr lang="en-US" altLang="en-US" sz="2400" dirty="0"/>
-              <a:t> (people, places, objects, events, etc.) </a:t>
-            </a:r>
-            <a:r>
-              <a:rPr lang="en-US" altLang="en-US" sz="2400" dirty="0">
-                <a:solidFill>
-                  <a:srgbClr val="0070C0"/>
-                </a:solidFill>
-              </a:rPr>
-              <a:t>about which we store information </a:t>
-            </a:r>
-            <a:r>
-              <a:rPr lang="en-US" altLang="en-US" sz="2400" dirty="0"/>
-              <a:t>(e.g. supplier, machine tool, employee, utility pole, airline seat, etc.).”</a:t>
-            </a:r>
-          </a:p>
-          <a:p>
-            <a:pPr lvl="1" eaLnBrk="1" hangingPunct="1">
-              <a:lnSpc>
-                <a:spcPct val="90000"/>
-              </a:lnSpc>
-            </a:pPr>
-            <a:r>
-              <a:rPr lang="en-US" altLang="en-US" sz="2400" dirty="0"/>
-              <a:t>Tangible: customer, product</a:t>
-            </a:r>
-          </a:p>
-          <a:p>
-            <a:pPr lvl="1" eaLnBrk="1" hangingPunct="1">
-              <a:lnSpc>
-                <a:spcPct val="90000"/>
-              </a:lnSpc>
-            </a:pPr>
-            <a:r>
-              <a:rPr lang="en-US" altLang="en-US" sz="2400" dirty="0"/>
-              <a:t>Intangible: order, accounting receivable </a:t>
-            </a:r>
-          </a:p>
-          <a:p>
-            <a:pPr eaLnBrk="1" hangingPunct="1">
-              <a:lnSpc>
-                <a:spcPct val="90000"/>
-              </a:lnSpc>
-            </a:pPr>
-            <a:r>
-              <a:rPr lang="en-US" altLang="en-US" sz="2800" dirty="0"/>
-              <a:t>Attribute: </a:t>
-            </a:r>
-          </a:p>
-          <a:p>
-            <a:pPr lvl="1" eaLnBrk="1" hangingPunct="1">
-              <a:lnSpc>
-                <a:spcPct val="90000"/>
-              </a:lnSpc>
-            </a:pPr>
-            <a:r>
-              <a:rPr lang="en-US" altLang="en-US" sz="2400" dirty="0"/>
-              <a:t>Attributes are data objects that either identify or describe entities (property of an entity).</a:t>
-            </a:r>
-          </a:p>
-          <a:p>
-            <a:pPr eaLnBrk="1" hangingPunct="1">
-              <a:lnSpc>
-                <a:spcPct val="90000"/>
-              </a:lnSpc>
-            </a:pPr>
-            <a:r>
-              <a:rPr lang="en-US" altLang="en-US" sz="2800" dirty="0"/>
-              <a:t>Relationship: </a:t>
-            </a:r>
-          </a:p>
-          <a:p>
-            <a:pPr lvl="1" eaLnBrk="1" hangingPunct="1">
-              <a:lnSpc>
-                <a:spcPct val="90000"/>
-              </a:lnSpc>
-            </a:pPr>
-            <a:r>
-              <a:rPr lang="en-US" altLang="en-US" sz="2400" dirty="0"/>
-              <a:t>Relationships are associations between entities.</a:t>
-            </a:r>
-          </a:p>
-          <a:p>
-            <a:pPr lvl="1" eaLnBrk="1" hangingPunct="1">
-              <a:lnSpc>
-                <a:spcPct val="90000"/>
-              </a:lnSpc>
-            </a:pPr>
-            <a:r>
-              <a:rPr lang="en-US" altLang="en-US" sz="2400" dirty="0"/>
-              <a:t>Typically, a relationship is indicated by a verb connecting two or more entities. </a:t>
-            </a:r>
-          </a:p>
-          <a:p>
-            <a:pPr lvl="1" eaLnBrk="1" hangingPunct="1">
-              <a:lnSpc>
-                <a:spcPct val="90000"/>
-              </a:lnSpc>
-            </a:pPr>
-            <a:r>
-              <a:rPr lang="en-US" altLang="en-US" sz="2400" dirty="0"/>
-              <a:t>Employees </a:t>
-            </a:r>
-            <a:r>
-              <a:rPr lang="en-US" altLang="en-US" sz="2400" dirty="0">
-                <a:solidFill>
-                  <a:srgbClr val="FF0000"/>
-                </a:solidFill>
-              </a:rPr>
-              <a:t>are assigned </a:t>
-            </a:r>
-            <a:r>
-              <a:rPr lang="en-US" altLang="en-US" sz="2400" dirty="0"/>
-              <a:t>to projects</a:t>
-            </a:r>
-          </a:p>
-          <a:p>
-            <a:pPr lvl="1" eaLnBrk="1" hangingPunct="1">
-              <a:lnSpc>
-                <a:spcPct val="90000"/>
-              </a:lnSpc>
-            </a:pPr>
-            <a:r>
-              <a:rPr lang="en-US" altLang="en-US" sz="2400" dirty="0"/>
-              <a:t>Relationships should be classified in terms of cardinality. </a:t>
-            </a:r>
-          </a:p>
-          <a:p>
-            <a:pPr lvl="2" eaLnBrk="1" hangingPunct="1">
-              <a:lnSpc>
-                <a:spcPct val="90000"/>
-              </a:lnSpc>
-            </a:pPr>
-            <a:r>
-              <a:rPr lang="en-US" altLang="en-US" sz="2000" dirty="0"/>
-              <a:t>One-to-one, one-to-many, many to many, many to one</a:t>
-            </a:r>
-            <a:endParaRPr lang="en-US" altLang="en-US" sz="2400" dirty="0"/>
+              <a:t>Project Schedule (Contd.)</a:t>
+            </a:r>
+            <a:endParaRPr lang="en-GB" sz="2800" dirty="0"/>
           </a:p>
         </p:txBody>
       </p:sp>
     </p:spTree>
-    <p:extLst>
-      <p:ext uri="{BB962C8B-B14F-4D97-AF65-F5344CB8AC3E}">
-        <p14:creationId xmlns:p14="http://schemas.microsoft.com/office/powerpoint/2010/main" val="82481929"/>
-      </p:ext>
-    </p:extLst>
   </p:cSld>
   <p:clrMapOvr>
     <a:masterClrMapping/>
@@ -8376,7 +7891,7 @@
 </p:sld>
 </file>
 
-<file path=ppt/slides/slide5.xml><?xml version="1.0" encoding="utf-8"?>
+<file path=ppt/slides/slide7.xml><?xml version="1.0" encoding="utf-8"?>
 <p:sld xmlns:a="http://schemas.openxmlformats.org/drawingml/2006/main" xmlns:r="http://schemas.openxmlformats.org/officeDocument/2006/relationships" xmlns:p="http://schemas.openxmlformats.org/presentationml/2006/main">
   <p:cSld>
     <p:spTree>
@@ -8395,7 +7910,7 @@
       </p:grpSpPr>
       <p:sp>
         <p:nvSpPr>
-          <p:cNvPr id="6" name="Rectangle 1"/>
+          <p:cNvPr id="5" name="Rectangle 1"/>
           <p:cNvSpPr>
             <a:spLocks noGrp="1" noChangeArrowheads="1"/>
           </p:cNvSpPr>
@@ -8405,13 +7920,13 @@
         </p:nvSpPr>
         <p:spPr>
           <a:xfrm>
-            <a:off x="457200" y="304800"/>
-            <a:ext cx="8216900" cy="1131888"/>
+            <a:off x="457200" y="661987"/>
+            <a:ext cx="8991600" cy="1139825"/>
           </a:xfrm>
         </p:spPr>
         <p:txBody>
           <a:bodyPr>
-            <a:normAutofit/>
+            <a:normAutofit fontScale="90000"/>
           </a:bodyPr>
           <a:lstStyle/>
           <a:p>
@@ -8442,8 +7957,9 @@
             </a:pPr>
             <a:r>
               <a:rPr lang="en-GB" dirty="0"/>
-              <a:t>Entity-Relationship Diagrams</a:t>
-            </a:r>
+              <a:t>Work Break Down Structure(Contd.)</a:t>
+            </a:r>
+            <a:endParaRPr lang="en-GB" sz="2800" dirty="0"/>
           </a:p>
         </p:txBody>
       </p:sp>
@@ -8452,7 +7968,7 @@
           <p:cNvPr id="3" name="Picture 2">
             <a:extLst>
               <a:ext uri="{FF2B5EF4-FFF2-40B4-BE49-F238E27FC236}">
-                <a16:creationId xmlns:a16="http://schemas.microsoft.com/office/drawing/2014/main" id="{829E22B4-A4C1-422B-B8BD-D6981A753D28}"/>
+                <a16:creationId xmlns:a16="http://schemas.microsoft.com/office/drawing/2014/main" id="{E34BD824-D449-4A7C-AC94-AA94CC974C18}"/>
               </a:ext>
             </a:extLst>
           </p:cNvPr>
@@ -8461,191 +7977,52 @@
           </p:cNvPicPr>
           <p:nvPr/>
         </p:nvPicPr>
-        <p:blipFill>
+        <p:blipFill rotWithShape="1">
           <a:blip r:embed="rId3"/>
-          <a:stretch>
-            <a:fillRect/>
-          </a:stretch>
+          <a:srcRect t="2524"/>
+          <a:stretch/>
         </p:blipFill>
         <p:spPr>
           <a:xfrm>
-            <a:off x="1628775" y="1895475"/>
-            <a:ext cx="5886450" cy="3067050"/>
+            <a:off x="152400" y="2286000"/>
+            <a:ext cx="8515350" cy="2943225"/>
           </a:xfrm>
           <a:prstGeom prst="rect">
             <a:avLst/>
           </a:prstGeom>
         </p:spPr>
       </p:pic>
-    </p:spTree>
-    <p:extLst>
-      <p:ext uri="{BB962C8B-B14F-4D97-AF65-F5344CB8AC3E}">
-        <p14:creationId xmlns:p14="http://schemas.microsoft.com/office/powerpoint/2010/main" val="4183850308"/>
-      </p:ext>
-    </p:extLst>
-  </p:cSld>
-  <p:clrMapOvr>
-    <a:masterClrMapping/>
-  </p:clrMapOvr>
-  <p:transition spd="med"/>
-</p:sld>
-</file>
-
-<file path=ppt/slides/slide6.xml><?xml version="1.0" encoding="utf-8"?>
-<p:sld xmlns:a="http://schemas.openxmlformats.org/drawingml/2006/main" xmlns:r="http://schemas.openxmlformats.org/officeDocument/2006/relationships" xmlns:p="http://schemas.openxmlformats.org/presentationml/2006/main">
-  <p:cSld>
-    <p:spTree>
-      <p:nvGrpSpPr>
-        <p:cNvPr id="1" name=""/>
-        <p:cNvGrpSpPr/>
-        <p:nvPr/>
-      </p:nvGrpSpPr>
-      <p:grpSpPr>
-        <a:xfrm>
-          <a:off x="0" y="0"/>
-          <a:ext cx="0" cy="0"/>
-          <a:chOff x="0" y="0"/>
-          <a:chExt cx="0" cy="0"/>
-        </a:xfrm>
-      </p:grpSpPr>
-      <p:sp>
-        <p:nvSpPr>
-          <p:cNvPr id="6" name="Rectangle 1"/>
-          <p:cNvSpPr>
-            <a:spLocks noGrp="1" noChangeArrowheads="1"/>
-          </p:cNvSpPr>
-          <p:nvPr>
-            <p:ph type="title" idx="4294967295"/>
-          </p:nvPr>
-        </p:nvSpPr>
-        <p:spPr>
-          <a:xfrm>
-            <a:off x="457200" y="304800"/>
-            <a:ext cx="8216900" cy="1131888"/>
-          </a:xfrm>
-        </p:spPr>
-        <p:txBody>
-          <a:bodyPr>
-            <a:normAutofit/>
-          </a:bodyPr>
-          <a:lstStyle/>
-          <a:p>
-            <a:pPr eaLnBrk="1" hangingPunct="1">
-              <a:tabLst>
-                <a:tab pos="0" algn="l"/>
-                <a:tab pos="457200" algn="l"/>
-                <a:tab pos="914400" algn="l"/>
-                <a:tab pos="1371600" algn="l"/>
-                <a:tab pos="1828800" algn="l"/>
-                <a:tab pos="2286000" algn="l"/>
-                <a:tab pos="2743200" algn="l"/>
-                <a:tab pos="3200400" algn="l"/>
-                <a:tab pos="3657600" algn="l"/>
-                <a:tab pos="4114800" algn="l"/>
-                <a:tab pos="4572000" algn="l"/>
-                <a:tab pos="5029200" algn="l"/>
-                <a:tab pos="5486400" algn="l"/>
-                <a:tab pos="5943600" algn="l"/>
-                <a:tab pos="6400800" algn="l"/>
-                <a:tab pos="6858000" algn="l"/>
-                <a:tab pos="7315200" algn="l"/>
-                <a:tab pos="7772400" algn="l"/>
-                <a:tab pos="8229600" algn="l"/>
-                <a:tab pos="8686800" algn="l"/>
-                <a:tab pos="9144000" algn="l"/>
-              </a:tabLst>
-            </a:pPr>
-            <a:r>
-              <a:rPr lang="en-GB" dirty="0"/>
-              <a:t>Entity-Relationship Diagrams</a:t>
-            </a:r>
-          </a:p>
-        </p:txBody>
-      </p:sp>
-      <p:pic>
-        <p:nvPicPr>
-          <p:cNvPr id="4" name="Picture 3">
+      <p:sp>
+        <p:nvSpPr>
+          <p:cNvPr id="8" name="TextBox 7">
             <a:extLst>
               <a:ext uri="{FF2B5EF4-FFF2-40B4-BE49-F238E27FC236}">
-                <a16:creationId xmlns:a16="http://schemas.microsoft.com/office/drawing/2014/main" id="{7DC5BDC8-540D-40CE-B299-C133D7C0ABFA}"/>
+                <a16:creationId xmlns:a16="http://schemas.microsoft.com/office/drawing/2014/main" id="{E9A1AECA-F338-4378-8DC0-7CE0BB929105}"/>
               </a:ext>
             </a:extLst>
           </p:cNvPr>
-          <p:cNvPicPr>
-            <a:picLocks noChangeAspect="1"/>
-          </p:cNvPicPr>
+          <p:cNvSpPr txBox="1"/>
           <p:nvPr/>
-        </p:nvPicPr>
-        <p:blipFill>
-          <a:blip r:embed="rId3"/>
-          <a:stretch>
-            <a:fillRect/>
-          </a:stretch>
-        </p:blipFill>
+        </p:nvSpPr>
         <p:spPr>
           <a:xfrm>
-            <a:off x="1490663" y="1391031"/>
-            <a:ext cx="5214938" cy="4981193"/>
+            <a:off x="381000" y="1691433"/>
+            <a:ext cx="8286750" cy="830997"/>
           </a:xfrm>
           <a:prstGeom prst="rect">
             <a:avLst/>
           </a:prstGeom>
+          <a:noFill/>
         </p:spPr>
-      </p:pic>
-    </p:spTree>
-    <p:extLst>
-      <p:ext uri="{BB962C8B-B14F-4D97-AF65-F5344CB8AC3E}">
-        <p14:creationId xmlns:p14="http://schemas.microsoft.com/office/powerpoint/2010/main" val="3731635820"/>
-      </p:ext>
-    </p:extLst>
-  </p:cSld>
-  <p:clrMapOvr>
-    <a:masterClrMapping/>
-  </p:clrMapOvr>
-  <p:transition spd="med"/>
-</p:sld>
-</file>
-
-<file path=ppt/slides/slide7.xml><?xml version="1.0" encoding="utf-8"?>
-<p:sld xmlns:a="http://schemas.openxmlformats.org/drawingml/2006/main" xmlns:r="http://schemas.openxmlformats.org/officeDocument/2006/relationships" xmlns:p="http://schemas.openxmlformats.org/presentationml/2006/main">
-  <p:cSld>
-    <p:spTree>
-      <p:nvGrpSpPr>
-        <p:cNvPr id="1" name=""/>
-        <p:cNvGrpSpPr/>
-        <p:nvPr/>
-      </p:nvGrpSpPr>
-      <p:grpSpPr>
-        <a:xfrm>
-          <a:off x="0" y="0"/>
-          <a:ext cx="0" cy="0"/>
-          <a:chOff x="0" y="0"/>
-          <a:chExt cx="0" cy="0"/>
-        </a:xfrm>
-      </p:grpSpPr>
-      <p:sp>
-        <p:nvSpPr>
-          <p:cNvPr id="25603" name="Rectangle 2"/>
-          <p:cNvSpPr>
-            <a:spLocks noGrp="1" noChangeArrowheads="1"/>
-          </p:cNvSpPr>
-          <p:nvPr>
-            <p:ph type="body" idx="4294967295"/>
-          </p:nvPr>
-        </p:nvSpPr>
-        <p:spPr>
-          <a:xfrm>
-            <a:off x="457200" y="1447800"/>
-            <a:ext cx="8215313" cy="4803775"/>
-          </a:xfrm>
-        </p:spPr>
-        <p:txBody>
-          <a:bodyPr>
-            <a:normAutofit/>
+        <p:txBody>
+          <a:bodyPr wrap="square">
+            <a:spAutoFit/>
           </a:bodyPr>
           <a:lstStyle/>
           <a:p>
-            <a:pPr eaLnBrk="1" hangingPunct="1">
+            <a:pPr marL="342900" indent="-342900" eaLnBrk="1" hangingPunct="1">
+              <a:buFont typeface="Arial" panose="020B0604020202020204" pitchFamily="34" charset="0"/>
+              <a:buChar char="•"/>
               <a:tabLst>
                 <a:tab pos="454025" algn="l"/>
                 <a:tab pos="911225" algn="l"/>
@@ -8671,201 +8048,15 @@
             </a:pPr>
             <a:r>
               <a:rPr lang="en-GB" sz="2400" dirty="0"/>
-              <a:t>A Class Diagram represents a system in terms of </a:t>
-            </a:r>
-          </a:p>
-          <a:p>
-            <a:pPr lvl="1" eaLnBrk="1" hangingPunct="1">
-              <a:tabLst>
-                <a:tab pos="454025" algn="l"/>
-                <a:tab pos="911225" algn="l"/>
-                <a:tab pos="1368425" algn="l"/>
-                <a:tab pos="1825625" algn="l"/>
-                <a:tab pos="2282825" algn="l"/>
-                <a:tab pos="2740025" algn="l"/>
-                <a:tab pos="3197225" algn="l"/>
-                <a:tab pos="3654425" algn="l"/>
-                <a:tab pos="4111625" algn="l"/>
-                <a:tab pos="4568825" algn="l"/>
-                <a:tab pos="5026025" algn="l"/>
-                <a:tab pos="5483225" algn="l"/>
-                <a:tab pos="5940425" algn="l"/>
-                <a:tab pos="6397625" algn="l"/>
-                <a:tab pos="6854825" algn="l"/>
-                <a:tab pos="7312025" algn="l"/>
-                <a:tab pos="7769225" algn="l"/>
-                <a:tab pos="8226425" algn="l"/>
-                <a:tab pos="8683625" algn="l"/>
-                <a:tab pos="9140825" algn="l"/>
-              </a:tabLst>
-            </a:pPr>
-            <a:r>
-              <a:rPr lang="en-GB" sz="2000" i="1" dirty="0"/>
-              <a:t>objects</a:t>
-            </a:r>
-            <a:r>
-              <a:rPr lang="en-GB" sz="2000" dirty="0"/>
-              <a:t>: akin to entities, organized in classes that have an inheritance hierarchy</a:t>
-            </a:r>
-          </a:p>
-          <a:p>
-            <a:pPr lvl="1">
-              <a:tabLst>
-                <a:tab pos="454025" algn="l"/>
-                <a:tab pos="911225" algn="l"/>
-                <a:tab pos="1368425" algn="l"/>
-                <a:tab pos="1825625" algn="l"/>
-                <a:tab pos="2282825" algn="l"/>
-                <a:tab pos="2740025" algn="l"/>
-                <a:tab pos="3197225" algn="l"/>
-                <a:tab pos="3654425" algn="l"/>
-                <a:tab pos="4111625" algn="l"/>
-                <a:tab pos="4568825" algn="l"/>
-                <a:tab pos="5026025" algn="l"/>
-                <a:tab pos="5483225" algn="l"/>
-                <a:tab pos="5940425" algn="l"/>
-                <a:tab pos="6397625" algn="l"/>
-                <a:tab pos="6854825" algn="l"/>
-                <a:tab pos="7312025" algn="l"/>
-                <a:tab pos="7769225" algn="l"/>
-                <a:tab pos="8226425" algn="l"/>
-                <a:tab pos="8683625" algn="l"/>
-                <a:tab pos="9140825" algn="l"/>
-              </a:tabLst>
-            </a:pPr>
-            <a:r>
-              <a:rPr lang="en-GB" sz="2000" i="1" dirty="0"/>
-              <a:t>attributes</a:t>
-            </a:r>
-            <a:r>
-              <a:rPr lang="en-GB" sz="2000" dirty="0"/>
-              <a:t>: object's variables or characteristics</a:t>
-            </a:r>
-          </a:p>
-          <a:p>
-            <a:pPr lvl="1">
-              <a:tabLst>
-                <a:tab pos="454025" algn="l"/>
-                <a:tab pos="911225" algn="l"/>
-                <a:tab pos="1368425" algn="l"/>
-                <a:tab pos="1825625" algn="l"/>
-                <a:tab pos="2282825" algn="l"/>
-                <a:tab pos="2740025" algn="l"/>
-                <a:tab pos="3197225" algn="l"/>
-                <a:tab pos="3654425" algn="l"/>
-                <a:tab pos="4111625" algn="l"/>
-                <a:tab pos="4568825" algn="l"/>
-                <a:tab pos="5026025" algn="l"/>
-                <a:tab pos="5483225" algn="l"/>
-                <a:tab pos="5940425" algn="l"/>
-                <a:tab pos="6397625" algn="l"/>
-                <a:tab pos="6854825" algn="l"/>
-                <a:tab pos="7312025" algn="l"/>
-                <a:tab pos="7769225" algn="l"/>
-                <a:tab pos="8226425" algn="l"/>
-                <a:tab pos="8683625" algn="l"/>
-                <a:tab pos="9140825" algn="l"/>
-              </a:tabLst>
-            </a:pPr>
-            <a:r>
-              <a:rPr lang="en-GB" sz="2000" i="1" dirty="0" err="1"/>
-              <a:t>behaviors</a:t>
-            </a:r>
-            <a:r>
-              <a:rPr lang="en-GB" sz="2000" dirty="0"/>
-              <a:t>: actions on the object's variables</a:t>
-            </a:r>
-          </a:p>
-        </p:txBody>
-      </p:sp>
-      <p:sp>
-        <p:nvSpPr>
-          <p:cNvPr id="4" name="Rectangle 1"/>
-          <p:cNvSpPr>
-            <a:spLocks noGrp="1" noChangeArrowheads="1"/>
-          </p:cNvSpPr>
-          <p:nvPr>
-            <p:ph type="title" idx="4294967295"/>
-          </p:nvPr>
-        </p:nvSpPr>
-        <p:spPr>
-          <a:xfrm>
-            <a:off x="457200" y="304800"/>
-            <a:ext cx="8216900" cy="1131888"/>
-          </a:xfrm>
-        </p:spPr>
-        <p:txBody>
-          <a:bodyPr>
-            <a:normAutofit/>
-          </a:bodyPr>
-          <a:lstStyle/>
-          <a:p>
-            <a:pPr eaLnBrk="1" hangingPunct="1">
-              <a:tabLst>
-                <a:tab pos="0" algn="l"/>
-                <a:tab pos="457200" algn="l"/>
-                <a:tab pos="914400" algn="l"/>
-                <a:tab pos="1371600" algn="l"/>
-                <a:tab pos="1828800" algn="l"/>
-                <a:tab pos="2286000" algn="l"/>
-                <a:tab pos="2743200" algn="l"/>
-                <a:tab pos="3200400" algn="l"/>
-                <a:tab pos="3657600" algn="l"/>
-                <a:tab pos="4114800" algn="l"/>
-                <a:tab pos="4572000" algn="l"/>
-                <a:tab pos="5029200" algn="l"/>
-                <a:tab pos="5486400" algn="l"/>
-                <a:tab pos="5943600" algn="l"/>
-                <a:tab pos="6400800" algn="l"/>
-                <a:tab pos="6858000" algn="l"/>
-                <a:tab pos="7315200" algn="l"/>
-                <a:tab pos="7772400" algn="l"/>
-                <a:tab pos="8229600" algn="l"/>
-                <a:tab pos="8686800" algn="l"/>
-                <a:tab pos="9144000" algn="l"/>
-              </a:tabLst>
-            </a:pPr>
-            <a:r>
-              <a:rPr lang="en-GB" dirty="0"/>
-              <a:t>Class Diagram</a:t>
-            </a:r>
-          </a:p>
-        </p:txBody>
-      </p:sp>
-      <p:pic>
-        <p:nvPicPr>
-          <p:cNvPr id="6" name="Picture 5">
-            <a:extLst>
-              <a:ext uri="{FF2B5EF4-FFF2-40B4-BE49-F238E27FC236}">
-                <a16:creationId xmlns:a16="http://schemas.microsoft.com/office/drawing/2014/main" id="{260059D3-569A-4A2C-8753-2E1E407D49C1}"/>
-              </a:ext>
-            </a:extLst>
-          </p:cNvPr>
-          <p:cNvPicPr>
-            <a:picLocks noChangeAspect="1"/>
-          </p:cNvPicPr>
-          <p:nvPr/>
-        </p:nvPicPr>
-        <p:blipFill>
-          <a:blip r:embed="rId3"/>
-          <a:stretch>
-            <a:fillRect/>
-          </a:stretch>
-        </p:blipFill>
-        <p:spPr>
-          <a:xfrm>
-            <a:off x="1524000" y="3429000"/>
-            <a:ext cx="4308077" cy="3313355"/>
-          </a:xfrm>
-          <a:prstGeom prst="rect">
-            <a:avLst/>
-          </a:prstGeom>
-        </p:spPr>
-      </p:pic>
+              <a:t>Work breakdown structure depicts the project as a set of discrete pieces of work</a:t>
+            </a:r>
+          </a:p>
+        </p:txBody>
+      </p:sp>
     </p:spTree>
     <p:extLst>
       <p:ext uri="{BB962C8B-B14F-4D97-AF65-F5344CB8AC3E}">
-        <p14:creationId xmlns:p14="http://schemas.microsoft.com/office/powerpoint/2010/main" val="2188724135"/>
+        <p14:creationId xmlns:p14="http://schemas.microsoft.com/office/powerpoint/2010/main" val="4177005778"/>
       </p:ext>
     </p:extLst>
   </p:cSld>
@@ -8895,7 +8086,7 @@
       </p:grpSpPr>
       <p:sp>
         <p:nvSpPr>
-          <p:cNvPr id="4" name="Rectangle 1"/>
+          <p:cNvPr id="17410" name="Rectangle 1"/>
           <p:cNvSpPr>
             <a:spLocks noGrp="1" noChangeArrowheads="1"/>
           </p:cNvSpPr>
@@ -8905,8 +8096,8 @@
         </p:nvSpPr>
         <p:spPr>
           <a:xfrm>
-            <a:off x="457200" y="304800"/>
-            <a:ext cx="8216900" cy="1131888"/>
+            <a:off x="457200" y="536575"/>
+            <a:ext cx="8223250" cy="1139825"/>
           </a:xfrm>
         </p:spPr>
         <p:txBody>
@@ -8942,27 +8133,73 @@
             </a:pPr>
             <a:r>
               <a:rPr lang="en-GB" dirty="0"/>
-              <a:t>Class Diagram</a:t>
-            </a:r>
-          </a:p>
-        </p:txBody>
-      </p:sp>
-      <p:sp>
-        <p:nvSpPr>
-          <p:cNvPr id="5" name="TextBox 4">
-            <a:extLst>
-              <a:ext uri="{FF2B5EF4-FFF2-40B4-BE49-F238E27FC236}">
-                <a16:creationId xmlns:a16="http://schemas.microsoft.com/office/drawing/2014/main" id="{19756524-4FE1-4723-98A8-34B20B9911D9}"/>
-              </a:ext>
-            </a:extLst>
-          </p:cNvPr>
+              <a:t> Activity Networks</a:t>
+            </a:r>
+            <a:endParaRPr lang="en-GB" sz="2800" dirty="0"/>
+          </a:p>
+        </p:txBody>
+      </p:sp>
+      <p:sp>
+        <p:nvSpPr>
+          <p:cNvPr id="17411" name="Rectangle 2"/>
+          <p:cNvSpPr>
+            <a:spLocks noGrp="1" noChangeArrowheads="1"/>
+          </p:cNvSpPr>
+          <p:nvPr>
+            <p:ph type="body" idx="4294967295"/>
+          </p:nvPr>
+        </p:nvSpPr>
+        <p:spPr>
+          <a:xfrm>
+            <a:off x="457200" y="2109787"/>
+            <a:ext cx="8223250" cy="4672013"/>
+          </a:xfrm>
+        </p:spPr>
+        <p:txBody>
+          <a:bodyPr/>
+          <a:lstStyle/>
+          <a:p>
+            <a:pPr eaLnBrk="1" hangingPunct="1">
+              <a:tabLst>
+                <a:tab pos="454025" algn="l"/>
+                <a:tab pos="911225" algn="l"/>
+                <a:tab pos="1368425" algn="l"/>
+                <a:tab pos="1825625" algn="l"/>
+                <a:tab pos="2282825" algn="l"/>
+                <a:tab pos="2740025" algn="l"/>
+                <a:tab pos="3197225" algn="l"/>
+                <a:tab pos="3654425" algn="l"/>
+                <a:tab pos="4111625" algn="l"/>
+                <a:tab pos="4568825" algn="l"/>
+                <a:tab pos="5026025" algn="l"/>
+                <a:tab pos="5483225" algn="l"/>
+                <a:tab pos="5940425" algn="l"/>
+                <a:tab pos="6397625" algn="l"/>
+                <a:tab pos="6854825" algn="l"/>
+                <a:tab pos="7312025" algn="l"/>
+                <a:tab pos="7769225" algn="l"/>
+                <a:tab pos="8226425" algn="l"/>
+                <a:tab pos="8683625" algn="l"/>
+                <a:tab pos="9140825" algn="l"/>
+              </a:tabLst>
+            </a:pPr>
+            <a:r>
+              <a:rPr lang="en-GB" dirty="0"/>
+              <a:t>Activity networks depict the dependencies among activities</a:t>
+            </a:r>
+          </a:p>
+        </p:txBody>
+      </p:sp>
+      <p:sp>
+        <p:nvSpPr>
+          <p:cNvPr id="3" name="TextBox 2"/>
           <p:cNvSpPr txBox="1"/>
           <p:nvPr/>
         </p:nvSpPr>
         <p:spPr>
           <a:xfrm>
-            <a:off x="457200" y="1600200"/>
-            <a:ext cx="8001000" cy="3416320"/>
+            <a:off x="445477" y="3048000"/>
+            <a:ext cx="8484577" cy="1815882"/>
           </a:xfrm>
           <a:prstGeom prst="rect">
             <a:avLst/>
@@ -8970,116 +8207,62 @@
           <a:noFill/>
         </p:spPr>
         <p:txBody>
-          <a:bodyPr wrap="square">
+          <a:bodyPr wrap="square" rtlCol="0">
             <a:spAutoFit/>
           </a:bodyPr>
           <a:lstStyle/>
           <a:p>
-            <a:pPr algn="just"/>
-            <a:r>
-              <a:rPr lang="en-US" b="0" i="0" dirty="0">
-                <a:solidFill>
-                  <a:srgbClr val="000000"/>
-                </a:solidFill>
-                <a:effectLst/>
-                <a:latin typeface="Arial" panose="020B0604020202020204" pitchFamily="34" charset="0"/>
-              </a:rPr>
-              <a:t>Class diagram is basically a graphical representation of the static view of the system and represents different aspects of the application. A collection of class diagrams represent the whole system.</a:t>
-            </a:r>
-          </a:p>
-          <a:p>
-            <a:pPr algn="just"/>
-            <a:endParaRPr lang="en-US" b="0" i="0" dirty="0">
-              <a:solidFill>
-                <a:srgbClr val="000000"/>
-              </a:solidFill>
-              <a:effectLst/>
-              <a:latin typeface="Arial" panose="020B0604020202020204" pitchFamily="34" charset="0"/>
-            </a:endParaRPr>
-          </a:p>
-          <a:p>
-            <a:pPr algn="just"/>
-            <a:r>
-              <a:rPr lang="en-US" b="0" i="0" dirty="0">
-                <a:solidFill>
-                  <a:srgbClr val="000000"/>
-                </a:solidFill>
-                <a:effectLst/>
-                <a:latin typeface="Arial" panose="020B0604020202020204" pitchFamily="34" charset="0"/>
-              </a:rPr>
-              <a:t>The following points should be remembered while drawing a class diagram −</a:t>
-            </a:r>
-          </a:p>
-          <a:p>
-            <a:pPr algn="just">
+            <a:pPr marL="457200" indent="-457200">
               <a:buFont typeface="Arial" panose="020B0604020202020204" pitchFamily="34" charset="0"/>
               <a:buChar char="•"/>
             </a:pPr>
             <a:r>
-              <a:rPr lang="en-US" b="0" i="0" dirty="0">
-                <a:solidFill>
-                  <a:srgbClr val="000000"/>
-                </a:solidFill>
-                <a:effectLst/>
-                <a:latin typeface="Arial" panose="020B0604020202020204" pitchFamily="34" charset="0"/>
-              </a:rPr>
-              <a:t>The name of the class diagram should be meaningful to describe the aspect of the system.</a:t>
-            </a:r>
-          </a:p>
-          <a:p>
-            <a:pPr algn="just">
+              <a:rPr lang="en-US" sz="2800" dirty="0"/>
+              <a:t>Activity networks can be of two types</a:t>
+            </a:r>
+          </a:p>
+          <a:p>
+            <a:pPr marL="457200" indent="-457200">
               <a:buFont typeface="Arial" panose="020B0604020202020204" pitchFamily="34" charset="0"/>
               <a:buChar char="•"/>
             </a:pPr>
-            <a:r>
-              <a:rPr lang="en-US" b="0" i="0" dirty="0">
-                <a:solidFill>
-                  <a:srgbClr val="000000"/>
-                </a:solidFill>
-                <a:effectLst/>
-                <a:latin typeface="Arial" panose="020B0604020202020204" pitchFamily="34" charset="0"/>
-              </a:rPr>
-              <a:t>Each element and their relationships should be identified in advance.</a:t>
-            </a:r>
-          </a:p>
-          <a:p>
-            <a:pPr algn="just">
+            <a:endParaRPr lang="en-US" sz="2800" dirty="0"/>
+          </a:p>
+          <a:p>
+            <a:pPr marL="914400" lvl="1" indent="-457200">
               <a:buFont typeface="Arial" panose="020B0604020202020204" pitchFamily="34" charset="0"/>
               <a:buChar char="•"/>
             </a:pPr>
             <a:r>
-              <a:rPr lang="en-US" b="0" i="0" dirty="0">
-                <a:solidFill>
-                  <a:srgbClr val="000000"/>
-                </a:solidFill>
-                <a:effectLst/>
-                <a:latin typeface="Arial" panose="020B0604020202020204" pitchFamily="34" charset="0"/>
-              </a:rPr>
-              <a:t>Responsibility (attributes and methods) of each class should be clearly identified</a:t>
-            </a:r>
-          </a:p>
-          <a:p>
-            <a:pPr algn="just">
+              <a:rPr lang="en-US" sz="2800" dirty="0" err="1"/>
+              <a:t>AoA</a:t>
+            </a:r>
+            <a:r>
+              <a:rPr lang="en-US" sz="2800" dirty="0"/>
+              <a:t>: Activity on Arc</a:t>
+            </a:r>
+          </a:p>
+          <a:p>
+            <a:pPr marL="914400" lvl="1" indent="-457200">
               <a:buFont typeface="Arial" panose="020B0604020202020204" pitchFamily="34" charset="0"/>
               <a:buChar char="•"/>
             </a:pPr>
             <a:r>
-              <a:rPr lang="en-US" b="0" i="0" dirty="0">
-                <a:solidFill>
-                  <a:srgbClr val="000000"/>
-                </a:solidFill>
-                <a:effectLst/>
-                <a:latin typeface="Arial" panose="020B0604020202020204" pitchFamily="34" charset="0"/>
-              </a:rPr>
-              <a:t>For each class, minimum number of properties should be specified, as unnecessary properties will make the diagram complicated.</a:t>
-            </a:r>
+              <a:rPr lang="en-US" sz="2800" dirty="0" err="1"/>
+              <a:t>AoN</a:t>
+            </a:r>
+            <a:r>
+              <a:rPr lang="en-US" sz="2800" dirty="0"/>
+              <a:t>: Activity on Node</a:t>
+            </a:r>
+            <a:endParaRPr lang="en-US" dirty="0"/>
           </a:p>
         </p:txBody>
       </p:sp>
     </p:spTree>
     <p:extLst>
       <p:ext uri="{BB962C8B-B14F-4D97-AF65-F5344CB8AC3E}">
-        <p14:creationId xmlns:p14="http://schemas.microsoft.com/office/powerpoint/2010/main" val="389456910"/>
+        <p14:creationId xmlns:p14="http://schemas.microsoft.com/office/powerpoint/2010/main" val="3074115777"/>
       </p:ext>
     </p:extLst>
   </p:cSld>
@@ -9109,295 +8292,122 @@
       </p:grpSpPr>
       <p:sp>
         <p:nvSpPr>
-          <p:cNvPr id="4" name="Rectangle 1"/>
-          <p:cNvSpPr>
-            <a:spLocks noGrp="1" noChangeArrowheads="1"/>
-          </p:cNvSpPr>
-          <p:nvPr>
-            <p:ph type="title" idx="4294967295"/>
-          </p:nvPr>
-        </p:nvSpPr>
-        <p:spPr>
-          <a:xfrm>
-            <a:off x="457200" y="304800"/>
-            <a:ext cx="8216900" cy="1131888"/>
-          </a:xfrm>
-        </p:spPr>
+          <p:cNvPr id="2" name="Title 1"/>
+          <p:cNvSpPr>
+            <a:spLocks noGrp="1"/>
+          </p:cNvSpPr>
+          <p:nvPr>
+            <p:ph type="title"/>
+          </p:nvPr>
+        </p:nvSpPr>
+        <p:spPr/>
+        <p:txBody>
+          <a:bodyPr/>
+          <a:lstStyle/>
+          <a:p>
+            <a:r>
+              <a:rPr lang="en-US" dirty="0"/>
+              <a:t>Project Types</a:t>
+            </a:r>
+          </a:p>
+        </p:txBody>
+      </p:sp>
+      <p:sp>
+        <p:nvSpPr>
+          <p:cNvPr id="3" name="Content Placeholder 2"/>
+          <p:cNvSpPr>
+            <a:spLocks noGrp="1"/>
+          </p:cNvSpPr>
+          <p:nvPr>
+            <p:ph idx="1"/>
+          </p:nvPr>
+        </p:nvSpPr>
+        <p:spPr/>
         <p:txBody>
           <a:bodyPr>
-            <a:normAutofit/>
+            <a:normAutofit fontScale="92500" lnSpcReduction="20000"/>
           </a:bodyPr>
           <a:lstStyle/>
           <a:p>
-            <a:pPr eaLnBrk="1" hangingPunct="1">
-              <a:tabLst>
-                <a:tab pos="0" algn="l"/>
-                <a:tab pos="457200" algn="l"/>
-                <a:tab pos="914400" algn="l"/>
-                <a:tab pos="1371600" algn="l"/>
-                <a:tab pos="1828800" algn="l"/>
-                <a:tab pos="2286000" algn="l"/>
-                <a:tab pos="2743200" algn="l"/>
-                <a:tab pos="3200400" algn="l"/>
-                <a:tab pos="3657600" algn="l"/>
-                <a:tab pos="4114800" algn="l"/>
-                <a:tab pos="4572000" algn="l"/>
-                <a:tab pos="5029200" algn="l"/>
-                <a:tab pos="5486400" algn="l"/>
-                <a:tab pos="5943600" algn="l"/>
-                <a:tab pos="6400800" algn="l"/>
-                <a:tab pos="6858000" algn="l"/>
-                <a:tab pos="7315200" algn="l"/>
-                <a:tab pos="7772400" algn="l"/>
-                <a:tab pos="8229600" algn="l"/>
-                <a:tab pos="8686800" algn="l"/>
-                <a:tab pos="9144000" algn="l"/>
-              </a:tabLst>
-            </a:pPr>
-            <a:r>
-              <a:rPr lang="en-GB" dirty="0"/>
-              <a:t>Class Diagram</a:t>
-            </a:r>
-          </a:p>
-        </p:txBody>
-      </p:sp>
-      <p:sp>
-        <p:nvSpPr>
-          <p:cNvPr id="6" name="TextBox 5">
-            <a:extLst>
-              <a:ext uri="{FF2B5EF4-FFF2-40B4-BE49-F238E27FC236}">
-                <a16:creationId xmlns:a16="http://schemas.microsoft.com/office/drawing/2014/main" id="{C88AD584-3E54-40CB-9980-607FF201361B}"/>
-              </a:ext>
-            </a:extLst>
-          </p:cNvPr>
-          <p:cNvSpPr txBox="1"/>
-          <p:nvPr/>
-        </p:nvSpPr>
-        <p:spPr>
-          <a:xfrm>
-            <a:off x="304800" y="1676400"/>
-            <a:ext cx="9067800" cy="923330"/>
-          </a:xfrm>
-          <a:prstGeom prst="rect">
-            <a:avLst/>
-          </a:prstGeom>
-          <a:noFill/>
-        </p:spPr>
-        <p:txBody>
-          <a:bodyPr wrap="square">
-            <a:spAutoFit/>
-          </a:bodyPr>
-          <a:lstStyle/>
-          <a:p>
-            <a:pPr algn="l"/>
-            <a:r>
-              <a:rPr lang="en-US" b="0" i="0" dirty="0">
-                <a:solidFill>
-                  <a:srgbClr val="333333"/>
-                </a:solidFill>
-                <a:effectLst/>
-                <a:latin typeface="Open Sans" panose="020B0606030504020204" pitchFamily="34" charset="0"/>
-              </a:rPr>
-              <a:t>Class Relationships:</a:t>
-            </a:r>
-          </a:p>
-          <a:p>
-            <a:pPr algn="l"/>
-            <a:endParaRPr lang="en-US" b="0" i="0" dirty="0">
-              <a:solidFill>
-                <a:srgbClr val="333333"/>
-              </a:solidFill>
-              <a:effectLst/>
-              <a:latin typeface="Open Sans" panose="020B0606030504020204" pitchFamily="34" charset="0"/>
-            </a:endParaRPr>
-          </a:p>
-          <a:p>
-            <a:pPr algn="l"/>
-            <a:r>
-              <a:rPr lang="en-US" b="0" i="0" dirty="0">
-                <a:effectLst/>
-                <a:latin typeface="Open Sans" panose="020B0606030504020204" pitchFamily="34" charset="0"/>
-              </a:rPr>
-              <a:t>A class may be involved in one or more relationships with other classes.</a:t>
-            </a:r>
-          </a:p>
-        </p:txBody>
-      </p:sp>
-      <p:sp>
-        <p:nvSpPr>
-          <p:cNvPr id="7" name="TextBox 6">
-            <a:extLst>
-              <a:ext uri="{FF2B5EF4-FFF2-40B4-BE49-F238E27FC236}">
-                <a16:creationId xmlns:a16="http://schemas.microsoft.com/office/drawing/2014/main" id="{AD21991E-8CCA-4042-89BD-7D44CFD67F52}"/>
-              </a:ext>
-            </a:extLst>
-          </p:cNvPr>
-          <p:cNvSpPr txBox="1"/>
-          <p:nvPr/>
-        </p:nvSpPr>
-        <p:spPr>
-          <a:xfrm>
-            <a:off x="296333" y="2839442"/>
-            <a:ext cx="4690532" cy="369332"/>
-          </a:xfrm>
-          <a:prstGeom prst="rect">
-            <a:avLst/>
-          </a:prstGeom>
-          <a:noFill/>
-        </p:spPr>
-        <p:txBody>
-          <a:bodyPr wrap="square">
-            <a:spAutoFit/>
-          </a:bodyPr>
-          <a:lstStyle/>
-          <a:p>
-            <a:r>
-              <a:rPr lang="en-US" b="1" i="0" dirty="0">
-                <a:solidFill>
-                  <a:srgbClr val="737C85"/>
-                </a:solidFill>
-                <a:effectLst/>
-                <a:latin typeface="Open Sans" panose="020B0606030504020204" pitchFamily="34" charset="0"/>
-              </a:rPr>
-              <a:t>Inheritance</a:t>
-            </a:r>
-            <a:r>
-              <a:rPr lang="en-US" b="0" i="0" dirty="0">
-                <a:solidFill>
-                  <a:srgbClr val="737C85"/>
-                </a:solidFill>
-                <a:effectLst/>
-                <a:latin typeface="Open Sans" panose="020B0606030504020204" pitchFamily="34" charset="0"/>
-              </a:rPr>
-              <a:t> (or Generalization)</a:t>
-            </a:r>
-            <a:endParaRPr lang="en-PK" dirty="0"/>
-          </a:p>
-        </p:txBody>
-      </p:sp>
-      <p:pic>
-        <p:nvPicPr>
-          <p:cNvPr id="9" name="Picture 8">
-            <a:extLst>
-              <a:ext uri="{FF2B5EF4-FFF2-40B4-BE49-F238E27FC236}">
-                <a16:creationId xmlns:a16="http://schemas.microsoft.com/office/drawing/2014/main" id="{73CD834F-8A26-409D-A25A-BBA097366771}"/>
-              </a:ext>
-            </a:extLst>
-          </p:cNvPr>
-          <p:cNvPicPr>
-            <a:picLocks noChangeAspect="1"/>
-          </p:cNvPicPr>
-          <p:nvPr/>
-        </p:nvPicPr>
-        <p:blipFill>
-          <a:blip r:embed="rId3"/>
-          <a:stretch>
-            <a:fillRect/>
-          </a:stretch>
-        </p:blipFill>
-        <p:spPr>
-          <a:xfrm>
-            <a:off x="762000" y="3505200"/>
-            <a:ext cx="2419350" cy="2762250"/>
-          </a:xfrm>
-          <a:prstGeom prst="rect">
-            <a:avLst/>
-          </a:prstGeom>
-        </p:spPr>
-      </p:pic>
-      <p:sp>
-        <p:nvSpPr>
-          <p:cNvPr id="11" name="TextBox 10">
-            <a:extLst>
-              <a:ext uri="{FF2B5EF4-FFF2-40B4-BE49-F238E27FC236}">
-                <a16:creationId xmlns:a16="http://schemas.microsoft.com/office/drawing/2014/main" id="{29C76625-2CBE-459F-B750-3054A7169817}"/>
-              </a:ext>
-            </a:extLst>
-          </p:cNvPr>
-          <p:cNvSpPr txBox="1"/>
-          <p:nvPr/>
-        </p:nvSpPr>
-        <p:spPr>
-          <a:xfrm>
-            <a:off x="5334000" y="2884025"/>
-            <a:ext cx="4690532" cy="369332"/>
-          </a:xfrm>
-          <a:prstGeom prst="rect">
-            <a:avLst/>
-          </a:prstGeom>
-          <a:noFill/>
-        </p:spPr>
-        <p:txBody>
-          <a:bodyPr wrap="square">
-            <a:spAutoFit/>
-          </a:bodyPr>
-          <a:lstStyle/>
-          <a:p>
-            <a:r>
-              <a:rPr lang="en-US" b="1" i="0" dirty="0">
-                <a:solidFill>
-                  <a:srgbClr val="737C85"/>
-                </a:solidFill>
-                <a:effectLst/>
-                <a:latin typeface="Open Sans" panose="020B0606030504020204" pitchFamily="34" charset="0"/>
-              </a:rPr>
-              <a:t>Simple Association</a:t>
-            </a:r>
-            <a:r>
-              <a:rPr lang="en-US" b="0" i="0" dirty="0">
-                <a:solidFill>
-                  <a:srgbClr val="737C85"/>
-                </a:solidFill>
-                <a:effectLst/>
-                <a:latin typeface="Open Sans" panose="020B0606030504020204" pitchFamily="34" charset="0"/>
-              </a:rPr>
-              <a:t>:</a:t>
-            </a:r>
-            <a:endParaRPr lang="en-PK" dirty="0"/>
-          </a:p>
-        </p:txBody>
-      </p:sp>
-      <p:pic>
-        <p:nvPicPr>
-          <p:cNvPr id="13" name="Picture 12">
-            <a:extLst>
-              <a:ext uri="{FF2B5EF4-FFF2-40B4-BE49-F238E27FC236}">
-                <a16:creationId xmlns:a16="http://schemas.microsoft.com/office/drawing/2014/main" id="{E5A002FF-AA6D-4F2F-AC3F-F39EA9FA75D9}"/>
-              </a:ext>
-            </a:extLst>
-          </p:cNvPr>
-          <p:cNvPicPr>
-            <a:picLocks noChangeAspect="1"/>
-          </p:cNvPicPr>
-          <p:nvPr/>
-        </p:nvPicPr>
-        <p:blipFill>
-          <a:blip r:embed="rId4"/>
-          <a:stretch>
-            <a:fillRect/>
-          </a:stretch>
-        </p:blipFill>
-        <p:spPr>
-          <a:xfrm>
-            <a:off x="5009092" y="4038600"/>
-            <a:ext cx="3381375" cy="1895475"/>
-          </a:xfrm>
-          <a:prstGeom prst="rect">
-            <a:avLst/>
-          </a:prstGeom>
-        </p:spPr>
-      </p:pic>
+            <a:r>
+              <a:rPr lang="en-US" dirty="0"/>
+              <a:t>Concept Development</a:t>
+            </a:r>
+          </a:p>
+          <a:p>
+            <a:pPr lvl="1"/>
+            <a:r>
+              <a:rPr lang="en-US" dirty="0"/>
+              <a:t>To explore new business concept</a:t>
+            </a:r>
+          </a:p>
+          <a:p>
+            <a:r>
+              <a:rPr lang="en-US" dirty="0"/>
+              <a:t>New Application Development</a:t>
+            </a:r>
+          </a:p>
+          <a:p>
+            <a:pPr lvl="1"/>
+            <a:r>
+              <a:rPr lang="en-US" dirty="0"/>
+              <a:t>As a consequence of specific customer request</a:t>
+            </a:r>
+          </a:p>
+          <a:p>
+            <a:r>
+              <a:rPr lang="en-US" dirty="0"/>
+              <a:t>Application Enhancement</a:t>
+            </a:r>
+          </a:p>
+          <a:p>
+            <a:pPr lvl="1"/>
+            <a:r>
+              <a:rPr lang="en-US" dirty="0"/>
+              <a:t>Modifications to existing functions, performance, interfaces of software; observable by the end user</a:t>
+            </a:r>
+          </a:p>
+          <a:p>
+            <a:r>
+              <a:rPr lang="en-US" dirty="0"/>
+              <a:t>Application Maintenance</a:t>
+            </a:r>
+          </a:p>
+          <a:p>
+            <a:pPr lvl="1"/>
+            <a:r>
+              <a:rPr lang="en-US" dirty="0"/>
+              <a:t>Correct, adapt, extend existing software; not immediately obvious to end user</a:t>
+            </a:r>
+          </a:p>
+          <a:p>
+            <a:r>
+              <a:rPr lang="en-US" dirty="0"/>
+              <a:t>Reengineering Projects</a:t>
+            </a:r>
+          </a:p>
+          <a:p>
+            <a:pPr lvl="1"/>
+            <a:r>
+              <a:rPr lang="en-US" dirty="0"/>
+              <a:t>Redevelop an existing system</a:t>
+            </a:r>
+          </a:p>
+          <a:p>
+            <a:endParaRPr lang="en-US" dirty="0"/>
+          </a:p>
+        </p:txBody>
+      </p:sp>
     </p:spTree>
     <p:extLst>
       <p:ext uri="{BB962C8B-B14F-4D97-AF65-F5344CB8AC3E}">
-        <p14:creationId xmlns:p14="http://schemas.microsoft.com/office/powerpoint/2010/main" val="3030807346"/>
+        <p14:creationId xmlns:p14="http://schemas.microsoft.com/office/powerpoint/2010/main" val="458550841"/>
       </p:ext>
     </p:extLst>
   </p:cSld>
   <p:clrMapOvr>
     <a:masterClrMapping/>
   </p:clrMapOvr>
-  <p:transition spd="med"/>
 </p:sld>
 </file>
 
